--- a/source/MySEProject/Documentation/Multi Sequence Learning.pptx
+++ b/source/MySEProject/Documentation/Multi Sequence Learning.pptx
@@ -7,7 +7,12 @@
   <p:sldIdLst>
     <p:sldId id="256" r:id="rId2"/>
     <p:sldId id="258" r:id="rId3"/>
-    <p:sldId id="259" r:id="rId4"/>
+    <p:sldId id="261" r:id="rId4"/>
+    <p:sldId id="262" r:id="rId5"/>
+    <p:sldId id="263" r:id="rId6"/>
+    <p:sldId id="264" r:id="rId7"/>
+    <p:sldId id="259" r:id="rId8"/>
+    <p:sldId id="260" r:id="rId9"/>
   </p:sldIdLst>
   <p:sldSz cx="12192000" cy="6858000"/>
   <p:notesSz cx="6858000" cy="9144000"/>
@@ -106,6 +111,11 @@
       </a:defRPr>
     </a:lvl9pPr>
   </p:defaultTextStyle>
+  <p:extLst>
+    <p:ext uri="{EFAFB233-063F-42B5-8137-9DF3F51BA10A}">
+      <p15:sldGuideLst xmlns:p15="http://schemas.microsoft.com/office/powerpoint/2012/main"/>
+    </p:ext>
+  </p:extLst>
 </p:presentation>
 </file>
 
@@ -258,7 +268,7 @@
           <a:p>
             <a:fld id="{47FB91C6-648F-4165-8C23-0859688E9FB2}" type="datetimeFigureOut">
               <a:rPr lang="en-IN" smtClean="0"/>
-              <a:t>24-03-2022</a:t>
+              <a:t>27-03-2022</a:t>
             </a:fld>
             <a:endParaRPr lang="en-IN"/>
           </a:p>
@@ -458,7 +468,7 @@
           <a:p>
             <a:fld id="{47FB91C6-648F-4165-8C23-0859688E9FB2}" type="datetimeFigureOut">
               <a:rPr lang="en-IN" smtClean="0"/>
-              <a:t>24-03-2022</a:t>
+              <a:t>27-03-2022</a:t>
             </a:fld>
             <a:endParaRPr lang="en-IN"/>
           </a:p>
@@ -668,7 +678,7 @@
           <a:p>
             <a:fld id="{47FB91C6-648F-4165-8C23-0859688E9FB2}" type="datetimeFigureOut">
               <a:rPr lang="en-IN" smtClean="0"/>
-              <a:t>24-03-2022</a:t>
+              <a:t>27-03-2022</a:t>
             </a:fld>
             <a:endParaRPr lang="en-IN"/>
           </a:p>
@@ -868,7 +878,7 @@
           <a:p>
             <a:fld id="{47FB91C6-648F-4165-8C23-0859688E9FB2}" type="datetimeFigureOut">
               <a:rPr lang="en-IN" smtClean="0"/>
-              <a:t>24-03-2022</a:t>
+              <a:t>27-03-2022</a:t>
             </a:fld>
             <a:endParaRPr lang="en-IN"/>
           </a:p>
@@ -1144,7 +1154,7 @@
           <a:p>
             <a:fld id="{47FB91C6-648F-4165-8C23-0859688E9FB2}" type="datetimeFigureOut">
               <a:rPr lang="en-IN" smtClean="0"/>
-              <a:t>24-03-2022</a:t>
+              <a:t>27-03-2022</a:t>
             </a:fld>
             <a:endParaRPr lang="en-IN"/>
           </a:p>
@@ -1412,7 +1422,7 @@
           <a:p>
             <a:fld id="{47FB91C6-648F-4165-8C23-0859688E9FB2}" type="datetimeFigureOut">
               <a:rPr lang="en-IN" smtClean="0"/>
-              <a:t>24-03-2022</a:t>
+              <a:t>27-03-2022</a:t>
             </a:fld>
             <a:endParaRPr lang="en-IN"/>
           </a:p>
@@ -1827,7 +1837,7 @@
           <a:p>
             <a:fld id="{47FB91C6-648F-4165-8C23-0859688E9FB2}" type="datetimeFigureOut">
               <a:rPr lang="en-IN" smtClean="0"/>
-              <a:t>24-03-2022</a:t>
+              <a:t>27-03-2022</a:t>
             </a:fld>
             <a:endParaRPr lang="en-IN"/>
           </a:p>
@@ -1969,7 +1979,7 @@
           <a:p>
             <a:fld id="{47FB91C6-648F-4165-8C23-0859688E9FB2}" type="datetimeFigureOut">
               <a:rPr lang="en-IN" smtClean="0"/>
-              <a:t>24-03-2022</a:t>
+              <a:t>27-03-2022</a:t>
             </a:fld>
             <a:endParaRPr lang="en-IN"/>
           </a:p>
@@ -2082,7 +2092,7 @@
           <a:p>
             <a:fld id="{47FB91C6-648F-4165-8C23-0859688E9FB2}" type="datetimeFigureOut">
               <a:rPr lang="en-IN" smtClean="0"/>
-              <a:t>24-03-2022</a:t>
+              <a:t>27-03-2022</a:t>
             </a:fld>
             <a:endParaRPr lang="en-IN"/>
           </a:p>
@@ -2395,7 +2405,7 @@
           <a:p>
             <a:fld id="{47FB91C6-648F-4165-8C23-0859688E9FB2}" type="datetimeFigureOut">
               <a:rPr lang="en-IN" smtClean="0"/>
-              <a:t>24-03-2022</a:t>
+              <a:t>27-03-2022</a:t>
             </a:fld>
             <a:endParaRPr lang="en-IN"/>
           </a:p>
@@ -2684,7 +2694,7 @@
           <a:p>
             <a:fld id="{47FB91C6-648F-4165-8C23-0859688E9FB2}" type="datetimeFigureOut">
               <a:rPr lang="en-IN" smtClean="0"/>
-              <a:t>24-03-2022</a:t>
+              <a:t>27-03-2022</a:t>
             </a:fld>
             <a:endParaRPr lang="en-IN"/>
           </a:p>
@@ -2927,7 +2937,7 @@
           <a:p>
             <a:fld id="{47FB91C6-648F-4165-8C23-0859688E9FB2}" type="datetimeFigureOut">
               <a:rPr lang="en-IN" smtClean="0"/>
-              <a:t>24-03-2022</a:t>
+              <a:t>27-03-2022</a:t>
             </a:fld>
             <a:endParaRPr lang="en-IN"/>
           </a:p>
@@ -3555,7 +3565,7 @@
             <a:pPr algn="ctr"/>
             <a:r>
               <a:rPr lang="en-IN" sz="3600" b="1" dirty="0"/>
-              <a:t>Objective</a:t>
+              <a:t>Objective/Abstract</a:t>
             </a:r>
             <a:endParaRPr lang="en-IN" b="1" dirty="0"/>
           </a:p>
@@ -3579,28 +3589,103 @@
         </p:nvSpPr>
         <p:spPr>
           <a:xfrm>
-            <a:off x="1194335" y="2759276"/>
-            <a:ext cx="9200949" cy="1533592"/>
+            <a:off x="838201" y="1690688"/>
+            <a:ext cx="10076848" cy="3324074"/>
           </a:xfrm>
         </p:spPr>
         <p:txBody>
-          <a:bodyPr/>
-          <a:lstStyle/>
-          <a:p>
-            <a:pPr marL="0" indent="0">
+          <a:bodyPr>
+            <a:noAutofit/>
+          </a:bodyPr>
+          <a:lstStyle/>
+          <a:p>
+            <a:pPr marL="0" indent="0" algn="just">
               <a:buNone/>
             </a:pPr>
             <a:r>
-              <a:rPr lang="en-US" b="0" i="0" dirty="0">
-                <a:solidFill>
-                  <a:srgbClr val="24292F"/>
-                </a:solidFill>
+              <a:rPr lang="en-IN" sz="1600" b="1" dirty="0">
                 <a:effectLst/>
-                <a:latin typeface="-apple-system"/>
+                <a:latin typeface="Bell MT" panose="02020503060305020303" pitchFamily="18" charset="0"/>
+                <a:ea typeface="SimSun" panose="02010600030101010101" pitchFamily="2" charset="-122"/>
               </a:rPr>
-              <a:t>To demonstrate learning of sequences such as set of Number sequences, Alphabets (Cancer Cells Sequences) and Image Data Sets (Apple, Avocado, Banana)</a:t>
-            </a:r>
-            <a:endParaRPr lang="en-IN" dirty="0"/>
+              <a:t>The evolution of life on Earth has developed the human brain containing the cortex which in the environment processes a series of sensory information and builds temporary memory</a:t>
+            </a:r>
+            <a:r>
+              <a:rPr lang="en-US" sz="1600" b="1" dirty="0">
+                <a:effectLst/>
+                <a:latin typeface="Bell MT" panose="02020503060305020303" pitchFamily="18" charset="0"/>
+                <a:ea typeface="SimSun" panose="02010600030101010101" pitchFamily="2" charset="-122"/>
+              </a:rPr>
+              <a:t>.</a:t>
+            </a:r>
+            <a:r>
+              <a:rPr lang="en-IN" sz="1600" b="1" dirty="0">
+                <a:effectLst/>
+                <a:latin typeface="Bell MT" panose="02020503060305020303" pitchFamily="18" charset="0"/>
+                <a:ea typeface="SimSun" panose="02010600030101010101" pitchFamily="2" charset="-122"/>
+              </a:rPr>
+              <a:t> This leads to identifying and foretelling information about the previously visualized functions like speech recognition, natural vision, and sequences of information. </a:t>
+            </a:r>
+            <a:r>
+              <a:rPr lang="en-US" sz="1600" b="1" dirty="0">
+                <a:effectLst/>
+                <a:latin typeface="Bell MT" panose="02020503060305020303" pitchFamily="18" charset="0"/>
+                <a:ea typeface="SimSun" panose="02010600030101010101" pitchFamily="2" charset="-122"/>
+              </a:rPr>
+              <a:t>In real-life situations, the prediction and perception of temporal sequences for sensory inputs </a:t>
+            </a:r>
+            <a:r>
+              <a:rPr lang="en-IN" sz="1600" b="1" dirty="0">
+                <a:effectLst/>
+                <a:latin typeface="Bell MT" panose="02020503060305020303" pitchFamily="18" charset="0"/>
+                <a:ea typeface="SimSun" panose="02010600030101010101" pitchFamily="2" charset="-122"/>
+              </a:rPr>
+              <a:t>are</a:t>
+            </a:r>
+            <a:r>
+              <a:rPr lang="en-US" sz="1600" b="1" dirty="0">
+                <a:effectLst/>
+                <a:latin typeface="Bell MT" panose="02020503060305020303" pitchFamily="18" charset="0"/>
+                <a:ea typeface="SimSun" panose="02010600030101010101" pitchFamily="2" charset="-122"/>
+              </a:rPr>
+              <a:t> useful/critical. Based on multiple known features of neurons, a theoretical framework has been proposed for sequence learning in the cortex is known as Hierarchical Temporal Memory (HTM) sequence learning. The model using temporal memory can handle varying the sequences  by keeping the predictions until valid evidence is available.</a:t>
+            </a:r>
+            <a:r>
+              <a:rPr lang="en-US" sz="1600" dirty="0">
+                <a:effectLst/>
+                <a:latin typeface="Bell MT" panose="02020503060305020303" pitchFamily="18" charset="0"/>
+                <a:ea typeface="SimSun" panose="02010600030101010101" pitchFamily="2" charset="-122"/>
+              </a:rPr>
+              <a:t> </a:t>
+            </a:r>
+            <a:r>
+              <a:rPr lang="en-US" sz="1600" b="1" dirty="0">
+                <a:effectLst/>
+                <a:latin typeface="Bell MT" panose="02020503060305020303" pitchFamily="18" charset="0"/>
+                <a:ea typeface="SimSun" panose="02010600030101010101" pitchFamily="2" charset="-122"/>
+              </a:rPr>
+              <a:t>HTM’s ability to predict future patterns arrive from learning which patterns are likely to follow each other. In scenarios when HTM receives a unique pattern, it compares historically received patterns with the new pattern. As input never repeats in the same fashion, the uniqueness of sequence is critical for recognizing inputs. HTM uses shifting order memory, which enables it to predict using variable-length sequences</a:t>
+            </a:r>
+            <a:r>
+              <a:rPr lang="en-IN" sz="1600" dirty="0">
+                <a:effectLst/>
+                <a:latin typeface="Bell MT" panose="02020503060305020303" pitchFamily="18" charset="0"/>
+              </a:rPr>
+              <a:t> </a:t>
+            </a:r>
+            <a:endParaRPr lang="en-IN" sz="1600" dirty="0">
+              <a:effectLst/>
+              <a:latin typeface="Bell MT" panose="02020503060305020303" pitchFamily="18" charset="0"/>
+              <a:ea typeface="SimSun" panose="02010600030101010101" pitchFamily="2" charset="-122"/>
+            </a:endParaRPr>
+          </a:p>
+          <a:p>
+            <a:pPr marL="0" indent="0" algn="just">
+              <a:buNone/>
+            </a:pPr>
+            <a:endParaRPr lang="en-IN" sz="1600" dirty="0">
+              <a:latin typeface="Bell MT" panose="02020503060305020303" pitchFamily="18" charset="0"/>
+            </a:endParaRPr>
           </a:p>
         </p:txBody>
       </p:sp>
@@ -3669,6 +3754,543 @@
           <p:cNvPr id="2" name="Title 1">
             <a:extLst>
               <a:ext uri="{FF2B5EF4-FFF2-40B4-BE49-F238E27FC236}">
+                <a16:creationId xmlns:a16="http://schemas.microsoft.com/office/drawing/2014/main" id="{9170FCDD-0BB7-4053-8FCA-629C083C4104}"/>
+              </a:ext>
+            </a:extLst>
+          </p:cNvPr>
+          <p:cNvSpPr>
+            <a:spLocks noGrp="1"/>
+          </p:cNvSpPr>
+          <p:nvPr>
+            <p:ph type="title"/>
+          </p:nvPr>
+        </p:nvSpPr>
+        <p:spPr/>
+        <p:txBody>
+          <a:bodyPr/>
+          <a:lstStyle/>
+          <a:p>
+            <a:r>
+              <a:rPr lang="en-IN" dirty="0"/>
+              <a:t>Introduction</a:t>
+            </a:r>
+          </a:p>
+        </p:txBody>
+      </p:sp>
+      <p:sp>
+        <p:nvSpPr>
+          <p:cNvPr id="3" name="Content Placeholder 2">
+            <a:extLst>
+              <a:ext uri="{FF2B5EF4-FFF2-40B4-BE49-F238E27FC236}">
+                <a16:creationId xmlns:a16="http://schemas.microsoft.com/office/drawing/2014/main" id="{FBD28BD0-38C4-4F0A-B329-E67596DDB6CE}"/>
+              </a:ext>
+            </a:extLst>
+          </p:cNvPr>
+          <p:cNvSpPr>
+            <a:spLocks noGrp="1"/>
+          </p:cNvSpPr>
+          <p:nvPr>
+            <p:ph idx="1"/>
+          </p:nvPr>
+        </p:nvSpPr>
+        <p:spPr/>
+        <p:txBody>
+          <a:bodyPr/>
+          <a:lstStyle/>
+          <a:p>
+            <a:r>
+              <a:rPr lang="en-IN" dirty="0"/>
+              <a:t>Medical Science and ML engineers were working on the understanding of cortex for temporal pattern recognition.</a:t>
+            </a:r>
+          </a:p>
+          <a:p>
+            <a:r>
+              <a:rPr lang="en-IN" dirty="0"/>
+              <a:t>HTM (Hierarchical Temporal Memory) has been proposed for sequence learning.</a:t>
+            </a:r>
+          </a:p>
+          <a:p>
+            <a:r>
+              <a:rPr lang="en-IN" dirty="0"/>
+              <a:t>HTM is a biomimetics model based on the principle of memory predictions.</a:t>
+            </a:r>
+          </a:p>
+          <a:p>
+            <a:pPr marL="0" indent="0">
+              <a:buNone/>
+            </a:pPr>
+            <a:endParaRPr lang="en-IN" dirty="0"/>
+          </a:p>
+          <a:p>
+            <a:endParaRPr lang="en-IN" dirty="0"/>
+          </a:p>
+        </p:txBody>
+      </p:sp>
+    </p:spTree>
+    <p:extLst>
+      <p:ext uri="{BB962C8B-B14F-4D97-AF65-F5344CB8AC3E}">
+        <p14:creationId xmlns:p14="http://schemas.microsoft.com/office/powerpoint/2010/main" val="700471639"/>
+      </p:ext>
+    </p:extLst>
+  </p:cSld>
+  <p:clrMapOvr>
+    <a:masterClrMapping/>
+  </p:clrMapOvr>
+</p:sld>
+</file>
+
+<file path=ppt/slides/slide4.xml><?xml version="1.0" encoding="utf-8"?>
+<p:sld xmlns:a="http://schemas.openxmlformats.org/drawingml/2006/main" xmlns:r="http://schemas.openxmlformats.org/officeDocument/2006/relationships" xmlns:p="http://schemas.openxmlformats.org/presentationml/2006/main">
+  <p:cSld>
+    <p:spTree>
+      <p:nvGrpSpPr>
+        <p:cNvPr id="1" name=""/>
+        <p:cNvGrpSpPr/>
+        <p:nvPr/>
+      </p:nvGrpSpPr>
+      <p:grpSpPr>
+        <a:xfrm>
+          <a:off x="0" y="0"/>
+          <a:ext cx="0" cy="0"/>
+          <a:chOff x="0" y="0"/>
+          <a:chExt cx="0" cy="0"/>
+        </a:xfrm>
+      </p:grpSpPr>
+      <p:sp>
+        <p:nvSpPr>
+          <p:cNvPr id="2" name="Title 1">
+            <a:extLst>
+              <a:ext uri="{FF2B5EF4-FFF2-40B4-BE49-F238E27FC236}">
+                <a16:creationId xmlns:a16="http://schemas.microsoft.com/office/drawing/2014/main" id="{969B4699-197F-4B53-ABFD-1A85C4D102F8}"/>
+              </a:ext>
+            </a:extLst>
+          </p:cNvPr>
+          <p:cNvSpPr>
+            <a:spLocks noGrp="1"/>
+          </p:cNvSpPr>
+          <p:nvPr>
+            <p:ph type="title"/>
+          </p:nvPr>
+        </p:nvSpPr>
+        <p:spPr/>
+        <p:txBody>
+          <a:bodyPr>
+            <a:normAutofit/>
+          </a:bodyPr>
+          <a:lstStyle/>
+          <a:p>
+            <a:r>
+              <a:rPr lang="en-IN" sz="3200" dirty="0"/>
+              <a:t>Introduction – SDRs (Sparse Distributed Representations)</a:t>
+            </a:r>
+          </a:p>
+        </p:txBody>
+      </p:sp>
+      <p:sp>
+        <p:nvSpPr>
+          <p:cNvPr id="3" name="Content Placeholder 2">
+            <a:extLst>
+              <a:ext uri="{FF2B5EF4-FFF2-40B4-BE49-F238E27FC236}">
+                <a16:creationId xmlns:a16="http://schemas.microsoft.com/office/drawing/2014/main" id="{EB8B512C-BD80-4664-A3C9-423799B77C31}"/>
+              </a:ext>
+            </a:extLst>
+          </p:cNvPr>
+          <p:cNvSpPr>
+            <a:spLocks noGrp="1"/>
+          </p:cNvSpPr>
+          <p:nvPr>
+            <p:ph idx="1"/>
+          </p:nvPr>
+        </p:nvSpPr>
+        <p:spPr>
+          <a:xfrm>
+            <a:off x="838200" y="1825625"/>
+            <a:ext cx="6130491" cy="4777306"/>
+          </a:xfrm>
+        </p:spPr>
+        <p:txBody>
+          <a:bodyPr/>
+          <a:lstStyle/>
+          <a:p>
+            <a:pPr marL="0" indent="0">
+              <a:buNone/>
+            </a:pPr>
+            <a:r>
+              <a:rPr lang="en-IN" dirty="0"/>
+              <a:t>HTM’s language is (Sparse Distributed Representations) SDRs of input patterns</a:t>
+            </a:r>
+          </a:p>
+          <a:p>
+            <a:pPr marL="0" indent="0">
+              <a:buNone/>
+            </a:pPr>
+            <a:r>
+              <a:rPr lang="en-IN" dirty="0"/>
+              <a:t>Generates SDRs internally to give fixed number of bits</a:t>
+            </a:r>
+          </a:p>
+          <a:p>
+            <a:pPr marL="0" indent="0">
+              <a:buNone/>
+            </a:pPr>
+            <a:r>
+              <a:rPr lang="en-IN" dirty="0"/>
+              <a:t>The bits are given semantic meaning</a:t>
+            </a:r>
+          </a:p>
+        </p:txBody>
+      </p:sp>
+      <p:pic>
+        <p:nvPicPr>
+          <p:cNvPr id="4" name="Picture 3">
+            <a:extLst>
+              <a:ext uri="{FF2B5EF4-FFF2-40B4-BE49-F238E27FC236}">
+                <a16:creationId xmlns:a16="http://schemas.microsoft.com/office/drawing/2014/main" id="{3102FCCF-24F5-447E-89F7-937153C8678F}"/>
+              </a:ext>
+            </a:extLst>
+          </p:cNvPr>
+          <p:cNvPicPr>
+            <a:picLocks noChangeAspect="1"/>
+          </p:cNvPicPr>
+          <p:nvPr/>
+        </p:nvPicPr>
+        <p:blipFill>
+          <a:blip r:embed="rId2"/>
+          <a:stretch>
+            <a:fillRect/>
+          </a:stretch>
+        </p:blipFill>
+        <p:spPr>
+          <a:xfrm>
+            <a:off x="7652263" y="2097336"/>
+            <a:ext cx="3464915" cy="3360187"/>
+          </a:xfrm>
+          <a:prstGeom prst="rect">
+            <a:avLst/>
+          </a:prstGeom>
+        </p:spPr>
+      </p:pic>
+    </p:spTree>
+    <p:extLst>
+      <p:ext uri="{BB962C8B-B14F-4D97-AF65-F5344CB8AC3E}">
+        <p14:creationId xmlns:p14="http://schemas.microsoft.com/office/powerpoint/2010/main" val="3745688357"/>
+      </p:ext>
+    </p:extLst>
+  </p:cSld>
+  <p:clrMapOvr>
+    <a:masterClrMapping/>
+  </p:clrMapOvr>
+</p:sld>
+</file>
+
+<file path=ppt/slides/slide5.xml><?xml version="1.0" encoding="utf-8"?>
+<p:sld xmlns:a="http://schemas.openxmlformats.org/drawingml/2006/main" xmlns:r="http://schemas.openxmlformats.org/officeDocument/2006/relationships" xmlns:p="http://schemas.openxmlformats.org/presentationml/2006/main">
+  <p:cSld>
+    <p:spTree>
+      <p:nvGrpSpPr>
+        <p:cNvPr id="1" name=""/>
+        <p:cNvGrpSpPr/>
+        <p:nvPr/>
+      </p:nvGrpSpPr>
+      <p:grpSpPr>
+        <a:xfrm>
+          <a:off x="0" y="0"/>
+          <a:ext cx="0" cy="0"/>
+          <a:chOff x="0" y="0"/>
+          <a:chExt cx="0" cy="0"/>
+        </a:xfrm>
+      </p:grpSpPr>
+      <p:sp>
+        <p:nvSpPr>
+          <p:cNvPr id="2" name="Title 1">
+            <a:extLst>
+              <a:ext uri="{FF2B5EF4-FFF2-40B4-BE49-F238E27FC236}">
+                <a16:creationId xmlns:a16="http://schemas.microsoft.com/office/drawing/2014/main" id="{E946CDE2-F97B-4F41-A8A7-9C0DFCE95CE4}"/>
+              </a:ext>
+            </a:extLst>
+          </p:cNvPr>
+          <p:cNvSpPr>
+            <a:spLocks noGrp="1"/>
+          </p:cNvSpPr>
+          <p:nvPr>
+            <p:ph type="title"/>
+          </p:nvPr>
+        </p:nvSpPr>
+        <p:spPr/>
+        <p:txBody>
+          <a:bodyPr>
+            <a:normAutofit/>
+          </a:bodyPr>
+          <a:lstStyle/>
+          <a:p>
+            <a:r>
+              <a:rPr lang="en-IN" sz="2800" dirty="0"/>
+              <a:t>Introduction – PDS (Proximal Dendrite Segments) &amp; </a:t>
+            </a:r>
+          </a:p>
+        </p:txBody>
+      </p:sp>
+      <p:sp>
+        <p:nvSpPr>
+          <p:cNvPr id="3" name="Content Placeholder 2">
+            <a:extLst>
+              <a:ext uri="{FF2B5EF4-FFF2-40B4-BE49-F238E27FC236}">
+                <a16:creationId xmlns:a16="http://schemas.microsoft.com/office/drawing/2014/main" id="{BDA644A2-A119-4E56-A716-148B7D15EE81}"/>
+              </a:ext>
+            </a:extLst>
+          </p:cNvPr>
+          <p:cNvSpPr>
+            <a:spLocks noGrp="1"/>
+          </p:cNvSpPr>
+          <p:nvPr>
+            <p:ph idx="1"/>
+          </p:nvPr>
+        </p:nvSpPr>
+        <p:spPr>
+          <a:xfrm>
+            <a:off x="838200" y="1825625"/>
+            <a:ext cx="6149741" cy="4228666"/>
+          </a:xfrm>
+        </p:spPr>
+        <p:txBody>
+          <a:bodyPr/>
+          <a:lstStyle/>
+          <a:p>
+            <a:r>
+              <a:rPr lang="en-IN" dirty="0"/>
+              <a:t>PDS with synapses are </a:t>
+            </a:r>
+            <a:r>
+              <a:rPr lang="en-IN" dirty="0" err="1"/>
+              <a:t>representated</a:t>
+            </a:r>
+            <a:r>
+              <a:rPr lang="en-IN" dirty="0"/>
+              <a:t> by small black circles</a:t>
+            </a:r>
+          </a:p>
+          <a:p>
+            <a:r>
+              <a:rPr lang="en-IN" dirty="0"/>
+              <a:t>Based on active input bits, feedforward input activates a column </a:t>
+            </a:r>
+          </a:p>
+          <a:p>
+            <a:endParaRPr lang="en-IN" dirty="0"/>
+          </a:p>
+        </p:txBody>
+      </p:sp>
+      <p:pic>
+        <p:nvPicPr>
+          <p:cNvPr id="4" name="Picture 3">
+            <a:extLst>
+              <a:ext uri="{FF2B5EF4-FFF2-40B4-BE49-F238E27FC236}">
+                <a16:creationId xmlns:a16="http://schemas.microsoft.com/office/drawing/2014/main" id="{359D7FDE-0621-48E8-B30B-B21831DCFFC3}"/>
+              </a:ext>
+            </a:extLst>
+          </p:cNvPr>
+          <p:cNvPicPr>
+            <a:picLocks noChangeAspect="1"/>
+          </p:cNvPicPr>
+          <p:nvPr/>
+        </p:nvPicPr>
+        <p:blipFill>
+          <a:blip r:embed="rId2"/>
+          <a:stretch>
+            <a:fillRect/>
+          </a:stretch>
+        </p:blipFill>
+        <p:spPr>
+          <a:xfrm>
+            <a:off x="8259010" y="1413242"/>
+            <a:ext cx="2636788" cy="4107923"/>
+          </a:xfrm>
+          <a:prstGeom prst="rect">
+            <a:avLst/>
+          </a:prstGeom>
+        </p:spPr>
+      </p:pic>
+    </p:spTree>
+    <p:extLst>
+      <p:ext uri="{BB962C8B-B14F-4D97-AF65-F5344CB8AC3E}">
+        <p14:creationId xmlns:p14="http://schemas.microsoft.com/office/powerpoint/2010/main" val="3380021941"/>
+      </p:ext>
+    </p:extLst>
+  </p:cSld>
+  <p:clrMapOvr>
+    <a:masterClrMapping/>
+  </p:clrMapOvr>
+</p:sld>
+</file>
+
+<file path=ppt/slides/slide6.xml><?xml version="1.0" encoding="utf-8"?>
+<p:sld xmlns:a="http://schemas.openxmlformats.org/drawingml/2006/main" xmlns:r="http://schemas.openxmlformats.org/officeDocument/2006/relationships" xmlns:p="http://schemas.openxmlformats.org/presentationml/2006/main">
+  <p:cSld>
+    <p:spTree>
+      <p:nvGrpSpPr>
+        <p:cNvPr id="1" name=""/>
+        <p:cNvGrpSpPr/>
+        <p:nvPr/>
+      </p:nvGrpSpPr>
+      <p:grpSpPr>
+        <a:xfrm>
+          <a:off x="0" y="0"/>
+          <a:ext cx="0" cy="0"/>
+          <a:chOff x="0" y="0"/>
+          <a:chExt cx="0" cy="0"/>
+        </a:xfrm>
+      </p:grpSpPr>
+      <p:sp>
+        <p:nvSpPr>
+          <p:cNvPr id="2" name="Title 1">
+            <a:extLst>
+              <a:ext uri="{FF2B5EF4-FFF2-40B4-BE49-F238E27FC236}">
+                <a16:creationId xmlns:a16="http://schemas.microsoft.com/office/drawing/2014/main" id="{BFEF91B7-A083-4B03-B7DD-CF11A8331DDB}"/>
+              </a:ext>
+            </a:extLst>
+          </p:cNvPr>
+          <p:cNvSpPr>
+            <a:spLocks noGrp="1"/>
+          </p:cNvSpPr>
+          <p:nvPr>
+            <p:ph type="title"/>
+          </p:nvPr>
+        </p:nvSpPr>
+        <p:spPr/>
+        <p:txBody>
+          <a:bodyPr/>
+          <a:lstStyle/>
+          <a:p>
+            <a:r>
+              <a:rPr lang="en-IN" dirty="0"/>
+              <a:t>DDS (Distal Dendrite Segments)</a:t>
+            </a:r>
+          </a:p>
+        </p:txBody>
+      </p:sp>
+      <p:sp>
+        <p:nvSpPr>
+          <p:cNvPr id="3" name="Content Placeholder 2">
+            <a:extLst>
+              <a:ext uri="{FF2B5EF4-FFF2-40B4-BE49-F238E27FC236}">
+                <a16:creationId xmlns:a16="http://schemas.microsoft.com/office/drawing/2014/main" id="{26F64039-9495-45AD-8578-872D4A496396}"/>
+              </a:ext>
+            </a:extLst>
+          </p:cNvPr>
+          <p:cNvSpPr>
+            <a:spLocks noGrp="1"/>
+          </p:cNvSpPr>
+          <p:nvPr>
+            <p:ph idx="1"/>
+          </p:nvPr>
+        </p:nvSpPr>
+        <p:spPr>
+          <a:xfrm>
+            <a:off x="838200" y="1825625"/>
+            <a:ext cx="5629977" cy="4351338"/>
+          </a:xfrm>
+        </p:spPr>
+        <p:txBody>
+          <a:bodyPr/>
+          <a:lstStyle/>
+          <a:p>
+            <a:r>
+              <a:rPr lang="en-IN" sz="1800" dirty="0">
+                <a:effectLst/>
+                <a:latin typeface="Times New Roman" panose="02020603050405020304" pitchFamily="18" charset="0"/>
+                <a:ea typeface="SimSun" panose="02010600030101010101" pitchFamily="2" charset="-122"/>
+              </a:rPr>
+              <a:t>A dendritic segment creates connections with cells that were active together at a previous period, allowing it to remember the activation state of nearby cells</a:t>
+            </a:r>
+          </a:p>
+          <a:p>
+            <a:r>
+              <a:rPr lang="en-IN" sz="1800" dirty="0">
+                <a:effectLst/>
+                <a:latin typeface="Times New Roman" panose="02020603050405020304" pitchFamily="18" charset="0"/>
+                <a:ea typeface="SimSun" panose="02010600030101010101" pitchFamily="2" charset="-122"/>
+              </a:rPr>
+              <a:t>If one of its segments encounters the same cellular activation pattern again, that is, if the number of active synapses on any segment exceeds a threshold, the cell will enter a predictive state, signalling that feed-forward input will likely result in column activation shortly</a:t>
+            </a:r>
+          </a:p>
+          <a:p>
+            <a:r>
+              <a:rPr lang="en-IN" sz="1800" dirty="0">
+                <a:effectLst/>
+                <a:latin typeface="Times New Roman" panose="02020603050405020304" pitchFamily="18" charset="0"/>
+                <a:ea typeface="SimSun" panose="02010600030101010101" pitchFamily="2" charset="-122"/>
+              </a:rPr>
+              <a:t>Feedforward input through the proximal dendrite or lateral connections through the distal dendrite segments keeps a cell active</a:t>
+            </a:r>
+            <a:endParaRPr lang="en-IN" dirty="0"/>
+          </a:p>
+        </p:txBody>
+      </p:sp>
+      <p:pic>
+        <p:nvPicPr>
+          <p:cNvPr id="5" name="Picture 4">
+            <a:extLst>
+              <a:ext uri="{FF2B5EF4-FFF2-40B4-BE49-F238E27FC236}">
+                <a16:creationId xmlns:a16="http://schemas.microsoft.com/office/drawing/2014/main" id="{19E99001-F958-4A87-A486-4365A4CE9BD2}"/>
+              </a:ext>
+            </a:extLst>
+          </p:cNvPr>
+          <p:cNvPicPr>
+            <a:picLocks noChangeAspect="1"/>
+          </p:cNvPicPr>
+          <p:nvPr/>
+        </p:nvPicPr>
+        <p:blipFill>
+          <a:blip r:embed="rId2"/>
+          <a:stretch>
+            <a:fillRect/>
+          </a:stretch>
+        </p:blipFill>
+        <p:spPr>
+          <a:xfrm>
+            <a:off x="6968691" y="1690688"/>
+            <a:ext cx="4236217" cy="3737960"/>
+          </a:xfrm>
+          <a:prstGeom prst="rect">
+            <a:avLst/>
+          </a:prstGeom>
+        </p:spPr>
+      </p:pic>
+    </p:spTree>
+    <p:extLst>
+      <p:ext uri="{BB962C8B-B14F-4D97-AF65-F5344CB8AC3E}">
+        <p14:creationId xmlns:p14="http://schemas.microsoft.com/office/powerpoint/2010/main" val="2885404713"/>
+      </p:ext>
+    </p:extLst>
+  </p:cSld>
+  <p:clrMapOvr>
+    <a:masterClrMapping/>
+  </p:clrMapOvr>
+</p:sld>
+</file>
+
+<file path=ppt/slides/slide7.xml><?xml version="1.0" encoding="utf-8"?>
+<p:sld xmlns:a="http://schemas.openxmlformats.org/drawingml/2006/main" xmlns:r="http://schemas.openxmlformats.org/officeDocument/2006/relationships" xmlns:p="http://schemas.openxmlformats.org/presentationml/2006/main">
+  <p:cSld>
+    <p:spTree>
+      <p:nvGrpSpPr>
+        <p:cNvPr id="1" name=""/>
+        <p:cNvGrpSpPr/>
+        <p:nvPr/>
+      </p:nvGrpSpPr>
+      <p:grpSpPr>
+        <a:xfrm>
+          <a:off x="0" y="0"/>
+          <a:ext cx="0" cy="0"/>
+          <a:chOff x="0" y="0"/>
+          <a:chExt cx="0" cy="0"/>
+        </a:xfrm>
+      </p:grpSpPr>
+      <p:sp>
+        <p:nvSpPr>
+          <p:cNvPr id="2" name="Title 1">
+            <a:extLst>
+              <a:ext uri="{FF2B5EF4-FFF2-40B4-BE49-F238E27FC236}">
                 <a16:creationId xmlns:a16="http://schemas.microsoft.com/office/drawing/2014/main" id="{28115E2C-ABEE-43B7-A9F0-05A72773DF7E}"/>
               </a:ext>
             </a:extLst>
@@ -3686,9 +4308,10 @@
           <a:lstStyle/>
           <a:p>
             <a:r>
-              <a:rPr lang="en-IN" dirty="0"/>
-              <a:t>Approach</a:t>
-            </a:r>
+              <a:rPr lang="en-IN"/>
+              <a:t>Methodology</a:t>
+            </a:r>
+            <a:endParaRPr lang="en-IN" dirty="0"/>
           </a:p>
         </p:txBody>
       </p:sp>
@@ -3727,11 +4350,7 @@
           <a:p>
             <a:r>
               <a:rPr lang="en-IN" dirty="0"/>
-              <a:t>Multi Sequence </a:t>
-            </a:r>
-            <a:r>
-              <a:rPr lang="en-IN"/>
-              <a:t>Learning – Image Data Sets</a:t>
+              <a:t>Multi Sequence Learning – Image Data Sets</a:t>
             </a:r>
           </a:p>
         </p:txBody>
@@ -3740,6 +4359,86 @@
     <p:extLst>
       <p:ext uri="{BB962C8B-B14F-4D97-AF65-F5344CB8AC3E}">
         <p14:creationId xmlns:p14="http://schemas.microsoft.com/office/powerpoint/2010/main" val="1108112553"/>
+      </p:ext>
+    </p:extLst>
+  </p:cSld>
+  <p:clrMapOvr>
+    <a:masterClrMapping/>
+  </p:clrMapOvr>
+</p:sld>
+</file>
+
+<file path=ppt/slides/slide8.xml><?xml version="1.0" encoding="utf-8"?>
+<p:sld xmlns:a="http://schemas.openxmlformats.org/drawingml/2006/main" xmlns:r="http://schemas.openxmlformats.org/officeDocument/2006/relationships" xmlns:p="http://schemas.openxmlformats.org/presentationml/2006/main">
+  <p:cSld>
+    <p:spTree>
+      <p:nvGrpSpPr>
+        <p:cNvPr id="1" name=""/>
+        <p:cNvGrpSpPr/>
+        <p:nvPr/>
+      </p:nvGrpSpPr>
+      <p:grpSpPr>
+        <a:xfrm>
+          <a:off x="0" y="0"/>
+          <a:ext cx="0" cy="0"/>
+          <a:chOff x="0" y="0"/>
+          <a:chExt cx="0" cy="0"/>
+        </a:xfrm>
+      </p:grpSpPr>
+      <p:sp>
+        <p:nvSpPr>
+          <p:cNvPr id="2" name="Title 1">
+            <a:extLst>
+              <a:ext uri="{FF2B5EF4-FFF2-40B4-BE49-F238E27FC236}">
+                <a16:creationId xmlns:a16="http://schemas.microsoft.com/office/drawing/2014/main" id="{97766E27-D9E3-48E3-94D4-3AC514498885}"/>
+              </a:ext>
+            </a:extLst>
+          </p:cNvPr>
+          <p:cNvSpPr>
+            <a:spLocks noGrp="1"/>
+          </p:cNvSpPr>
+          <p:nvPr>
+            <p:ph type="title"/>
+          </p:nvPr>
+        </p:nvSpPr>
+        <p:spPr/>
+        <p:txBody>
+          <a:bodyPr/>
+          <a:lstStyle/>
+          <a:p>
+            <a:endParaRPr lang="en-IN" dirty="0"/>
+          </a:p>
+        </p:txBody>
+      </p:sp>
+      <p:sp>
+        <p:nvSpPr>
+          <p:cNvPr id="3" name="Content Placeholder 2">
+            <a:extLst>
+              <a:ext uri="{FF2B5EF4-FFF2-40B4-BE49-F238E27FC236}">
+                <a16:creationId xmlns:a16="http://schemas.microsoft.com/office/drawing/2014/main" id="{E00067C4-4982-4775-8035-334F5180B39B}"/>
+              </a:ext>
+            </a:extLst>
+          </p:cNvPr>
+          <p:cNvSpPr>
+            <a:spLocks noGrp="1"/>
+          </p:cNvSpPr>
+          <p:nvPr>
+            <p:ph idx="1"/>
+          </p:nvPr>
+        </p:nvSpPr>
+        <p:spPr/>
+        <p:txBody>
+          <a:bodyPr/>
+          <a:lstStyle/>
+          <a:p>
+            <a:endParaRPr lang="en-IN"/>
+          </a:p>
+        </p:txBody>
+      </p:sp>
+    </p:spTree>
+    <p:extLst>
+      <p:ext uri="{BB962C8B-B14F-4D97-AF65-F5344CB8AC3E}">
+        <p14:creationId xmlns:p14="http://schemas.microsoft.com/office/powerpoint/2010/main" val="407960777"/>
       </p:ext>
     </p:extLst>
   </p:cSld>

--- a/source/MySEProject/Documentation/Multi Sequence Learning.pptx
+++ b/source/MySEProject/Documentation/Multi Sequence Learning.pptx
@@ -8,11 +8,14 @@
     <p:sldId id="256" r:id="rId2"/>
     <p:sldId id="258" r:id="rId3"/>
     <p:sldId id="261" r:id="rId4"/>
-    <p:sldId id="262" r:id="rId5"/>
-    <p:sldId id="263" r:id="rId6"/>
-    <p:sldId id="264" r:id="rId7"/>
-    <p:sldId id="259" r:id="rId8"/>
-    <p:sldId id="260" r:id="rId9"/>
+    <p:sldId id="259" r:id="rId5"/>
+    <p:sldId id="266" r:id="rId6"/>
+    <p:sldId id="268" r:id="rId7"/>
+    <p:sldId id="267" r:id="rId8"/>
+    <p:sldId id="269" r:id="rId9"/>
+    <p:sldId id="270" r:id="rId10"/>
+    <p:sldId id="271" r:id="rId11"/>
+    <p:sldId id="272" r:id="rId12"/>
   </p:sldIdLst>
   <p:sldSz cx="12192000" cy="6858000"/>
   <p:notesSz cx="6858000" cy="9144000"/>
@@ -117,6 +120,2625 @@
     </p:ext>
   </p:extLst>
 </p:presentation>
+</file>
+
+<file path=ppt/diagrams/colors1.xml><?xml version="1.0" encoding="utf-8"?>
+<dgm:colorsDef xmlns:dgm="http://schemas.openxmlformats.org/drawingml/2006/diagram" xmlns:a="http://schemas.openxmlformats.org/drawingml/2006/main" uniqueId="urn:microsoft.com/office/officeart/2005/8/colors/accent0_1">
+  <dgm:title val=""/>
+  <dgm:desc val=""/>
+  <dgm:catLst>
+    <dgm:cat type="mainScheme" pri="10100"/>
+  </dgm:catLst>
+  <dgm:styleLbl name="node0">
+    <dgm:fillClrLst meth="repeat">
+      <a:schemeClr val="lt1"/>
+    </dgm:fillClrLst>
+    <dgm:linClrLst meth="repeat">
+      <a:schemeClr val="dk1">
+        <a:shade val="80000"/>
+      </a:schemeClr>
+    </dgm:linClrLst>
+    <dgm:effectClrLst/>
+    <dgm:txLinClrLst/>
+    <dgm:txFillClrLst meth="repeat">
+      <a:schemeClr val="dk1"/>
+    </dgm:txFillClrLst>
+    <dgm:txEffectClrLst/>
+  </dgm:styleLbl>
+  <dgm:styleLbl name="node1">
+    <dgm:fillClrLst meth="repeat">
+      <a:schemeClr val="lt1"/>
+    </dgm:fillClrLst>
+    <dgm:linClrLst meth="repeat">
+      <a:schemeClr val="dk1">
+        <a:shade val="80000"/>
+      </a:schemeClr>
+    </dgm:linClrLst>
+    <dgm:effectClrLst/>
+    <dgm:txLinClrLst/>
+    <dgm:txFillClrLst meth="repeat">
+      <a:schemeClr val="dk1"/>
+    </dgm:txFillClrLst>
+    <dgm:txEffectClrLst/>
+  </dgm:styleLbl>
+  <dgm:styleLbl name="alignNode1">
+    <dgm:fillClrLst meth="repeat">
+      <a:schemeClr val="lt1"/>
+    </dgm:fillClrLst>
+    <dgm:linClrLst meth="repeat">
+      <a:schemeClr val="dk1">
+        <a:shade val="80000"/>
+      </a:schemeClr>
+    </dgm:linClrLst>
+    <dgm:effectClrLst/>
+    <dgm:txLinClrLst/>
+    <dgm:txFillClrLst meth="repeat">
+      <a:schemeClr val="dk1"/>
+    </dgm:txFillClrLst>
+    <dgm:txEffectClrLst/>
+  </dgm:styleLbl>
+  <dgm:styleLbl name="lnNode1">
+    <dgm:fillClrLst meth="repeat">
+      <a:schemeClr val="lt1"/>
+    </dgm:fillClrLst>
+    <dgm:linClrLst meth="repeat">
+      <a:schemeClr val="dk1">
+        <a:shade val="80000"/>
+      </a:schemeClr>
+    </dgm:linClrLst>
+    <dgm:effectClrLst/>
+    <dgm:txLinClrLst/>
+    <dgm:txFillClrLst meth="repeat">
+      <a:schemeClr val="dk1"/>
+    </dgm:txFillClrLst>
+    <dgm:txEffectClrLst/>
+  </dgm:styleLbl>
+  <dgm:styleLbl name="vennNode1">
+    <dgm:fillClrLst meth="repeat">
+      <a:schemeClr val="lt1">
+        <a:alpha val="50000"/>
+      </a:schemeClr>
+    </dgm:fillClrLst>
+    <dgm:linClrLst meth="repeat">
+      <a:schemeClr val="dk1">
+        <a:shade val="80000"/>
+      </a:schemeClr>
+    </dgm:linClrLst>
+    <dgm:effectClrLst/>
+    <dgm:txLinClrLst/>
+    <dgm:txFillClrLst/>
+    <dgm:txEffectClrLst/>
+  </dgm:styleLbl>
+  <dgm:styleLbl name="node2">
+    <dgm:fillClrLst meth="repeat">
+      <a:schemeClr val="lt1"/>
+    </dgm:fillClrLst>
+    <dgm:linClrLst meth="repeat">
+      <a:schemeClr val="dk1">
+        <a:shade val="80000"/>
+      </a:schemeClr>
+    </dgm:linClrLst>
+    <dgm:effectClrLst/>
+    <dgm:txLinClrLst/>
+    <dgm:txFillClrLst meth="repeat">
+      <a:schemeClr val="dk1"/>
+    </dgm:txFillClrLst>
+    <dgm:txEffectClrLst/>
+  </dgm:styleLbl>
+  <dgm:styleLbl name="node3">
+    <dgm:fillClrLst meth="repeat">
+      <a:schemeClr val="lt1"/>
+    </dgm:fillClrLst>
+    <dgm:linClrLst meth="repeat">
+      <a:schemeClr val="dk1">
+        <a:shade val="80000"/>
+      </a:schemeClr>
+    </dgm:linClrLst>
+    <dgm:effectClrLst/>
+    <dgm:txLinClrLst/>
+    <dgm:txFillClrLst meth="repeat">
+      <a:schemeClr val="dk1"/>
+    </dgm:txFillClrLst>
+    <dgm:txEffectClrLst/>
+  </dgm:styleLbl>
+  <dgm:styleLbl name="node4">
+    <dgm:fillClrLst meth="repeat">
+      <a:schemeClr val="lt1"/>
+    </dgm:fillClrLst>
+    <dgm:linClrLst meth="repeat">
+      <a:schemeClr val="dk1">
+        <a:shade val="80000"/>
+      </a:schemeClr>
+    </dgm:linClrLst>
+    <dgm:effectClrLst/>
+    <dgm:txLinClrLst/>
+    <dgm:txFillClrLst meth="repeat">
+      <a:schemeClr val="dk1"/>
+    </dgm:txFillClrLst>
+    <dgm:txEffectClrLst/>
+  </dgm:styleLbl>
+  <dgm:styleLbl name="fgImgPlace1">
+    <dgm:fillClrLst meth="repeat">
+      <a:schemeClr val="dk1">
+        <a:tint val="40000"/>
+      </a:schemeClr>
+    </dgm:fillClrLst>
+    <dgm:linClrLst meth="repeat">
+      <a:schemeClr val="dk1">
+        <a:shade val="80000"/>
+      </a:schemeClr>
+    </dgm:linClrLst>
+    <dgm:effectClrLst/>
+    <dgm:txLinClrLst/>
+    <dgm:txFillClrLst meth="repeat">
+      <a:schemeClr val="lt1"/>
+    </dgm:txFillClrLst>
+    <dgm:txEffectClrLst/>
+  </dgm:styleLbl>
+  <dgm:styleLbl name="alignImgPlace1">
+    <dgm:fillClrLst meth="repeat">
+      <a:schemeClr val="dk1">
+        <a:tint val="40000"/>
+      </a:schemeClr>
+    </dgm:fillClrLst>
+    <dgm:linClrLst meth="repeat">
+      <a:schemeClr val="dk1">
+        <a:shade val="80000"/>
+      </a:schemeClr>
+    </dgm:linClrLst>
+    <dgm:effectClrLst/>
+    <dgm:txLinClrLst/>
+    <dgm:txFillClrLst meth="repeat">
+      <a:schemeClr val="lt1"/>
+    </dgm:txFillClrLst>
+    <dgm:txEffectClrLst/>
+  </dgm:styleLbl>
+  <dgm:styleLbl name="bgImgPlace1">
+    <dgm:fillClrLst meth="repeat">
+      <a:schemeClr val="dk1">
+        <a:tint val="40000"/>
+      </a:schemeClr>
+    </dgm:fillClrLst>
+    <dgm:linClrLst meth="repeat">
+      <a:schemeClr val="dk1">
+        <a:shade val="80000"/>
+      </a:schemeClr>
+    </dgm:linClrLst>
+    <dgm:effectClrLst/>
+    <dgm:txLinClrLst/>
+    <dgm:txFillClrLst meth="repeat">
+      <a:schemeClr val="lt1"/>
+    </dgm:txFillClrLst>
+    <dgm:txEffectClrLst/>
+  </dgm:styleLbl>
+  <dgm:styleLbl name="sibTrans2D1">
+    <dgm:fillClrLst meth="repeat">
+      <a:schemeClr val="dk1">
+        <a:tint val="60000"/>
+      </a:schemeClr>
+    </dgm:fillClrLst>
+    <dgm:linClrLst meth="repeat">
+      <a:schemeClr val="dk1">
+        <a:tint val="60000"/>
+      </a:schemeClr>
+    </dgm:linClrLst>
+    <dgm:effectClrLst/>
+    <dgm:txLinClrLst/>
+    <dgm:txFillClrLst meth="repeat">
+      <a:schemeClr val="dk1"/>
+    </dgm:txFillClrLst>
+    <dgm:txEffectClrLst/>
+  </dgm:styleLbl>
+  <dgm:styleLbl name="fgSibTrans2D1">
+    <dgm:fillClrLst meth="repeat">
+      <a:schemeClr val="dk1">
+        <a:tint val="60000"/>
+      </a:schemeClr>
+    </dgm:fillClrLst>
+    <dgm:linClrLst meth="repeat">
+      <a:schemeClr val="dk1">
+        <a:tint val="60000"/>
+      </a:schemeClr>
+    </dgm:linClrLst>
+    <dgm:effectClrLst/>
+    <dgm:txLinClrLst/>
+    <dgm:txFillClrLst meth="repeat">
+      <a:schemeClr val="dk1"/>
+    </dgm:txFillClrLst>
+    <dgm:txEffectClrLst/>
+  </dgm:styleLbl>
+  <dgm:styleLbl name="bgSibTrans2D1">
+    <dgm:fillClrLst meth="repeat">
+      <a:schemeClr val="dk1">
+        <a:tint val="60000"/>
+      </a:schemeClr>
+    </dgm:fillClrLst>
+    <dgm:linClrLst meth="repeat">
+      <a:schemeClr val="dk1">
+        <a:tint val="60000"/>
+      </a:schemeClr>
+    </dgm:linClrLst>
+    <dgm:effectClrLst/>
+    <dgm:txLinClrLst/>
+    <dgm:txFillClrLst meth="repeat">
+      <a:schemeClr val="dk1"/>
+    </dgm:txFillClrLst>
+    <dgm:txEffectClrLst/>
+  </dgm:styleLbl>
+  <dgm:styleLbl name="sibTrans1D1">
+    <dgm:fillClrLst meth="repeat">
+      <a:schemeClr val="dk1"/>
+    </dgm:fillClrLst>
+    <dgm:linClrLst meth="repeat">
+      <a:schemeClr val="dk1"/>
+    </dgm:linClrLst>
+    <dgm:effectClrLst/>
+    <dgm:txLinClrLst/>
+    <dgm:txFillClrLst meth="repeat">
+      <a:schemeClr val="tx1"/>
+    </dgm:txFillClrLst>
+    <dgm:txEffectClrLst/>
+  </dgm:styleLbl>
+  <dgm:styleLbl name="callout">
+    <dgm:fillClrLst meth="repeat">
+      <a:schemeClr val="dk1"/>
+    </dgm:fillClrLst>
+    <dgm:linClrLst meth="repeat">
+      <a:schemeClr val="dk1"/>
+    </dgm:linClrLst>
+    <dgm:effectClrLst/>
+    <dgm:txLinClrLst/>
+    <dgm:txFillClrLst meth="repeat">
+      <a:schemeClr val="tx1"/>
+    </dgm:txFillClrLst>
+    <dgm:txEffectClrLst/>
+  </dgm:styleLbl>
+  <dgm:styleLbl name="asst0">
+    <dgm:fillClrLst meth="repeat">
+      <a:schemeClr val="lt1"/>
+    </dgm:fillClrLst>
+    <dgm:linClrLst meth="repeat">
+      <a:schemeClr val="dk1">
+        <a:shade val="80000"/>
+      </a:schemeClr>
+    </dgm:linClrLst>
+    <dgm:effectClrLst/>
+    <dgm:txLinClrLst/>
+    <dgm:txFillClrLst meth="repeat">
+      <a:schemeClr val="dk1"/>
+    </dgm:txFillClrLst>
+    <dgm:txEffectClrLst/>
+  </dgm:styleLbl>
+  <dgm:styleLbl name="asst1">
+    <dgm:fillClrLst meth="repeat">
+      <a:schemeClr val="lt1"/>
+    </dgm:fillClrLst>
+    <dgm:linClrLst meth="repeat">
+      <a:schemeClr val="dk1">
+        <a:shade val="80000"/>
+      </a:schemeClr>
+    </dgm:linClrLst>
+    <dgm:effectClrLst/>
+    <dgm:txLinClrLst/>
+    <dgm:txFillClrLst meth="repeat">
+      <a:schemeClr val="dk1"/>
+    </dgm:txFillClrLst>
+    <dgm:txEffectClrLst/>
+  </dgm:styleLbl>
+  <dgm:styleLbl name="asst2">
+    <dgm:fillClrLst meth="repeat">
+      <a:schemeClr val="lt1"/>
+    </dgm:fillClrLst>
+    <dgm:linClrLst meth="repeat">
+      <a:schemeClr val="dk1">
+        <a:shade val="80000"/>
+      </a:schemeClr>
+    </dgm:linClrLst>
+    <dgm:effectClrLst/>
+    <dgm:txLinClrLst/>
+    <dgm:txFillClrLst meth="repeat">
+      <a:schemeClr val="dk1"/>
+    </dgm:txFillClrLst>
+    <dgm:txEffectClrLst/>
+  </dgm:styleLbl>
+  <dgm:styleLbl name="asst3">
+    <dgm:fillClrLst meth="repeat">
+      <a:schemeClr val="lt1"/>
+    </dgm:fillClrLst>
+    <dgm:linClrLst meth="repeat">
+      <a:schemeClr val="dk1">
+        <a:shade val="80000"/>
+      </a:schemeClr>
+    </dgm:linClrLst>
+    <dgm:effectClrLst/>
+    <dgm:txLinClrLst/>
+    <dgm:txFillClrLst meth="repeat">
+      <a:schemeClr val="dk1"/>
+    </dgm:txFillClrLst>
+    <dgm:txEffectClrLst/>
+  </dgm:styleLbl>
+  <dgm:styleLbl name="asst4">
+    <dgm:fillClrLst meth="repeat">
+      <a:schemeClr val="lt1"/>
+    </dgm:fillClrLst>
+    <dgm:linClrLst meth="repeat">
+      <a:schemeClr val="dk1">
+        <a:shade val="80000"/>
+      </a:schemeClr>
+    </dgm:linClrLst>
+    <dgm:effectClrLst/>
+    <dgm:txLinClrLst/>
+    <dgm:txFillClrLst meth="repeat">
+      <a:schemeClr val="dk1"/>
+    </dgm:txFillClrLst>
+    <dgm:txEffectClrLst/>
+  </dgm:styleLbl>
+  <dgm:styleLbl name="parChTrans2D1">
+    <dgm:fillClrLst meth="repeat">
+      <a:schemeClr val="dk1">
+        <a:tint val="60000"/>
+      </a:schemeClr>
+    </dgm:fillClrLst>
+    <dgm:linClrLst meth="repeat">
+      <a:schemeClr val="dk1">
+        <a:tint val="60000"/>
+      </a:schemeClr>
+    </dgm:linClrLst>
+    <dgm:effectClrLst/>
+    <dgm:txLinClrLst/>
+    <dgm:txFillClrLst/>
+    <dgm:txEffectClrLst/>
+  </dgm:styleLbl>
+  <dgm:styleLbl name="parChTrans2D2">
+    <dgm:fillClrLst meth="repeat">
+      <a:schemeClr val="dk1"/>
+    </dgm:fillClrLst>
+    <dgm:linClrLst meth="repeat">
+      <a:schemeClr val="dk1"/>
+    </dgm:linClrLst>
+    <dgm:effectClrLst/>
+    <dgm:txLinClrLst/>
+    <dgm:txFillClrLst/>
+    <dgm:txEffectClrLst/>
+  </dgm:styleLbl>
+  <dgm:styleLbl name="parChTrans2D3">
+    <dgm:fillClrLst meth="repeat">
+      <a:schemeClr val="dk1"/>
+    </dgm:fillClrLst>
+    <dgm:linClrLst meth="repeat">
+      <a:schemeClr val="dk1"/>
+    </dgm:linClrLst>
+    <dgm:effectClrLst/>
+    <dgm:txLinClrLst/>
+    <dgm:txFillClrLst/>
+    <dgm:txEffectClrLst/>
+  </dgm:styleLbl>
+  <dgm:styleLbl name="parChTrans2D4">
+    <dgm:fillClrLst meth="repeat">
+      <a:schemeClr val="dk1"/>
+    </dgm:fillClrLst>
+    <dgm:linClrLst meth="repeat">
+      <a:schemeClr val="dk1"/>
+    </dgm:linClrLst>
+    <dgm:effectClrLst/>
+    <dgm:txLinClrLst/>
+    <dgm:txFillClrLst meth="repeat">
+      <a:schemeClr val="lt1"/>
+    </dgm:txFillClrLst>
+    <dgm:txEffectClrLst/>
+  </dgm:styleLbl>
+  <dgm:styleLbl name="parChTrans1D1">
+    <dgm:fillClrLst meth="repeat">
+      <a:schemeClr val="dk1"/>
+    </dgm:fillClrLst>
+    <dgm:linClrLst meth="repeat">
+      <a:schemeClr val="dk1">
+        <a:shade val="60000"/>
+      </a:schemeClr>
+    </dgm:linClrLst>
+    <dgm:effectClrLst/>
+    <dgm:txLinClrLst/>
+    <dgm:txFillClrLst meth="repeat">
+      <a:schemeClr val="tx1"/>
+    </dgm:txFillClrLst>
+    <dgm:txEffectClrLst/>
+  </dgm:styleLbl>
+  <dgm:styleLbl name="parChTrans1D2">
+    <dgm:fillClrLst meth="repeat">
+      <a:schemeClr val="dk1"/>
+    </dgm:fillClrLst>
+    <dgm:linClrLst meth="repeat">
+      <a:schemeClr val="dk1">
+        <a:shade val="60000"/>
+      </a:schemeClr>
+    </dgm:linClrLst>
+    <dgm:effectClrLst/>
+    <dgm:txLinClrLst/>
+    <dgm:txFillClrLst meth="repeat">
+      <a:schemeClr val="tx1"/>
+    </dgm:txFillClrLst>
+    <dgm:txEffectClrLst/>
+  </dgm:styleLbl>
+  <dgm:styleLbl name="parChTrans1D3">
+    <dgm:fillClrLst meth="repeat">
+      <a:schemeClr val="dk1"/>
+    </dgm:fillClrLst>
+    <dgm:linClrLst meth="repeat">
+      <a:schemeClr val="dk1">
+        <a:shade val="80000"/>
+      </a:schemeClr>
+    </dgm:linClrLst>
+    <dgm:effectClrLst/>
+    <dgm:txLinClrLst/>
+    <dgm:txFillClrLst meth="repeat">
+      <a:schemeClr val="tx1"/>
+    </dgm:txFillClrLst>
+    <dgm:txEffectClrLst/>
+  </dgm:styleLbl>
+  <dgm:styleLbl name="parChTrans1D4">
+    <dgm:fillClrLst meth="repeat">
+      <a:schemeClr val="dk1"/>
+    </dgm:fillClrLst>
+    <dgm:linClrLst meth="repeat">
+      <a:schemeClr val="dk1">
+        <a:shade val="80000"/>
+      </a:schemeClr>
+    </dgm:linClrLst>
+    <dgm:effectClrLst/>
+    <dgm:txLinClrLst/>
+    <dgm:txFillClrLst meth="repeat">
+      <a:schemeClr val="tx1"/>
+    </dgm:txFillClrLst>
+    <dgm:txEffectClrLst/>
+  </dgm:styleLbl>
+  <dgm:styleLbl name="fgAcc1">
+    <dgm:fillClrLst meth="repeat">
+      <a:schemeClr val="dk1">
+        <a:alpha val="90000"/>
+        <a:tint val="40000"/>
+      </a:schemeClr>
+    </dgm:fillClrLst>
+    <dgm:linClrLst meth="repeat">
+      <a:schemeClr val="dk1"/>
+    </dgm:linClrLst>
+    <dgm:effectClrLst/>
+    <dgm:txLinClrLst/>
+    <dgm:txFillClrLst meth="repeat">
+      <a:schemeClr val="dk1"/>
+    </dgm:txFillClrLst>
+    <dgm:txEffectClrLst/>
+  </dgm:styleLbl>
+  <dgm:styleLbl name="conFgAcc1">
+    <dgm:fillClrLst meth="repeat">
+      <a:schemeClr val="dk1">
+        <a:alpha val="90000"/>
+        <a:tint val="40000"/>
+      </a:schemeClr>
+    </dgm:fillClrLst>
+    <dgm:linClrLst meth="repeat">
+      <a:schemeClr val="dk1"/>
+    </dgm:linClrLst>
+    <dgm:effectClrLst/>
+    <dgm:txLinClrLst/>
+    <dgm:txFillClrLst meth="repeat">
+      <a:schemeClr val="dk1"/>
+    </dgm:txFillClrLst>
+    <dgm:txEffectClrLst/>
+  </dgm:styleLbl>
+  <dgm:styleLbl name="alignAcc1">
+    <dgm:fillClrLst meth="repeat">
+      <a:schemeClr val="dk1">
+        <a:alpha val="90000"/>
+        <a:tint val="40000"/>
+      </a:schemeClr>
+    </dgm:fillClrLst>
+    <dgm:linClrLst meth="repeat">
+      <a:schemeClr val="dk1"/>
+    </dgm:linClrLst>
+    <dgm:effectClrLst/>
+    <dgm:txLinClrLst/>
+    <dgm:txFillClrLst meth="repeat">
+      <a:schemeClr val="dk1"/>
+    </dgm:txFillClrLst>
+    <dgm:txEffectClrLst/>
+  </dgm:styleLbl>
+  <dgm:styleLbl name="trAlignAcc1">
+    <dgm:fillClrLst meth="repeat">
+      <a:schemeClr val="dk1">
+        <a:alpha val="40000"/>
+        <a:tint val="40000"/>
+      </a:schemeClr>
+    </dgm:fillClrLst>
+    <dgm:linClrLst meth="repeat">
+      <a:schemeClr val="dk1"/>
+    </dgm:linClrLst>
+    <dgm:effectClrLst/>
+    <dgm:txLinClrLst/>
+    <dgm:txFillClrLst meth="repeat">
+      <a:schemeClr val="dk1"/>
+    </dgm:txFillClrLst>
+    <dgm:txEffectClrLst/>
+  </dgm:styleLbl>
+  <dgm:styleLbl name="bgAcc1">
+    <dgm:fillClrLst meth="repeat">
+      <a:schemeClr val="dk1">
+        <a:alpha val="90000"/>
+        <a:tint val="40000"/>
+      </a:schemeClr>
+    </dgm:fillClrLst>
+    <dgm:linClrLst meth="repeat">
+      <a:schemeClr val="dk1"/>
+    </dgm:linClrLst>
+    <dgm:effectClrLst/>
+    <dgm:txLinClrLst/>
+    <dgm:txFillClrLst meth="repeat">
+      <a:schemeClr val="dk1"/>
+    </dgm:txFillClrLst>
+    <dgm:txEffectClrLst/>
+  </dgm:styleLbl>
+  <dgm:styleLbl name="solidFgAcc1">
+    <dgm:fillClrLst meth="repeat">
+      <a:schemeClr val="lt1"/>
+    </dgm:fillClrLst>
+    <dgm:linClrLst meth="repeat">
+      <a:schemeClr val="dk1"/>
+    </dgm:linClrLst>
+    <dgm:effectClrLst/>
+    <dgm:txLinClrLst/>
+    <dgm:txFillClrLst meth="repeat">
+      <a:schemeClr val="dk1"/>
+    </dgm:txFillClrLst>
+    <dgm:txEffectClrLst/>
+  </dgm:styleLbl>
+  <dgm:styleLbl name="solidAlignAcc1">
+    <dgm:fillClrLst meth="repeat">
+      <a:schemeClr val="lt1"/>
+    </dgm:fillClrLst>
+    <dgm:linClrLst meth="repeat">
+      <a:schemeClr val="dk1"/>
+    </dgm:linClrLst>
+    <dgm:effectClrLst/>
+    <dgm:txLinClrLst/>
+    <dgm:txFillClrLst meth="repeat">
+      <a:schemeClr val="dk1"/>
+    </dgm:txFillClrLst>
+    <dgm:txEffectClrLst/>
+  </dgm:styleLbl>
+  <dgm:styleLbl name="solidBgAcc1">
+    <dgm:fillClrLst meth="repeat">
+      <a:schemeClr val="lt1"/>
+    </dgm:fillClrLst>
+    <dgm:linClrLst meth="repeat">
+      <a:schemeClr val="dk1"/>
+    </dgm:linClrLst>
+    <dgm:effectClrLst/>
+    <dgm:txLinClrLst/>
+    <dgm:txFillClrLst meth="repeat">
+      <a:schemeClr val="dk1"/>
+    </dgm:txFillClrLst>
+    <dgm:txEffectClrLst/>
+  </dgm:styleLbl>
+  <dgm:styleLbl name="fgAccFollowNode1">
+    <dgm:fillClrLst meth="repeat">
+      <a:schemeClr val="lt1">
+        <a:alpha val="90000"/>
+        <a:tint val="40000"/>
+      </a:schemeClr>
+    </dgm:fillClrLst>
+    <dgm:linClrLst meth="repeat">
+      <a:schemeClr val="dk1">
+        <a:alpha val="90000"/>
+      </a:schemeClr>
+    </dgm:linClrLst>
+    <dgm:effectClrLst/>
+    <dgm:txLinClrLst/>
+    <dgm:txFillClrLst meth="repeat">
+      <a:schemeClr val="dk1"/>
+    </dgm:txFillClrLst>
+    <dgm:txEffectClrLst/>
+  </dgm:styleLbl>
+  <dgm:styleLbl name="alignAccFollowNode1">
+    <dgm:fillClrLst meth="repeat">
+      <a:schemeClr val="lt1">
+        <a:alpha val="90000"/>
+        <a:tint val="40000"/>
+      </a:schemeClr>
+    </dgm:fillClrLst>
+    <dgm:linClrLst meth="repeat">
+      <a:schemeClr val="dk1">
+        <a:alpha val="90000"/>
+      </a:schemeClr>
+    </dgm:linClrLst>
+    <dgm:effectClrLst/>
+    <dgm:txLinClrLst/>
+    <dgm:txFillClrLst meth="repeat">
+      <a:schemeClr val="dk1"/>
+    </dgm:txFillClrLst>
+    <dgm:txEffectClrLst/>
+  </dgm:styleLbl>
+  <dgm:styleLbl name="bgAccFollowNode1">
+    <dgm:fillClrLst meth="repeat">
+      <a:schemeClr val="lt1">
+        <a:alpha val="90000"/>
+        <a:tint val="40000"/>
+      </a:schemeClr>
+    </dgm:fillClrLst>
+    <dgm:linClrLst meth="repeat">
+      <a:schemeClr val="dk1">
+        <a:alpha val="90000"/>
+      </a:schemeClr>
+    </dgm:linClrLst>
+    <dgm:effectClrLst/>
+    <dgm:txLinClrLst/>
+    <dgm:txFillClrLst meth="repeat">
+      <a:schemeClr val="dk1"/>
+    </dgm:txFillClrLst>
+    <dgm:txEffectClrLst/>
+  </dgm:styleLbl>
+  <dgm:styleLbl name="fgAcc0">
+    <dgm:fillClrLst meth="repeat">
+      <a:schemeClr val="dk1">
+        <a:alpha val="90000"/>
+        <a:tint val="40000"/>
+      </a:schemeClr>
+    </dgm:fillClrLst>
+    <dgm:linClrLst meth="repeat">
+      <a:schemeClr val="dk1"/>
+    </dgm:linClrLst>
+    <dgm:effectClrLst/>
+    <dgm:txLinClrLst/>
+    <dgm:txFillClrLst meth="repeat">
+      <a:schemeClr val="dk1"/>
+    </dgm:txFillClrLst>
+    <dgm:txEffectClrLst/>
+  </dgm:styleLbl>
+  <dgm:styleLbl name="fgAcc2">
+    <dgm:fillClrLst meth="repeat">
+      <a:schemeClr val="dk1">
+        <a:alpha val="90000"/>
+        <a:tint val="40000"/>
+      </a:schemeClr>
+    </dgm:fillClrLst>
+    <dgm:linClrLst meth="repeat">
+      <a:schemeClr val="dk1"/>
+    </dgm:linClrLst>
+    <dgm:effectClrLst/>
+    <dgm:txLinClrLst/>
+    <dgm:txFillClrLst meth="repeat">
+      <a:schemeClr val="dk1"/>
+    </dgm:txFillClrLst>
+    <dgm:txEffectClrLst/>
+  </dgm:styleLbl>
+  <dgm:styleLbl name="fgAcc3">
+    <dgm:fillClrLst meth="repeat">
+      <a:schemeClr val="dk1">
+        <a:alpha val="90000"/>
+        <a:tint val="40000"/>
+      </a:schemeClr>
+    </dgm:fillClrLst>
+    <dgm:linClrLst meth="repeat">
+      <a:schemeClr val="dk1"/>
+    </dgm:linClrLst>
+    <dgm:effectClrLst/>
+    <dgm:txLinClrLst/>
+    <dgm:txFillClrLst meth="repeat">
+      <a:schemeClr val="dk1"/>
+    </dgm:txFillClrLst>
+    <dgm:txEffectClrLst/>
+  </dgm:styleLbl>
+  <dgm:styleLbl name="fgAcc4">
+    <dgm:fillClrLst meth="repeat">
+      <a:schemeClr val="dk1">
+        <a:alpha val="90000"/>
+        <a:tint val="40000"/>
+      </a:schemeClr>
+    </dgm:fillClrLst>
+    <dgm:linClrLst meth="repeat">
+      <a:schemeClr val="dk1"/>
+    </dgm:linClrLst>
+    <dgm:effectClrLst/>
+    <dgm:txLinClrLst/>
+    <dgm:txFillClrLst meth="repeat">
+      <a:schemeClr val="dk1"/>
+    </dgm:txFillClrLst>
+    <dgm:txEffectClrLst/>
+  </dgm:styleLbl>
+  <dgm:styleLbl name="bgShp">
+    <dgm:fillClrLst meth="repeat">
+      <a:schemeClr val="dk1">
+        <a:tint val="40000"/>
+      </a:schemeClr>
+    </dgm:fillClrLst>
+    <dgm:linClrLst meth="repeat">
+      <a:schemeClr val="dk1"/>
+    </dgm:linClrLst>
+    <dgm:effectClrLst/>
+    <dgm:txLinClrLst/>
+    <dgm:txFillClrLst meth="repeat">
+      <a:schemeClr val="dk1"/>
+    </dgm:txFillClrLst>
+    <dgm:txEffectClrLst/>
+  </dgm:styleLbl>
+  <dgm:styleLbl name="dkBgShp">
+    <dgm:fillClrLst meth="repeat">
+      <a:schemeClr val="dk1">
+        <a:shade val="80000"/>
+      </a:schemeClr>
+    </dgm:fillClrLst>
+    <dgm:linClrLst meth="repeat">
+      <a:schemeClr val="dk1"/>
+    </dgm:linClrLst>
+    <dgm:effectClrLst/>
+    <dgm:txLinClrLst/>
+    <dgm:txFillClrLst meth="repeat">
+      <a:schemeClr val="lt1"/>
+    </dgm:txFillClrLst>
+    <dgm:txEffectClrLst/>
+  </dgm:styleLbl>
+  <dgm:styleLbl name="trBgShp">
+    <dgm:fillClrLst meth="repeat">
+      <a:schemeClr val="dk1">
+        <a:tint val="50000"/>
+        <a:alpha val="40000"/>
+      </a:schemeClr>
+    </dgm:fillClrLst>
+    <dgm:linClrLst meth="repeat">
+      <a:schemeClr val="dk1"/>
+    </dgm:linClrLst>
+    <dgm:effectClrLst/>
+    <dgm:txLinClrLst/>
+    <dgm:txFillClrLst meth="repeat">
+      <a:schemeClr val="lt1"/>
+    </dgm:txFillClrLst>
+    <dgm:txEffectClrLst/>
+  </dgm:styleLbl>
+  <dgm:styleLbl name="fgShp">
+    <dgm:fillClrLst meth="repeat">
+      <a:schemeClr val="dk1">
+        <a:tint val="60000"/>
+      </a:schemeClr>
+    </dgm:fillClrLst>
+    <dgm:linClrLst meth="repeat">
+      <a:schemeClr val="lt1"/>
+    </dgm:linClrLst>
+    <dgm:effectClrLst/>
+    <dgm:txLinClrLst/>
+    <dgm:txFillClrLst meth="repeat">
+      <a:schemeClr val="dk1"/>
+    </dgm:txFillClrLst>
+    <dgm:txEffectClrLst/>
+  </dgm:styleLbl>
+  <dgm:styleLbl name="revTx">
+    <dgm:fillClrLst meth="repeat">
+      <a:schemeClr val="lt1">
+        <a:alpha val="0"/>
+      </a:schemeClr>
+    </dgm:fillClrLst>
+    <dgm:linClrLst meth="repeat">
+      <a:schemeClr val="dk1">
+        <a:alpha val="0"/>
+      </a:schemeClr>
+    </dgm:linClrLst>
+    <dgm:effectClrLst/>
+    <dgm:txLinClrLst/>
+    <dgm:txFillClrLst meth="repeat">
+      <a:schemeClr val="tx1"/>
+    </dgm:txFillClrLst>
+    <dgm:txEffectClrLst/>
+  </dgm:styleLbl>
+</dgm:colorsDef>
+</file>
+
+<file path=ppt/diagrams/data1.xml><?xml version="1.0" encoding="utf-8"?>
+<dgm:dataModel xmlns:dgm="http://schemas.openxmlformats.org/drawingml/2006/diagram" xmlns:a="http://schemas.openxmlformats.org/drawingml/2006/main">
+  <dgm:ptLst>
+    <dgm:pt modelId="{649F2D37-C583-40B0-944A-E62507E3D3DC}" type="doc">
+      <dgm:prSet loTypeId="urn:microsoft.com/office/officeart/2005/8/layout/process1" loCatId="process" qsTypeId="urn:microsoft.com/office/officeart/2005/8/quickstyle/simple1" qsCatId="simple" csTypeId="urn:microsoft.com/office/officeart/2005/8/colors/accent0_1" csCatId="mainScheme" phldr="1"/>
+      <dgm:spPr/>
+    </dgm:pt>
+    <dgm:pt modelId="{8C38CCD7-5C57-4FF0-9A90-16066FC2222C}">
+      <dgm:prSet phldrT="[Text]" custT="1"/>
+      <dgm:spPr/>
+      <dgm:t>
+        <a:bodyPr/>
+        <a:lstStyle/>
+        <a:p>
+          <a:r>
+            <a:rPr lang="en-IN" sz="1600" dirty="0">
+              <a:latin typeface="Times New Roman" panose="02020603050405020304" pitchFamily="18" charset="0"/>
+              <a:cs typeface="Times New Roman" panose="02020603050405020304" pitchFamily="18" charset="0"/>
+            </a:rPr>
+            <a:t>Spatial Pooler</a:t>
+          </a:r>
+        </a:p>
+      </dgm:t>
+    </dgm:pt>
+    <dgm:pt modelId="{7A94EBBD-451B-49F9-9B3E-3AF266C0B107}" type="parTrans" cxnId="{AF93E552-F866-44BB-AABA-AE273526F59E}">
+      <dgm:prSet/>
+      <dgm:spPr/>
+      <dgm:t>
+        <a:bodyPr/>
+        <a:lstStyle/>
+        <a:p>
+          <a:endParaRPr lang="en-IN" sz="800">
+            <a:latin typeface="Times New Roman" panose="02020603050405020304" pitchFamily="18" charset="0"/>
+            <a:cs typeface="Times New Roman" panose="02020603050405020304" pitchFamily="18" charset="0"/>
+          </a:endParaRPr>
+        </a:p>
+      </dgm:t>
+    </dgm:pt>
+    <dgm:pt modelId="{0853D862-DF68-4794-B07A-3BCE55075F3B}" type="sibTrans" cxnId="{AF93E552-F866-44BB-AABA-AE273526F59E}">
+      <dgm:prSet custT="1"/>
+      <dgm:spPr/>
+      <dgm:t>
+        <a:bodyPr/>
+        <a:lstStyle/>
+        <a:p>
+          <a:endParaRPr lang="en-IN" sz="800">
+            <a:latin typeface="Times New Roman" panose="02020603050405020304" pitchFamily="18" charset="0"/>
+            <a:cs typeface="Times New Roman" panose="02020603050405020304" pitchFamily="18" charset="0"/>
+          </a:endParaRPr>
+        </a:p>
+      </dgm:t>
+    </dgm:pt>
+    <dgm:pt modelId="{523C02B9-0221-42AE-A703-969048E5931F}">
+      <dgm:prSet phldrT="[Text]" custT="1"/>
+      <dgm:spPr/>
+      <dgm:t>
+        <a:bodyPr/>
+        <a:lstStyle/>
+        <a:p>
+          <a:r>
+            <a:rPr lang="en-IN" sz="1600" dirty="0">
+              <a:latin typeface="Times New Roman" panose="02020603050405020304" pitchFamily="18" charset="0"/>
+              <a:cs typeface="Times New Roman" panose="02020603050405020304" pitchFamily="18" charset="0"/>
+            </a:rPr>
+            <a:t>Temporal Memory</a:t>
+          </a:r>
+        </a:p>
+      </dgm:t>
+    </dgm:pt>
+    <dgm:pt modelId="{C65F6BCE-8BE8-48E9-831C-D2ED95FC8AC8}" type="parTrans" cxnId="{BDC0B573-4C44-44C1-BADA-4C75E71B6800}">
+      <dgm:prSet/>
+      <dgm:spPr/>
+      <dgm:t>
+        <a:bodyPr/>
+        <a:lstStyle/>
+        <a:p>
+          <a:endParaRPr lang="en-IN" sz="800">
+            <a:latin typeface="Times New Roman" panose="02020603050405020304" pitchFamily="18" charset="0"/>
+            <a:cs typeface="Times New Roman" panose="02020603050405020304" pitchFamily="18" charset="0"/>
+          </a:endParaRPr>
+        </a:p>
+      </dgm:t>
+    </dgm:pt>
+    <dgm:pt modelId="{995298A3-FE23-4A8E-B0AF-A1ECB86AADC2}" type="sibTrans" cxnId="{BDC0B573-4C44-44C1-BADA-4C75E71B6800}">
+      <dgm:prSet custT="1"/>
+      <dgm:spPr/>
+      <dgm:t>
+        <a:bodyPr/>
+        <a:lstStyle/>
+        <a:p>
+          <a:endParaRPr lang="en-IN" sz="800">
+            <a:latin typeface="Times New Roman" panose="02020603050405020304" pitchFamily="18" charset="0"/>
+            <a:cs typeface="Times New Roman" panose="02020603050405020304" pitchFamily="18" charset="0"/>
+          </a:endParaRPr>
+        </a:p>
+      </dgm:t>
+    </dgm:pt>
+    <dgm:pt modelId="{DFA6B16E-95C3-408C-A42C-EA0CFEA66246}">
+      <dgm:prSet phldrT="[Text]" custT="1"/>
+      <dgm:spPr/>
+      <dgm:t>
+        <a:bodyPr/>
+        <a:lstStyle/>
+        <a:p>
+          <a:r>
+            <a:rPr lang="en-IN" sz="1600" dirty="0">
+              <a:latin typeface="Times New Roman" panose="02020603050405020304" pitchFamily="18" charset="0"/>
+              <a:cs typeface="Times New Roman" panose="02020603050405020304" pitchFamily="18" charset="0"/>
+            </a:rPr>
+            <a:t>Classifier</a:t>
+          </a:r>
+        </a:p>
+      </dgm:t>
+    </dgm:pt>
+    <dgm:pt modelId="{F4963D20-DBBC-4611-B390-B0EE30427307}" type="parTrans" cxnId="{8C56E1AD-1BA7-44F8-BF42-A7E3D2FB1D06}">
+      <dgm:prSet/>
+      <dgm:spPr/>
+      <dgm:t>
+        <a:bodyPr/>
+        <a:lstStyle/>
+        <a:p>
+          <a:endParaRPr lang="en-IN" sz="800">
+            <a:latin typeface="Times New Roman" panose="02020603050405020304" pitchFamily="18" charset="0"/>
+            <a:cs typeface="Times New Roman" panose="02020603050405020304" pitchFamily="18" charset="0"/>
+          </a:endParaRPr>
+        </a:p>
+      </dgm:t>
+    </dgm:pt>
+    <dgm:pt modelId="{13E7AAFD-B2F3-48DB-A950-6AB1F759A197}" type="sibTrans" cxnId="{8C56E1AD-1BA7-44F8-BF42-A7E3D2FB1D06}">
+      <dgm:prSet/>
+      <dgm:spPr/>
+      <dgm:t>
+        <a:bodyPr/>
+        <a:lstStyle/>
+        <a:p>
+          <a:endParaRPr lang="en-IN" sz="800">
+            <a:latin typeface="Times New Roman" panose="02020603050405020304" pitchFamily="18" charset="0"/>
+            <a:cs typeface="Times New Roman" panose="02020603050405020304" pitchFamily="18" charset="0"/>
+          </a:endParaRPr>
+        </a:p>
+      </dgm:t>
+    </dgm:pt>
+    <dgm:pt modelId="{87AB4EF9-7F68-4A22-AB95-B0F50EE504D0}" type="pres">
+      <dgm:prSet presAssocID="{649F2D37-C583-40B0-944A-E62507E3D3DC}" presName="Name0" presStyleCnt="0">
+        <dgm:presLayoutVars>
+          <dgm:dir/>
+          <dgm:resizeHandles val="exact"/>
+        </dgm:presLayoutVars>
+      </dgm:prSet>
+      <dgm:spPr/>
+    </dgm:pt>
+    <dgm:pt modelId="{FAACEB69-CB0D-4E8A-8A39-3F4886797632}" type="pres">
+      <dgm:prSet presAssocID="{8C38CCD7-5C57-4FF0-9A90-16066FC2222C}" presName="node" presStyleLbl="node1" presStyleIdx="0" presStyleCnt="3" custLinFactNeighborX="-836" custLinFactNeighborY="-1359">
+        <dgm:presLayoutVars>
+          <dgm:bulletEnabled val="1"/>
+        </dgm:presLayoutVars>
+      </dgm:prSet>
+      <dgm:spPr/>
+    </dgm:pt>
+    <dgm:pt modelId="{CE3FD6E0-A2B9-4B48-82AA-1CDC48E200A3}" type="pres">
+      <dgm:prSet presAssocID="{0853D862-DF68-4794-B07A-3BCE55075F3B}" presName="sibTrans" presStyleLbl="sibTrans2D1" presStyleIdx="0" presStyleCnt="2"/>
+      <dgm:spPr/>
+    </dgm:pt>
+    <dgm:pt modelId="{1BAFD0D2-CF8A-4704-8D7E-B4F43052822A}" type="pres">
+      <dgm:prSet presAssocID="{0853D862-DF68-4794-B07A-3BCE55075F3B}" presName="connectorText" presStyleLbl="sibTrans2D1" presStyleIdx="0" presStyleCnt="2"/>
+      <dgm:spPr/>
+    </dgm:pt>
+    <dgm:pt modelId="{751AA3C4-26E9-45FC-B9C1-C3545A3CED04}" type="pres">
+      <dgm:prSet presAssocID="{523C02B9-0221-42AE-A703-969048E5931F}" presName="node" presStyleLbl="node1" presStyleIdx="1" presStyleCnt="3">
+        <dgm:presLayoutVars>
+          <dgm:bulletEnabled val="1"/>
+        </dgm:presLayoutVars>
+      </dgm:prSet>
+      <dgm:spPr/>
+    </dgm:pt>
+    <dgm:pt modelId="{CBBF2D90-9A7D-4B0F-82CC-C47D13C67A49}" type="pres">
+      <dgm:prSet presAssocID="{995298A3-FE23-4A8E-B0AF-A1ECB86AADC2}" presName="sibTrans" presStyleLbl="sibTrans2D1" presStyleIdx="1" presStyleCnt="2"/>
+      <dgm:spPr/>
+    </dgm:pt>
+    <dgm:pt modelId="{97164F83-4820-409B-8537-405C95BF1CEC}" type="pres">
+      <dgm:prSet presAssocID="{995298A3-FE23-4A8E-B0AF-A1ECB86AADC2}" presName="connectorText" presStyleLbl="sibTrans2D1" presStyleIdx="1" presStyleCnt="2"/>
+      <dgm:spPr/>
+    </dgm:pt>
+    <dgm:pt modelId="{D1EA504D-3033-43D8-B3DE-0686A4192DD8}" type="pres">
+      <dgm:prSet presAssocID="{DFA6B16E-95C3-408C-A42C-EA0CFEA66246}" presName="node" presStyleLbl="node1" presStyleIdx="2" presStyleCnt="3">
+        <dgm:presLayoutVars>
+          <dgm:bulletEnabled val="1"/>
+        </dgm:presLayoutVars>
+      </dgm:prSet>
+      <dgm:spPr/>
+    </dgm:pt>
+  </dgm:ptLst>
+  <dgm:cxnLst>
+    <dgm:cxn modelId="{359D2512-E6BD-44DE-9DA0-842C2C56304C}" type="presOf" srcId="{0853D862-DF68-4794-B07A-3BCE55075F3B}" destId="{1BAFD0D2-CF8A-4704-8D7E-B4F43052822A}" srcOrd="1" destOrd="0" presId="urn:microsoft.com/office/officeart/2005/8/layout/process1"/>
+    <dgm:cxn modelId="{B43A0522-60BF-4F65-A09D-1D17D239FC01}" type="presOf" srcId="{DFA6B16E-95C3-408C-A42C-EA0CFEA66246}" destId="{D1EA504D-3033-43D8-B3DE-0686A4192DD8}" srcOrd="0" destOrd="0" presId="urn:microsoft.com/office/officeart/2005/8/layout/process1"/>
+    <dgm:cxn modelId="{F14AF323-61B0-4884-B20C-12AA7EBE9E8B}" type="presOf" srcId="{649F2D37-C583-40B0-944A-E62507E3D3DC}" destId="{87AB4EF9-7F68-4A22-AB95-B0F50EE504D0}" srcOrd="0" destOrd="0" presId="urn:microsoft.com/office/officeart/2005/8/layout/process1"/>
+    <dgm:cxn modelId="{B2A0A23D-D0CB-484C-8C5A-66DBC7500166}" type="presOf" srcId="{523C02B9-0221-42AE-A703-969048E5931F}" destId="{751AA3C4-26E9-45FC-B9C1-C3545A3CED04}" srcOrd="0" destOrd="0" presId="urn:microsoft.com/office/officeart/2005/8/layout/process1"/>
+    <dgm:cxn modelId="{AF93E552-F866-44BB-AABA-AE273526F59E}" srcId="{649F2D37-C583-40B0-944A-E62507E3D3DC}" destId="{8C38CCD7-5C57-4FF0-9A90-16066FC2222C}" srcOrd="0" destOrd="0" parTransId="{7A94EBBD-451B-49F9-9B3E-3AF266C0B107}" sibTransId="{0853D862-DF68-4794-B07A-3BCE55075F3B}"/>
+    <dgm:cxn modelId="{BDC0B573-4C44-44C1-BADA-4C75E71B6800}" srcId="{649F2D37-C583-40B0-944A-E62507E3D3DC}" destId="{523C02B9-0221-42AE-A703-969048E5931F}" srcOrd="1" destOrd="0" parTransId="{C65F6BCE-8BE8-48E9-831C-D2ED95FC8AC8}" sibTransId="{995298A3-FE23-4A8E-B0AF-A1ECB86AADC2}"/>
+    <dgm:cxn modelId="{3E97DDA9-6F9B-4BAF-ACFC-1BB92A7885CE}" type="presOf" srcId="{0853D862-DF68-4794-B07A-3BCE55075F3B}" destId="{CE3FD6E0-A2B9-4B48-82AA-1CDC48E200A3}" srcOrd="0" destOrd="0" presId="urn:microsoft.com/office/officeart/2005/8/layout/process1"/>
+    <dgm:cxn modelId="{8C56E1AD-1BA7-44F8-BF42-A7E3D2FB1D06}" srcId="{649F2D37-C583-40B0-944A-E62507E3D3DC}" destId="{DFA6B16E-95C3-408C-A42C-EA0CFEA66246}" srcOrd="2" destOrd="0" parTransId="{F4963D20-DBBC-4611-B390-B0EE30427307}" sibTransId="{13E7AAFD-B2F3-48DB-A950-6AB1F759A197}"/>
+    <dgm:cxn modelId="{F5562ABE-E405-47E7-8C21-11DAC885ABCD}" type="presOf" srcId="{8C38CCD7-5C57-4FF0-9A90-16066FC2222C}" destId="{FAACEB69-CB0D-4E8A-8A39-3F4886797632}" srcOrd="0" destOrd="0" presId="urn:microsoft.com/office/officeart/2005/8/layout/process1"/>
+    <dgm:cxn modelId="{1F4BDFEA-5B47-4B32-87C0-C42229B93F31}" type="presOf" srcId="{995298A3-FE23-4A8E-B0AF-A1ECB86AADC2}" destId="{97164F83-4820-409B-8537-405C95BF1CEC}" srcOrd="1" destOrd="0" presId="urn:microsoft.com/office/officeart/2005/8/layout/process1"/>
+    <dgm:cxn modelId="{DE20C1FD-166E-4294-8468-519745475361}" type="presOf" srcId="{995298A3-FE23-4A8E-B0AF-A1ECB86AADC2}" destId="{CBBF2D90-9A7D-4B0F-82CC-C47D13C67A49}" srcOrd="0" destOrd="0" presId="urn:microsoft.com/office/officeart/2005/8/layout/process1"/>
+    <dgm:cxn modelId="{A97C6461-2FDD-4356-8CF4-72A8E356B6CA}" type="presParOf" srcId="{87AB4EF9-7F68-4A22-AB95-B0F50EE504D0}" destId="{FAACEB69-CB0D-4E8A-8A39-3F4886797632}" srcOrd="0" destOrd="0" presId="urn:microsoft.com/office/officeart/2005/8/layout/process1"/>
+    <dgm:cxn modelId="{270BDA20-A2C1-4D9A-8F7F-4B7863FB5719}" type="presParOf" srcId="{87AB4EF9-7F68-4A22-AB95-B0F50EE504D0}" destId="{CE3FD6E0-A2B9-4B48-82AA-1CDC48E200A3}" srcOrd="1" destOrd="0" presId="urn:microsoft.com/office/officeart/2005/8/layout/process1"/>
+    <dgm:cxn modelId="{D571E55B-3D68-40E1-89FD-0BCA6ED6FCB5}" type="presParOf" srcId="{CE3FD6E0-A2B9-4B48-82AA-1CDC48E200A3}" destId="{1BAFD0D2-CF8A-4704-8D7E-B4F43052822A}" srcOrd="0" destOrd="0" presId="urn:microsoft.com/office/officeart/2005/8/layout/process1"/>
+    <dgm:cxn modelId="{3183DA0B-E11C-436A-9924-105C3AD567FD}" type="presParOf" srcId="{87AB4EF9-7F68-4A22-AB95-B0F50EE504D0}" destId="{751AA3C4-26E9-45FC-B9C1-C3545A3CED04}" srcOrd="2" destOrd="0" presId="urn:microsoft.com/office/officeart/2005/8/layout/process1"/>
+    <dgm:cxn modelId="{DA71793D-0013-4666-932E-467FD85FC578}" type="presParOf" srcId="{87AB4EF9-7F68-4A22-AB95-B0F50EE504D0}" destId="{CBBF2D90-9A7D-4B0F-82CC-C47D13C67A49}" srcOrd="3" destOrd="0" presId="urn:microsoft.com/office/officeart/2005/8/layout/process1"/>
+    <dgm:cxn modelId="{F7E6A620-8BB2-415A-A920-84087B67ABA2}" type="presParOf" srcId="{CBBF2D90-9A7D-4B0F-82CC-C47D13C67A49}" destId="{97164F83-4820-409B-8537-405C95BF1CEC}" srcOrd="0" destOrd="0" presId="urn:microsoft.com/office/officeart/2005/8/layout/process1"/>
+    <dgm:cxn modelId="{0A72A36C-5D14-4080-AA57-F4A748744E2C}" type="presParOf" srcId="{87AB4EF9-7F68-4A22-AB95-B0F50EE504D0}" destId="{D1EA504D-3033-43D8-B3DE-0686A4192DD8}" srcOrd="4" destOrd="0" presId="urn:microsoft.com/office/officeart/2005/8/layout/process1"/>
+  </dgm:cxnLst>
+  <dgm:bg/>
+  <dgm:whole/>
+  <dgm:extLst>
+    <a:ext uri="http://schemas.microsoft.com/office/drawing/2008/diagram">
+      <dsp:dataModelExt xmlns:dsp="http://schemas.microsoft.com/office/drawing/2008/diagram" relId="rId6" minVer="http://schemas.openxmlformats.org/drawingml/2006/diagram"/>
+    </a:ext>
+  </dgm:extLst>
+</dgm:dataModel>
+</file>
+
+<file path=ppt/diagrams/drawing1.xml><?xml version="1.0" encoding="utf-8"?>
+<dsp:drawing xmlns:dgm="http://schemas.openxmlformats.org/drawingml/2006/diagram" xmlns:dsp="http://schemas.microsoft.com/office/drawing/2008/diagram" xmlns:a="http://schemas.openxmlformats.org/drawingml/2006/main">
+  <dsp:spTree>
+    <dsp:nvGrpSpPr>
+      <dsp:cNvPr id="0" name=""/>
+      <dsp:cNvGrpSpPr/>
+    </dsp:nvGrpSpPr>
+    <dsp:grpSpPr/>
+    <dsp:sp modelId="{FAACEB69-CB0D-4E8A-8A39-3F4886797632}">
+      <dsp:nvSpPr>
+        <dsp:cNvPr id="0" name=""/>
+        <dsp:cNvSpPr/>
+      </dsp:nvSpPr>
+      <dsp:spPr>
+        <a:xfrm>
+          <a:off x="2" y="1279988"/>
+          <a:ext cx="1393209" cy="835925"/>
+        </a:xfrm>
+        <a:prstGeom prst="roundRect">
+          <a:avLst>
+            <a:gd name="adj" fmla="val 10000"/>
+          </a:avLst>
+        </a:prstGeom>
+        <a:solidFill>
+          <a:schemeClr val="lt1">
+            <a:hueOff val="0"/>
+            <a:satOff val="0"/>
+            <a:lumOff val="0"/>
+            <a:alphaOff val="0"/>
+          </a:schemeClr>
+        </a:solidFill>
+        <a:ln w="12700" cap="flat" cmpd="sng" algn="ctr">
+          <a:solidFill>
+            <a:schemeClr val="dk1">
+              <a:shade val="80000"/>
+              <a:hueOff val="0"/>
+              <a:satOff val="0"/>
+              <a:lumOff val="0"/>
+              <a:alphaOff val="0"/>
+            </a:schemeClr>
+          </a:solidFill>
+          <a:prstDash val="solid"/>
+          <a:miter lim="800000"/>
+        </a:ln>
+        <a:effectLst/>
+      </dsp:spPr>
+      <dsp:style>
+        <a:lnRef idx="2">
+          <a:scrgbClr r="0" g="0" b="0"/>
+        </a:lnRef>
+        <a:fillRef idx="1">
+          <a:scrgbClr r="0" g="0" b="0"/>
+        </a:fillRef>
+        <a:effectRef idx="0">
+          <a:scrgbClr r="0" g="0" b="0"/>
+        </a:effectRef>
+        <a:fontRef idx="minor">
+          <a:schemeClr val="lt1"/>
+        </a:fontRef>
+      </dsp:style>
+      <dsp:txBody>
+        <a:bodyPr spcFirstLastPara="0" vert="horz" wrap="square" lIns="60960" tIns="60960" rIns="60960" bIns="60960" numCol="1" spcCol="1270" anchor="ctr" anchorCtr="0">
+          <a:noAutofit/>
+        </a:bodyPr>
+        <a:lstStyle/>
+        <a:p>
+          <a:pPr marL="0" lvl="0" indent="0" algn="ctr" defTabSz="711200">
+            <a:lnSpc>
+              <a:spcPct val="90000"/>
+            </a:lnSpc>
+            <a:spcBef>
+              <a:spcPct val="0"/>
+            </a:spcBef>
+            <a:spcAft>
+              <a:spcPct val="35000"/>
+            </a:spcAft>
+            <a:buNone/>
+          </a:pPr>
+          <a:r>
+            <a:rPr lang="en-IN" sz="1600" kern="1200" dirty="0">
+              <a:latin typeface="Times New Roman" panose="02020603050405020304" pitchFamily="18" charset="0"/>
+              <a:cs typeface="Times New Roman" panose="02020603050405020304" pitchFamily="18" charset="0"/>
+            </a:rPr>
+            <a:t>Spatial Pooler</a:t>
+          </a:r>
+        </a:p>
+      </dsp:txBody>
+      <dsp:txXfrm>
+        <a:off x="24485" y="1304471"/>
+        <a:ext cx="1344243" cy="786959"/>
+      </dsp:txXfrm>
+    </dsp:sp>
+    <dsp:sp modelId="{CE3FD6E0-A2B9-4B48-82AA-1CDC48E200A3}">
+      <dsp:nvSpPr>
+        <dsp:cNvPr id="0" name=""/>
+        <dsp:cNvSpPr/>
+      </dsp:nvSpPr>
+      <dsp:spPr>
+        <a:xfrm rot="19974">
+          <a:off x="1533695" y="1530922"/>
+          <a:ext cx="297834" cy="345516"/>
+        </a:xfrm>
+        <a:prstGeom prst="rightArrow">
+          <a:avLst>
+            <a:gd name="adj1" fmla="val 60000"/>
+            <a:gd name="adj2" fmla="val 50000"/>
+          </a:avLst>
+        </a:prstGeom>
+        <a:solidFill>
+          <a:schemeClr val="dk1">
+            <a:tint val="60000"/>
+            <a:hueOff val="0"/>
+            <a:satOff val="0"/>
+            <a:lumOff val="0"/>
+            <a:alphaOff val="0"/>
+          </a:schemeClr>
+        </a:solidFill>
+        <a:ln>
+          <a:noFill/>
+        </a:ln>
+        <a:effectLst/>
+      </dsp:spPr>
+      <dsp:style>
+        <a:lnRef idx="0">
+          <a:scrgbClr r="0" g="0" b="0"/>
+        </a:lnRef>
+        <a:fillRef idx="1">
+          <a:scrgbClr r="0" g="0" b="0"/>
+        </a:fillRef>
+        <a:effectRef idx="0">
+          <a:scrgbClr r="0" g="0" b="0"/>
+        </a:effectRef>
+        <a:fontRef idx="minor">
+          <a:schemeClr val="lt1"/>
+        </a:fontRef>
+      </dsp:style>
+      <dsp:txBody>
+        <a:bodyPr spcFirstLastPara="0" vert="horz" wrap="square" lIns="0" tIns="0" rIns="0" bIns="0" numCol="1" spcCol="1270" anchor="ctr" anchorCtr="0">
+          <a:noAutofit/>
+        </a:bodyPr>
+        <a:lstStyle/>
+        <a:p>
+          <a:pPr marL="0" lvl="0" indent="0" algn="ctr" defTabSz="355600">
+            <a:lnSpc>
+              <a:spcPct val="90000"/>
+            </a:lnSpc>
+            <a:spcBef>
+              <a:spcPct val="0"/>
+            </a:spcBef>
+            <a:spcAft>
+              <a:spcPct val="35000"/>
+            </a:spcAft>
+            <a:buNone/>
+          </a:pPr>
+          <a:endParaRPr lang="en-IN" sz="800" kern="1200">
+            <a:latin typeface="Times New Roman" panose="02020603050405020304" pitchFamily="18" charset="0"/>
+            <a:cs typeface="Times New Roman" panose="02020603050405020304" pitchFamily="18" charset="0"/>
+          </a:endParaRPr>
+        </a:p>
+      </dsp:txBody>
+      <dsp:txXfrm>
+        <a:off x="1533696" y="1599765"/>
+        <a:ext cx="208484" cy="207310"/>
+      </dsp:txXfrm>
+    </dsp:sp>
+    <dsp:sp modelId="{751AA3C4-26E9-45FC-B9C1-C3545A3CED04}">
+      <dsp:nvSpPr>
+        <dsp:cNvPr id="0" name=""/>
+        <dsp:cNvSpPr/>
+      </dsp:nvSpPr>
+      <dsp:spPr>
+        <a:xfrm>
+          <a:off x="1955155" y="1291348"/>
+          <a:ext cx="1393209" cy="835925"/>
+        </a:xfrm>
+        <a:prstGeom prst="roundRect">
+          <a:avLst>
+            <a:gd name="adj" fmla="val 10000"/>
+          </a:avLst>
+        </a:prstGeom>
+        <a:solidFill>
+          <a:schemeClr val="lt1">
+            <a:hueOff val="0"/>
+            <a:satOff val="0"/>
+            <a:lumOff val="0"/>
+            <a:alphaOff val="0"/>
+          </a:schemeClr>
+        </a:solidFill>
+        <a:ln w="12700" cap="flat" cmpd="sng" algn="ctr">
+          <a:solidFill>
+            <a:schemeClr val="dk1">
+              <a:shade val="80000"/>
+              <a:hueOff val="0"/>
+              <a:satOff val="0"/>
+              <a:lumOff val="0"/>
+              <a:alphaOff val="0"/>
+            </a:schemeClr>
+          </a:solidFill>
+          <a:prstDash val="solid"/>
+          <a:miter lim="800000"/>
+        </a:ln>
+        <a:effectLst/>
+      </dsp:spPr>
+      <dsp:style>
+        <a:lnRef idx="2">
+          <a:scrgbClr r="0" g="0" b="0"/>
+        </a:lnRef>
+        <a:fillRef idx="1">
+          <a:scrgbClr r="0" g="0" b="0"/>
+        </a:fillRef>
+        <a:effectRef idx="0">
+          <a:scrgbClr r="0" g="0" b="0"/>
+        </a:effectRef>
+        <a:fontRef idx="minor">
+          <a:schemeClr val="lt1"/>
+        </a:fontRef>
+      </dsp:style>
+      <dsp:txBody>
+        <a:bodyPr spcFirstLastPara="0" vert="horz" wrap="square" lIns="60960" tIns="60960" rIns="60960" bIns="60960" numCol="1" spcCol="1270" anchor="ctr" anchorCtr="0">
+          <a:noAutofit/>
+        </a:bodyPr>
+        <a:lstStyle/>
+        <a:p>
+          <a:pPr marL="0" lvl="0" indent="0" algn="ctr" defTabSz="711200">
+            <a:lnSpc>
+              <a:spcPct val="90000"/>
+            </a:lnSpc>
+            <a:spcBef>
+              <a:spcPct val="0"/>
+            </a:spcBef>
+            <a:spcAft>
+              <a:spcPct val="35000"/>
+            </a:spcAft>
+            <a:buNone/>
+          </a:pPr>
+          <a:r>
+            <a:rPr lang="en-IN" sz="1600" kern="1200" dirty="0">
+              <a:latin typeface="Times New Roman" panose="02020603050405020304" pitchFamily="18" charset="0"/>
+              <a:cs typeface="Times New Roman" panose="02020603050405020304" pitchFamily="18" charset="0"/>
+            </a:rPr>
+            <a:t>Temporal Memory</a:t>
+          </a:r>
+        </a:p>
+      </dsp:txBody>
+      <dsp:txXfrm>
+        <a:off x="1979638" y="1315831"/>
+        <a:ext cx="1344243" cy="786959"/>
+      </dsp:txXfrm>
+    </dsp:sp>
+    <dsp:sp modelId="{CBBF2D90-9A7D-4B0F-82CC-C47D13C67A49}">
+      <dsp:nvSpPr>
+        <dsp:cNvPr id="0" name=""/>
+        <dsp:cNvSpPr/>
+      </dsp:nvSpPr>
+      <dsp:spPr>
+        <a:xfrm>
+          <a:off x="3487685" y="1536553"/>
+          <a:ext cx="295360" cy="345516"/>
+        </a:xfrm>
+        <a:prstGeom prst="rightArrow">
+          <a:avLst>
+            <a:gd name="adj1" fmla="val 60000"/>
+            <a:gd name="adj2" fmla="val 50000"/>
+          </a:avLst>
+        </a:prstGeom>
+        <a:solidFill>
+          <a:schemeClr val="dk1">
+            <a:tint val="60000"/>
+            <a:hueOff val="0"/>
+            <a:satOff val="0"/>
+            <a:lumOff val="0"/>
+            <a:alphaOff val="0"/>
+          </a:schemeClr>
+        </a:solidFill>
+        <a:ln>
+          <a:noFill/>
+        </a:ln>
+        <a:effectLst/>
+      </dsp:spPr>
+      <dsp:style>
+        <a:lnRef idx="0">
+          <a:scrgbClr r="0" g="0" b="0"/>
+        </a:lnRef>
+        <a:fillRef idx="1">
+          <a:scrgbClr r="0" g="0" b="0"/>
+        </a:fillRef>
+        <a:effectRef idx="0">
+          <a:scrgbClr r="0" g="0" b="0"/>
+        </a:effectRef>
+        <a:fontRef idx="minor">
+          <a:schemeClr val="lt1"/>
+        </a:fontRef>
+      </dsp:style>
+      <dsp:txBody>
+        <a:bodyPr spcFirstLastPara="0" vert="horz" wrap="square" lIns="0" tIns="0" rIns="0" bIns="0" numCol="1" spcCol="1270" anchor="ctr" anchorCtr="0">
+          <a:noAutofit/>
+        </a:bodyPr>
+        <a:lstStyle/>
+        <a:p>
+          <a:pPr marL="0" lvl="0" indent="0" algn="ctr" defTabSz="355600">
+            <a:lnSpc>
+              <a:spcPct val="90000"/>
+            </a:lnSpc>
+            <a:spcBef>
+              <a:spcPct val="0"/>
+            </a:spcBef>
+            <a:spcAft>
+              <a:spcPct val="35000"/>
+            </a:spcAft>
+            <a:buNone/>
+          </a:pPr>
+          <a:endParaRPr lang="en-IN" sz="800" kern="1200">
+            <a:latin typeface="Times New Roman" panose="02020603050405020304" pitchFamily="18" charset="0"/>
+            <a:cs typeface="Times New Roman" panose="02020603050405020304" pitchFamily="18" charset="0"/>
+          </a:endParaRPr>
+        </a:p>
+      </dsp:txBody>
+      <dsp:txXfrm>
+        <a:off x="3487685" y="1605656"/>
+        <a:ext cx="206752" cy="207310"/>
+      </dsp:txXfrm>
+    </dsp:sp>
+    <dsp:sp modelId="{D1EA504D-3033-43D8-B3DE-0686A4192DD8}">
+      <dsp:nvSpPr>
+        <dsp:cNvPr id="0" name=""/>
+        <dsp:cNvSpPr/>
+      </dsp:nvSpPr>
+      <dsp:spPr>
+        <a:xfrm>
+          <a:off x="3905648" y="1291348"/>
+          <a:ext cx="1393209" cy="835925"/>
+        </a:xfrm>
+        <a:prstGeom prst="roundRect">
+          <a:avLst>
+            <a:gd name="adj" fmla="val 10000"/>
+          </a:avLst>
+        </a:prstGeom>
+        <a:solidFill>
+          <a:schemeClr val="lt1">
+            <a:hueOff val="0"/>
+            <a:satOff val="0"/>
+            <a:lumOff val="0"/>
+            <a:alphaOff val="0"/>
+          </a:schemeClr>
+        </a:solidFill>
+        <a:ln w="12700" cap="flat" cmpd="sng" algn="ctr">
+          <a:solidFill>
+            <a:schemeClr val="dk1">
+              <a:shade val="80000"/>
+              <a:hueOff val="0"/>
+              <a:satOff val="0"/>
+              <a:lumOff val="0"/>
+              <a:alphaOff val="0"/>
+            </a:schemeClr>
+          </a:solidFill>
+          <a:prstDash val="solid"/>
+          <a:miter lim="800000"/>
+        </a:ln>
+        <a:effectLst/>
+      </dsp:spPr>
+      <dsp:style>
+        <a:lnRef idx="2">
+          <a:scrgbClr r="0" g="0" b="0"/>
+        </a:lnRef>
+        <a:fillRef idx="1">
+          <a:scrgbClr r="0" g="0" b="0"/>
+        </a:fillRef>
+        <a:effectRef idx="0">
+          <a:scrgbClr r="0" g="0" b="0"/>
+        </a:effectRef>
+        <a:fontRef idx="minor">
+          <a:schemeClr val="lt1"/>
+        </a:fontRef>
+      </dsp:style>
+      <dsp:txBody>
+        <a:bodyPr spcFirstLastPara="0" vert="horz" wrap="square" lIns="60960" tIns="60960" rIns="60960" bIns="60960" numCol="1" spcCol="1270" anchor="ctr" anchorCtr="0">
+          <a:noAutofit/>
+        </a:bodyPr>
+        <a:lstStyle/>
+        <a:p>
+          <a:pPr marL="0" lvl="0" indent="0" algn="ctr" defTabSz="711200">
+            <a:lnSpc>
+              <a:spcPct val="90000"/>
+            </a:lnSpc>
+            <a:spcBef>
+              <a:spcPct val="0"/>
+            </a:spcBef>
+            <a:spcAft>
+              <a:spcPct val="35000"/>
+            </a:spcAft>
+            <a:buNone/>
+          </a:pPr>
+          <a:r>
+            <a:rPr lang="en-IN" sz="1600" kern="1200" dirty="0">
+              <a:latin typeface="Times New Roman" panose="02020603050405020304" pitchFamily="18" charset="0"/>
+              <a:cs typeface="Times New Roman" panose="02020603050405020304" pitchFamily="18" charset="0"/>
+            </a:rPr>
+            <a:t>Classifier</a:t>
+          </a:r>
+        </a:p>
+      </dsp:txBody>
+      <dsp:txXfrm>
+        <a:off x="3930131" y="1315831"/>
+        <a:ext cx="1344243" cy="786959"/>
+      </dsp:txXfrm>
+    </dsp:sp>
+  </dsp:spTree>
+</dsp:drawing>
+</file>
+
+<file path=ppt/diagrams/layout1.xml><?xml version="1.0" encoding="utf-8"?>
+<dgm:layoutDef xmlns:dgm="http://schemas.openxmlformats.org/drawingml/2006/diagram" xmlns:a="http://schemas.openxmlformats.org/drawingml/2006/main" uniqueId="urn:microsoft.com/office/officeart/2005/8/layout/process1">
+  <dgm:title val=""/>
+  <dgm:desc val=""/>
+  <dgm:catLst>
+    <dgm:cat type="process" pri="1000"/>
+    <dgm:cat type="convert" pri="15000"/>
+  </dgm:catLst>
+  <dgm:sampData useDef="1">
+    <dgm:dataModel>
+      <dgm:ptLst/>
+      <dgm:bg/>
+      <dgm:whole/>
+    </dgm:dataModel>
+  </dgm:sampData>
+  <dgm:styleData>
+    <dgm:dataModel>
+      <dgm:ptLst>
+        <dgm:pt modelId="0" type="doc"/>
+        <dgm:pt modelId="1"/>
+        <dgm:pt modelId="2"/>
+      </dgm:ptLst>
+      <dgm:cxnLst>
+        <dgm:cxn modelId="3" srcId="0" destId="1" srcOrd="0" destOrd="0"/>
+        <dgm:cxn modelId="4" srcId="0" destId="2" srcOrd="1" destOrd="0"/>
+      </dgm:cxnLst>
+      <dgm:bg/>
+      <dgm:whole/>
+    </dgm:dataModel>
+  </dgm:styleData>
+  <dgm:clrData>
+    <dgm:dataModel>
+      <dgm:ptLst>
+        <dgm:pt modelId="0" type="doc"/>
+        <dgm:pt modelId="1"/>
+        <dgm:pt modelId="2"/>
+        <dgm:pt modelId="3"/>
+        <dgm:pt modelId="4"/>
+      </dgm:ptLst>
+      <dgm:cxnLst>
+        <dgm:cxn modelId="5" srcId="0" destId="1" srcOrd="0" destOrd="0"/>
+        <dgm:cxn modelId="6" srcId="0" destId="2" srcOrd="1" destOrd="0"/>
+        <dgm:cxn modelId="7" srcId="0" destId="3" srcOrd="2" destOrd="0"/>
+        <dgm:cxn modelId="8" srcId="0" destId="4" srcOrd="3" destOrd="0"/>
+      </dgm:cxnLst>
+      <dgm:bg/>
+      <dgm:whole/>
+    </dgm:dataModel>
+  </dgm:clrData>
+  <dgm:layoutNode name="Name0">
+    <dgm:varLst>
+      <dgm:dir/>
+      <dgm:resizeHandles val="exact"/>
+    </dgm:varLst>
+    <dgm:choose name="Name1">
+      <dgm:if name="Name2" func="var" arg="dir" op="equ" val="norm">
+        <dgm:alg type="lin"/>
+      </dgm:if>
+      <dgm:else name="Name3">
+        <dgm:alg type="lin">
+          <dgm:param type="linDir" val="fromR"/>
+        </dgm:alg>
+      </dgm:else>
+    </dgm:choose>
+    <dgm:shape xmlns:r="http://schemas.openxmlformats.org/officeDocument/2006/relationships" r:blip="">
+      <dgm:adjLst/>
+    </dgm:shape>
+    <dgm:presOf/>
+    <dgm:constrLst>
+      <dgm:constr type="w" for="ch" ptType="node" refType="w"/>
+      <dgm:constr type="h" for="ch" ptType="node" op="equ"/>
+      <dgm:constr type="primFontSz" for="ch" ptType="node" op="equ" val="65"/>
+      <dgm:constr type="w" for="ch" ptType="sibTrans" refType="w" refFor="ch" refPtType="node" op="equ" fact="0.4"/>
+      <dgm:constr type="h" for="ch" ptType="sibTrans" op="equ"/>
+      <dgm:constr type="primFontSz" for="des" forName="connectorText" op="equ" val="55"/>
+      <dgm:constr type="primFontSz" for="des" forName="connectorText" refType="primFontSz" refFor="ch" refPtType="node" op="lte" fact="0.8"/>
+    </dgm:constrLst>
+    <dgm:ruleLst/>
+    <dgm:forEach name="nodesForEach" axis="ch" ptType="node">
+      <dgm:layoutNode name="node">
+        <dgm:varLst>
+          <dgm:bulletEnabled val="1"/>
+        </dgm:varLst>
+        <dgm:alg type="tx"/>
+        <dgm:shape xmlns:r="http://schemas.openxmlformats.org/officeDocument/2006/relationships" type="roundRect" r:blip="">
+          <dgm:adjLst>
+            <dgm:adj idx="1" val="0.1"/>
+          </dgm:adjLst>
+        </dgm:shape>
+        <dgm:presOf axis="desOrSelf" ptType="node"/>
+        <dgm:constrLst>
+          <dgm:constr type="h" refType="w" fact="0.6"/>
+          <dgm:constr type="tMarg" refType="primFontSz" fact="0.3"/>
+          <dgm:constr type="bMarg" refType="primFontSz" fact="0.3"/>
+          <dgm:constr type="lMarg" refType="primFontSz" fact="0.3"/>
+          <dgm:constr type="rMarg" refType="primFontSz" fact="0.3"/>
+        </dgm:constrLst>
+        <dgm:ruleLst>
+          <dgm:rule type="primFontSz" val="18" fact="NaN" max="NaN"/>
+          <dgm:rule type="h" val="NaN" fact="1.5" max="NaN"/>
+          <dgm:rule type="primFontSz" val="5" fact="NaN" max="NaN"/>
+          <dgm:rule type="h" val="INF" fact="NaN" max="NaN"/>
+        </dgm:ruleLst>
+      </dgm:layoutNode>
+      <dgm:forEach name="sibTransForEach" axis="followSib" ptType="sibTrans" cnt="1">
+        <dgm:layoutNode name="sibTrans">
+          <dgm:alg type="conn">
+            <dgm:param type="begPts" val="auto"/>
+            <dgm:param type="endPts" val="auto"/>
+          </dgm:alg>
+          <dgm:shape xmlns:r="http://schemas.openxmlformats.org/officeDocument/2006/relationships" type="conn" r:blip="">
+            <dgm:adjLst/>
+          </dgm:shape>
+          <dgm:presOf axis="self"/>
+          <dgm:constrLst>
+            <dgm:constr type="h" refType="w" fact="0.62"/>
+            <dgm:constr type="connDist"/>
+            <dgm:constr type="begPad" refType="connDist" fact="0.25"/>
+            <dgm:constr type="endPad" refType="connDist" fact="0.22"/>
+          </dgm:constrLst>
+          <dgm:ruleLst/>
+          <dgm:layoutNode name="connectorText">
+            <dgm:alg type="tx">
+              <dgm:param type="autoTxRot" val="grav"/>
+            </dgm:alg>
+            <dgm:shape xmlns:r="http://schemas.openxmlformats.org/officeDocument/2006/relationships" type="conn" r:blip="" hideGeom="1">
+              <dgm:adjLst/>
+            </dgm:shape>
+            <dgm:presOf axis="self"/>
+            <dgm:constrLst>
+              <dgm:constr type="lMarg"/>
+              <dgm:constr type="rMarg"/>
+              <dgm:constr type="tMarg"/>
+              <dgm:constr type="bMarg"/>
+            </dgm:constrLst>
+            <dgm:ruleLst>
+              <dgm:rule type="primFontSz" val="5" fact="NaN" max="NaN"/>
+            </dgm:ruleLst>
+          </dgm:layoutNode>
+        </dgm:layoutNode>
+      </dgm:forEach>
+    </dgm:forEach>
+  </dgm:layoutNode>
+</dgm:layoutDef>
+</file>
+
+<file path=ppt/diagrams/quickStyle1.xml><?xml version="1.0" encoding="utf-8"?>
+<dgm:styleDef xmlns:dgm="http://schemas.openxmlformats.org/drawingml/2006/diagram" xmlns:a="http://schemas.openxmlformats.org/drawingml/2006/main" uniqueId="urn:microsoft.com/office/officeart/2005/8/quickstyle/simple1">
+  <dgm:title val=""/>
+  <dgm:desc val=""/>
+  <dgm:catLst>
+    <dgm:cat type="simple" pri="10100"/>
+  </dgm:catLst>
+  <dgm:scene3d>
+    <a:camera prst="orthographicFront"/>
+    <a:lightRig rig="threePt" dir="t"/>
+  </dgm:scene3d>
+  <dgm:styleLbl name="node0">
+    <dgm:scene3d>
+      <a:camera prst="orthographicFront"/>
+      <a:lightRig rig="threePt" dir="t"/>
+    </dgm:scene3d>
+    <dgm:sp3d/>
+    <dgm:txPr/>
+    <dgm:style>
+      <a:lnRef idx="2">
+        <a:scrgbClr r="0" g="0" b="0"/>
+      </a:lnRef>
+      <a:fillRef idx="1">
+        <a:scrgbClr r="0" g="0" b="0"/>
+      </a:fillRef>
+      <a:effectRef idx="0">
+        <a:scrgbClr r="0" g="0" b="0"/>
+      </a:effectRef>
+      <a:fontRef idx="minor">
+        <a:schemeClr val="lt1"/>
+      </a:fontRef>
+    </dgm:style>
+  </dgm:styleLbl>
+  <dgm:styleLbl name="lnNode1">
+    <dgm:scene3d>
+      <a:camera prst="orthographicFront"/>
+      <a:lightRig rig="threePt" dir="t"/>
+    </dgm:scene3d>
+    <dgm:sp3d/>
+    <dgm:txPr/>
+    <dgm:style>
+      <a:lnRef idx="2">
+        <a:scrgbClr r="0" g="0" b="0"/>
+      </a:lnRef>
+      <a:fillRef idx="1">
+        <a:scrgbClr r="0" g="0" b="0"/>
+      </a:fillRef>
+      <a:effectRef idx="0">
+        <a:scrgbClr r="0" g="0" b="0"/>
+      </a:effectRef>
+      <a:fontRef idx="minor">
+        <a:schemeClr val="lt1"/>
+      </a:fontRef>
+    </dgm:style>
+  </dgm:styleLbl>
+  <dgm:styleLbl name="vennNode1">
+    <dgm:scene3d>
+      <a:camera prst="orthographicFront"/>
+      <a:lightRig rig="threePt" dir="t"/>
+    </dgm:scene3d>
+    <dgm:sp3d/>
+    <dgm:txPr/>
+    <dgm:style>
+      <a:lnRef idx="2">
+        <a:scrgbClr r="0" g="0" b="0"/>
+      </a:lnRef>
+      <a:fillRef idx="1">
+        <a:scrgbClr r="0" g="0" b="0"/>
+      </a:fillRef>
+      <a:effectRef idx="0">
+        <a:scrgbClr r="0" g="0" b="0"/>
+      </a:effectRef>
+      <a:fontRef idx="minor">
+        <a:schemeClr val="tx1"/>
+      </a:fontRef>
+    </dgm:style>
+  </dgm:styleLbl>
+  <dgm:styleLbl name="alignNode1">
+    <dgm:scene3d>
+      <a:camera prst="orthographicFront"/>
+      <a:lightRig rig="threePt" dir="t"/>
+    </dgm:scene3d>
+    <dgm:sp3d/>
+    <dgm:txPr/>
+    <dgm:style>
+      <a:lnRef idx="2">
+        <a:scrgbClr r="0" g="0" b="0"/>
+      </a:lnRef>
+      <a:fillRef idx="1">
+        <a:scrgbClr r="0" g="0" b="0"/>
+      </a:fillRef>
+      <a:effectRef idx="0">
+        <a:scrgbClr r="0" g="0" b="0"/>
+      </a:effectRef>
+      <a:fontRef idx="minor">
+        <a:schemeClr val="lt1"/>
+      </a:fontRef>
+    </dgm:style>
+  </dgm:styleLbl>
+  <dgm:styleLbl name="node1">
+    <dgm:scene3d>
+      <a:camera prst="orthographicFront"/>
+      <a:lightRig rig="threePt" dir="t"/>
+    </dgm:scene3d>
+    <dgm:sp3d/>
+    <dgm:txPr/>
+    <dgm:style>
+      <a:lnRef idx="2">
+        <a:scrgbClr r="0" g="0" b="0"/>
+      </a:lnRef>
+      <a:fillRef idx="1">
+        <a:scrgbClr r="0" g="0" b="0"/>
+      </a:fillRef>
+      <a:effectRef idx="0">
+        <a:scrgbClr r="0" g="0" b="0"/>
+      </a:effectRef>
+      <a:fontRef idx="minor">
+        <a:schemeClr val="lt1"/>
+      </a:fontRef>
+    </dgm:style>
+  </dgm:styleLbl>
+  <dgm:styleLbl name="node2">
+    <dgm:scene3d>
+      <a:camera prst="orthographicFront"/>
+      <a:lightRig rig="threePt" dir="t"/>
+    </dgm:scene3d>
+    <dgm:sp3d/>
+    <dgm:txPr/>
+    <dgm:style>
+      <a:lnRef idx="2">
+        <a:scrgbClr r="0" g="0" b="0"/>
+      </a:lnRef>
+      <a:fillRef idx="1">
+        <a:scrgbClr r="0" g="0" b="0"/>
+      </a:fillRef>
+      <a:effectRef idx="0">
+        <a:scrgbClr r="0" g="0" b="0"/>
+      </a:effectRef>
+      <a:fontRef idx="minor">
+        <a:schemeClr val="lt1"/>
+      </a:fontRef>
+    </dgm:style>
+  </dgm:styleLbl>
+  <dgm:styleLbl name="node3">
+    <dgm:scene3d>
+      <a:camera prst="orthographicFront"/>
+      <a:lightRig rig="threePt" dir="t"/>
+    </dgm:scene3d>
+    <dgm:sp3d/>
+    <dgm:txPr/>
+    <dgm:style>
+      <a:lnRef idx="2">
+        <a:scrgbClr r="0" g="0" b="0"/>
+      </a:lnRef>
+      <a:fillRef idx="1">
+        <a:scrgbClr r="0" g="0" b="0"/>
+      </a:fillRef>
+      <a:effectRef idx="0">
+        <a:scrgbClr r="0" g="0" b="0"/>
+      </a:effectRef>
+      <a:fontRef idx="minor">
+        <a:schemeClr val="lt1"/>
+      </a:fontRef>
+    </dgm:style>
+  </dgm:styleLbl>
+  <dgm:styleLbl name="node4">
+    <dgm:scene3d>
+      <a:camera prst="orthographicFront"/>
+      <a:lightRig rig="threePt" dir="t"/>
+    </dgm:scene3d>
+    <dgm:sp3d/>
+    <dgm:txPr/>
+    <dgm:style>
+      <a:lnRef idx="2">
+        <a:scrgbClr r="0" g="0" b="0"/>
+      </a:lnRef>
+      <a:fillRef idx="1">
+        <a:scrgbClr r="0" g="0" b="0"/>
+      </a:fillRef>
+      <a:effectRef idx="0">
+        <a:scrgbClr r="0" g="0" b="0"/>
+      </a:effectRef>
+      <a:fontRef idx="minor">
+        <a:schemeClr val="lt1"/>
+      </a:fontRef>
+    </dgm:style>
+  </dgm:styleLbl>
+  <dgm:styleLbl name="fgImgPlace1">
+    <dgm:scene3d>
+      <a:camera prst="orthographicFront"/>
+      <a:lightRig rig="threePt" dir="t"/>
+    </dgm:scene3d>
+    <dgm:sp3d/>
+    <dgm:txPr/>
+    <dgm:style>
+      <a:lnRef idx="2">
+        <a:scrgbClr r="0" g="0" b="0"/>
+      </a:lnRef>
+      <a:fillRef idx="1">
+        <a:scrgbClr r="0" g="0" b="0"/>
+      </a:fillRef>
+      <a:effectRef idx="0">
+        <a:scrgbClr r="0" g="0" b="0"/>
+      </a:effectRef>
+      <a:fontRef idx="minor"/>
+    </dgm:style>
+  </dgm:styleLbl>
+  <dgm:styleLbl name="alignImgPlace1">
+    <dgm:scene3d>
+      <a:camera prst="orthographicFront"/>
+      <a:lightRig rig="threePt" dir="t"/>
+    </dgm:scene3d>
+    <dgm:sp3d/>
+    <dgm:txPr/>
+    <dgm:style>
+      <a:lnRef idx="2">
+        <a:scrgbClr r="0" g="0" b="0"/>
+      </a:lnRef>
+      <a:fillRef idx="1">
+        <a:scrgbClr r="0" g="0" b="0"/>
+      </a:fillRef>
+      <a:effectRef idx="0">
+        <a:scrgbClr r="0" g="0" b="0"/>
+      </a:effectRef>
+      <a:fontRef idx="minor"/>
+    </dgm:style>
+  </dgm:styleLbl>
+  <dgm:styleLbl name="bgImgPlace1">
+    <dgm:scene3d>
+      <a:camera prst="orthographicFront"/>
+      <a:lightRig rig="threePt" dir="t"/>
+    </dgm:scene3d>
+    <dgm:sp3d/>
+    <dgm:txPr/>
+    <dgm:style>
+      <a:lnRef idx="2">
+        <a:scrgbClr r="0" g="0" b="0"/>
+      </a:lnRef>
+      <a:fillRef idx="1">
+        <a:scrgbClr r="0" g="0" b="0"/>
+      </a:fillRef>
+      <a:effectRef idx="0">
+        <a:scrgbClr r="0" g="0" b="0"/>
+      </a:effectRef>
+      <a:fontRef idx="minor"/>
+    </dgm:style>
+  </dgm:styleLbl>
+  <dgm:styleLbl name="sibTrans2D1">
+    <dgm:scene3d>
+      <a:camera prst="orthographicFront"/>
+      <a:lightRig rig="threePt" dir="t"/>
+    </dgm:scene3d>
+    <dgm:sp3d/>
+    <dgm:txPr/>
+    <dgm:style>
+      <a:lnRef idx="0">
+        <a:scrgbClr r="0" g="0" b="0"/>
+      </a:lnRef>
+      <a:fillRef idx="1">
+        <a:scrgbClr r="0" g="0" b="0"/>
+      </a:fillRef>
+      <a:effectRef idx="0">
+        <a:scrgbClr r="0" g="0" b="0"/>
+      </a:effectRef>
+      <a:fontRef idx="minor">
+        <a:schemeClr val="lt1"/>
+      </a:fontRef>
+    </dgm:style>
+  </dgm:styleLbl>
+  <dgm:styleLbl name="fgSibTrans2D1">
+    <dgm:scene3d>
+      <a:camera prst="orthographicFront"/>
+      <a:lightRig rig="threePt" dir="t"/>
+    </dgm:scene3d>
+    <dgm:sp3d/>
+    <dgm:txPr/>
+    <dgm:style>
+      <a:lnRef idx="0">
+        <a:scrgbClr r="0" g="0" b="0"/>
+      </a:lnRef>
+      <a:fillRef idx="1">
+        <a:scrgbClr r="0" g="0" b="0"/>
+      </a:fillRef>
+      <a:effectRef idx="0">
+        <a:scrgbClr r="0" g="0" b="0"/>
+      </a:effectRef>
+      <a:fontRef idx="minor">
+        <a:schemeClr val="lt1"/>
+      </a:fontRef>
+    </dgm:style>
+  </dgm:styleLbl>
+  <dgm:styleLbl name="bgSibTrans2D1">
+    <dgm:scene3d>
+      <a:camera prst="orthographicFront"/>
+      <a:lightRig rig="threePt" dir="t"/>
+    </dgm:scene3d>
+    <dgm:sp3d/>
+    <dgm:txPr/>
+    <dgm:style>
+      <a:lnRef idx="0">
+        <a:scrgbClr r="0" g="0" b="0"/>
+      </a:lnRef>
+      <a:fillRef idx="1">
+        <a:scrgbClr r="0" g="0" b="0"/>
+      </a:fillRef>
+      <a:effectRef idx="0">
+        <a:scrgbClr r="0" g="0" b="0"/>
+      </a:effectRef>
+      <a:fontRef idx="minor">
+        <a:schemeClr val="lt1"/>
+      </a:fontRef>
+    </dgm:style>
+  </dgm:styleLbl>
+  <dgm:styleLbl name="sibTrans1D1">
+    <dgm:scene3d>
+      <a:camera prst="orthographicFront"/>
+      <a:lightRig rig="threePt" dir="t"/>
+    </dgm:scene3d>
+    <dgm:sp3d/>
+    <dgm:txPr/>
+    <dgm:style>
+      <a:lnRef idx="1">
+        <a:scrgbClr r="0" g="0" b="0"/>
+      </a:lnRef>
+      <a:fillRef idx="0">
+        <a:scrgbClr r="0" g="0" b="0"/>
+      </a:fillRef>
+      <a:effectRef idx="0">
+        <a:scrgbClr r="0" g="0" b="0"/>
+      </a:effectRef>
+      <a:fontRef idx="minor"/>
+    </dgm:style>
+  </dgm:styleLbl>
+  <dgm:styleLbl name="callout">
+    <dgm:scene3d>
+      <a:camera prst="orthographicFront"/>
+      <a:lightRig rig="threePt" dir="t"/>
+    </dgm:scene3d>
+    <dgm:sp3d/>
+    <dgm:txPr/>
+    <dgm:style>
+      <a:lnRef idx="2">
+        <a:scrgbClr r="0" g="0" b="0"/>
+      </a:lnRef>
+      <a:fillRef idx="1">
+        <a:scrgbClr r="0" g="0" b="0"/>
+      </a:fillRef>
+      <a:effectRef idx="0">
+        <a:scrgbClr r="0" g="0" b="0"/>
+      </a:effectRef>
+      <a:fontRef idx="minor"/>
+    </dgm:style>
+  </dgm:styleLbl>
+  <dgm:styleLbl name="asst0">
+    <dgm:scene3d>
+      <a:camera prst="orthographicFront"/>
+      <a:lightRig rig="threePt" dir="t"/>
+    </dgm:scene3d>
+    <dgm:sp3d/>
+    <dgm:txPr/>
+    <dgm:style>
+      <a:lnRef idx="2">
+        <a:scrgbClr r="0" g="0" b="0"/>
+      </a:lnRef>
+      <a:fillRef idx="1">
+        <a:scrgbClr r="0" g="0" b="0"/>
+      </a:fillRef>
+      <a:effectRef idx="0">
+        <a:scrgbClr r="0" g="0" b="0"/>
+      </a:effectRef>
+      <a:fontRef idx="minor">
+        <a:schemeClr val="lt1"/>
+      </a:fontRef>
+    </dgm:style>
+  </dgm:styleLbl>
+  <dgm:styleLbl name="asst1">
+    <dgm:scene3d>
+      <a:camera prst="orthographicFront"/>
+      <a:lightRig rig="threePt" dir="t"/>
+    </dgm:scene3d>
+    <dgm:sp3d/>
+    <dgm:txPr/>
+    <dgm:style>
+      <a:lnRef idx="2">
+        <a:scrgbClr r="0" g="0" b="0"/>
+      </a:lnRef>
+      <a:fillRef idx="1">
+        <a:scrgbClr r="0" g="0" b="0"/>
+      </a:fillRef>
+      <a:effectRef idx="0">
+        <a:scrgbClr r="0" g="0" b="0"/>
+      </a:effectRef>
+      <a:fontRef idx="minor">
+        <a:schemeClr val="lt1"/>
+      </a:fontRef>
+    </dgm:style>
+  </dgm:styleLbl>
+  <dgm:styleLbl name="asst2">
+    <dgm:scene3d>
+      <a:camera prst="orthographicFront"/>
+      <a:lightRig rig="threePt" dir="t"/>
+    </dgm:scene3d>
+    <dgm:sp3d/>
+    <dgm:txPr/>
+    <dgm:style>
+      <a:lnRef idx="2">
+        <a:scrgbClr r="0" g="0" b="0"/>
+      </a:lnRef>
+      <a:fillRef idx="1">
+        <a:scrgbClr r="0" g="0" b="0"/>
+      </a:fillRef>
+      <a:effectRef idx="0">
+        <a:scrgbClr r="0" g="0" b="0"/>
+      </a:effectRef>
+      <a:fontRef idx="minor">
+        <a:schemeClr val="lt1"/>
+      </a:fontRef>
+    </dgm:style>
+  </dgm:styleLbl>
+  <dgm:styleLbl name="asst3">
+    <dgm:scene3d>
+      <a:camera prst="orthographicFront"/>
+      <a:lightRig rig="threePt" dir="t"/>
+    </dgm:scene3d>
+    <dgm:sp3d/>
+    <dgm:txPr/>
+    <dgm:style>
+      <a:lnRef idx="2">
+        <a:scrgbClr r="0" g="0" b="0"/>
+      </a:lnRef>
+      <a:fillRef idx="1">
+        <a:scrgbClr r="0" g="0" b="0"/>
+      </a:fillRef>
+      <a:effectRef idx="0">
+        <a:scrgbClr r="0" g="0" b="0"/>
+      </a:effectRef>
+      <a:fontRef idx="minor">
+        <a:schemeClr val="lt1"/>
+      </a:fontRef>
+    </dgm:style>
+  </dgm:styleLbl>
+  <dgm:styleLbl name="asst4">
+    <dgm:scene3d>
+      <a:camera prst="orthographicFront"/>
+      <a:lightRig rig="threePt" dir="t"/>
+    </dgm:scene3d>
+    <dgm:sp3d/>
+    <dgm:txPr/>
+    <dgm:style>
+      <a:lnRef idx="2">
+        <a:scrgbClr r="0" g="0" b="0"/>
+      </a:lnRef>
+      <a:fillRef idx="1">
+        <a:scrgbClr r="0" g="0" b="0"/>
+      </a:fillRef>
+      <a:effectRef idx="0">
+        <a:scrgbClr r="0" g="0" b="0"/>
+      </a:effectRef>
+      <a:fontRef idx="minor">
+        <a:schemeClr val="lt1"/>
+      </a:fontRef>
+    </dgm:style>
+  </dgm:styleLbl>
+  <dgm:styleLbl name="parChTrans2D1">
+    <dgm:scene3d>
+      <a:camera prst="orthographicFront"/>
+      <a:lightRig rig="threePt" dir="t"/>
+    </dgm:scene3d>
+    <dgm:sp3d/>
+    <dgm:txPr/>
+    <dgm:style>
+      <a:lnRef idx="2">
+        <a:scrgbClr r="0" g="0" b="0"/>
+      </a:lnRef>
+      <a:fillRef idx="1">
+        <a:scrgbClr r="0" g="0" b="0"/>
+      </a:fillRef>
+      <a:effectRef idx="0">
+        <a:scrgbClr r="0" g="0" b="0"/>
+      </a:effectRef>
+      <a:fontRef idx="minor">
+        <a:schemeClr val="lt1"/>
+      </a:fontRef>
+    </dgm:style>
+  </dgm:styleLbl>
+  <dgm:styleLbl name="parChTrans2D2">
+    <dgm:scene3d>
+      <a:camera prst="orthographicFront"/>
+      <a:lightRig rig="threePt" dir="t"/>
+    </dgm:scene3d>
+    <dgm:sp3d/>
+    <dgm:txPr/>
+    <dgm:style>
+      <a:lnRef idx="2">
+        <a:scrgbClr r="0" g="0" b="0"/>
+      </a:lnRef>
+      <a:fillRef idx="1">
+        <a:scrgbClr r="0" g="0" b="0"/>
+      </a:fillRef>
+      <a:effectRef idx="0">
+        <a:scrgbClr r="0" g="0" b="0"/>
+      </a:effectRef>
+      <a:fontRef idx="minor">
+        <a:schemeClr val="lt1"/>
+      </a:fontRef>
+    </dgm:style>
+  </dgm:styleLbl>
+  <dgm:styleLbl name="parChTrans2D3">
+    <dgm:scene3d>
+      <a:camera prst="orthographicFront"/>
+      <a:lightRig rig="threePt" dir="t"/>
+    </dgm:scene3d>
+    <dgm:sp3d/>
+    <dgm:txPr/>
+    <dgm:style>
+      <a:lnRef idx="2">
+        <a:scrgbClr r="0" g="0" b="0"/>
+      </a:lnRef>
+      <a:fillRef idx="1">
+        <a:scrgbClr r="0" g="0" b="0"/>
+      </a:fillRef>
+      <a:effectRef idx="0">
+        <a:scrgbClr r="0" g="0" b="0"/>
+      </a:effectRef>
+      <a:fontRef idx="minor">
+        <a:schemeClr val="lt1"/>
+      </a:fontRef>
+    </dgm:style>
+  </dgm:styleLbl>
+  <dgm:styleLbl name="parChTrans2D4">
+    <dgm:scene3d>
+      <a:camera prst="orthographicFront"/>
+      <a:lightRig rig="threePt" dir="t"/>
+    </dgm:scene3d>
+    <dgm:sp3d/>
+    <dgm:txPr/>
+    <dgm:style>
+      <a:lnRef idx="2">
+        <a:scrgbClr r="0" g="0" b="0"/>
+      </a:lnRef>
+      <a:fillRef idx="1">
+        <a:scrgbClr r="0" g="0" b="0"/>
+      </a:fillRef>
+      <a:effectRef idx="0">
+        <a:scrgbClr r="0" g="0" b="0"/>
+      </a:effectRef>
+      <a:fontRef idx="minor">
+        <a:schemeClr val="lt1"/>
+      </a:fontRef>
+    </dgm:style>
+  </dgm:styleLbl>
+  <dgm:styleLbl name="parChTrans1D1">
+    <dgm:scene3d>
+      <a:camera prst="orthographicFront"/>
+      <a:lightRig rig="threePt" dir="t"/>
+    </dgm:scene3d>
+    <dgm:sp3d/>
+    <dgm:txPr/>
+    <dgm:style>
+      <a:lnRef idx="2">
+        <a:scrgbClr r="0" g="0" b="0"/>
+      </a:lnRef>
+      <a:fillRef idx="0">
+        <a:scrgbClr r="0" g="0" b="0"/>
+      </a:fillRef>
+      <a:effectRef idx="0">
+        <a:scrgbClr r="0" g="0" b="0"/>
+      </a:effectRef>
+      <a:fontRef idx="minor"/>
+    </dgm:style>
+  </dgm:styleLbl>
+  <dgm:styleLbl name="parChTrans1D2">
+    <dgm:scene3d>
+      <a:camera prst="orthographicFront"/>
+      <a:lightRig rig="threePt" dir="t"/>
+    </dgm:scene3d>
+    <dgm:sp3d/>
+    <dgm:txPr/>
+    <dgm:style>
+      <a:lnRef idx="2">
+        <a:scrgbClr r="0" g="0" b="0"/>
+      </a:lnRef>
+      <a:fillRef idx="0">
+        <a:scrgbClr r="0" g="0" b="0"/>
+      </a:fillRef>
+      <a:effectRef idx="0">
+        <a:scrgbClr r="0" g="0" b="0"/>
+      </a:effectRef>
+      <a:fontRef idx="minor"/>
+    </dgm:style>
+  </dgm:styleLbl>
+  <dgm:styleLbl name="parChTrans1D3">
+    <dgm:scene3d>
+      <a:camera prst="orthographicFront"/>
+      <a:lightRig rig="threePt" dir="t"/>
+    </dgm:scene3d>
+    <dgm:sp3d/>
+    <dgm:txPr/>
+    <dgm:style>
+      <a:lnRef idx="2">
+        <a:scrgbClr r="0" g="0" b="0"/>
+      </a:lnRef>
+      <a:fillRef idx="0">
+        <a:scrgbClr r="0" g="0" b="0"/>
+      </a:fillRef>
+      <a:effectRef idx="0">
+        <a:scrgbClr r="0" g="0" b="0"/>
+      </a:effectRef>
+      <a:fontRef idx="minor"/>
+    </dgm:style>
+  </dgm:styleLbl>
+  <dgm:styleLbl name="parChTrans1D4">
+    <dgm:scene3d>
+      <a:camera prst="orthographicFront"/>
+      <a:lightRig rig="threePt" dir="t"/>
+    </dgm:scene3d>
+    <dgm:sp3d/>
+    <dgm:txPr/>
+    <dgm:style>
+      <a:lnRef idx="2">
+        <a:scrgbClr r="0" g="0" b="0"/>
+      </a:lnRef>
+      <a:fillRef idx="0">
+        <a:scrgbClr r="0" g="0" b="0"/>
+      </a:fillRef>
+      <a:effectRef idx="0">
+        <a:scrgbClr r="0" g="0" b="0"/>
+      </a:effectRef>
+      <a:fontRef idx="minor"/>
+    </dgm:style>
+  </dgm:styleLbl>
+  <dgm:styleLbl name="fgAcc1">
+    <dgm:scene3d>
+      <a:camera prst="orthographicFront"/>
+      <a:lightRig rig="threePt" dir="t"/>
+    </dgm:scene3d>
+    <dgm:sp3d/>
+    <dgm:txPr/>
+    <dgm:style>
+      <a:lnRef idx="2">
+        <a:scrgbClr r="0" g="0" b="0"/>
+      </a:lnRef>
+      <a:fillRef idx="1">
+        <a:scrgbClr r="0" g="0" b="0"/>
+      </a:fillRef>
+      <a:effectRef idx="0">
+        <a:scrgbClr r="0" g="0" b="0"/>
+      </a:effectRef>
+      <a:fontRef idx="minor"/>
+    </dgm:style>
+  </dgm:styleLbl>
+  <dgm:styleLbl name="conFgAcc1">
+    <dgm:scene3d>
+      <a:camera prst="orthographicFront"/>
+      <a:lightRig rig="threePt" dir="t"/>
+    </dgm:scene3d>
+    <dgm:sp3d/>
+    <dgm:txPr/>
+    <dgm:style>
+      <a:lnRef idx="2">
+        <a:scrgbClr r="0" g="0" b="0"/>
+      </a:lnRef>
+      <a:fillRef idx="1">
+        <a:scrgbClr r="0" g="0" b="0"/>
+      </a:fillRef>
+      <a:effectRef idx="0">
+        <a:scrgbClr r="0" g="0" b="0"/>
+      </a:effectRef>
+      <a:fontRef idx="minor"/>
+    </dgm:style>
+  </dgm:styleLbl>
+  <dgm:styleLbl name="alignAcc1">
+    <dgm:scene3d>
+      <a:camera prst="orthographicFront"/>
+      <a:lightRig rig="threePt" dir="t"/>
+    </dgm:scene3d>
+    <dgm:sp3d/>
+    <dgm:txPr/>
+    <dgm:style>
+      <a:lnRef idx="2">
+        <a:scrgbClr r="0" g="0" b="0"/>
+      </a:lnRef>
+      <a:fillRef idx="1">
+        <a:scrgbClr r="0" g="0" b="0"/>
+      </a:fillRef>
+      <a:effectRef idx="0">
+        <a:scrgbClr r="0" g="0" b="0"/>
+      </a:effectRef>
+      <a:fontRef idx="minor"/>
+    </dgm:style>
+  </dgm:styleLbl>
+  <dgm:styleLbl name="trAlignAcc1">
+    <dgm:scene3d>
+      <a:camera prst="orthographicFront"/>
+      <a:lightRig rig="threePt" dir="t"/>
+    </dgm:scene3d>
+    <dgm:sp3d/>
+    <dgm:txPr/>
+    <dgm:style>
+      <a:lnRef idx="1">
+        <a:scrgbClr r="0" g="0" b="0"/>
+      </a:lnRef>
+      <a:fillRef idx="1">
+        <a:scrgbClr r="0" g="0" b="0"/>
+      </a:fillRef>
+      <a:effectRef idx="0">
+        <a:scrgbClr r="0" g="0" b="0"/>
+      </a:effectRef>
+      <a:fontRef idx="minor"/>
+    </dgm:style>
+  </dgm:styleLbl>
+  <dgm:styleLbl name="bgAcc1">
+    <dgm:scene3d>
+      <a:camera prst="orthographicFront"/>
+      <a:lightRig rig="threePt" dir="t"/>
+    </dgm:scene3d>
+    <dgm:sp3d/>
+    <dgm:txPr/>
+    <dgm:style>
+      <a:lnRef idx="2">
+        <a:scrgbClr r="0" g="0" b="0"/>
+      </a:lnRef>
+      <a:fillRef idx="1">
+        <a:scrgbClr r="0" g="0" b="0"/>
+      </a:fillRef>
+      <a:effectRef idx="0">
+        <a:scrgbClr r="0" g="0" b="0"/>
+      </a:effectRef>
+      <a:fontRef idx="minor"/>
+    </dgm:style>
+  </dgm:styleLbl>
+  <dgm:styleLbl name="solidFgAcc1">
+    <dgm:scene3d>
+      <a:camera prst="orthographicFront"/>
+      <a:lightRig rig="threePt" dir="t"/>
+    </dgm:scene3d>
+    <dgm:sp3d/>
+    <dgm:txPr/>
+    <dgm:style>
+      <a:lnRef idx="2">
+        <a:scrgbClr r="0" g="0" b="0"/>
+      </a:lnRef>
+      <a:fillRef idx="1">
+        <a:scrgbClr r="0" g="0" b="0"/>
+      </a:fillRef>
+      <a:effectRef idx="0">
+        <a:scrgbClr r="0" g="0" b="0"/>
+      </a:effectRef>
+      <a:fontRef idx="minor"/>
+    </dgm:style>
+  </dgm:styleLbl>
+  <dgm:styleLbl name="solidAlignAcc1">
+    <dgm:scene3d>
+      <a:camera prst="orthographicFront"/>
+      <a:lightRig rig="threePt" dir="t"/>
+    </dgm:scene3d>
+    <dgm:sp3d/>
+    <dgm:txPr/>
+    <dgm:style>
+      <a:lnRef idx="2">
+        <a:scrgbClr r="0" g="0" b="0"/>
+      </a:lnRef>
+      <a:fillRef idx="1">
+        <a:scrgbClr r="0" g="0" b="0"/>
+      </a:fillRef>
+      <a:effectRef idx="0">
+        <a:scrgbClr r="0" g="0" b="0"/>
+      </a:effectRef>
+      <a:fontRef idx="minor"/>
+    </dgm:style>
+  </dgm:styleLbl>
+  <dgm:styleLbl name="solidBgAcc1">
+    <dgm:scene3d>
+      <a:camera prst="orthographicFront"/>
+      <a:lightRig rig="threePt" dir="t"/>
+    </dgm:scene3d>
+    <dgm:sp3d/>
+    <dgm:txPr/>
+    <dgm:style>
+      <a:lnRef idx="2">
+        <a:scrgbClr r="0" g="0" b="0"/>
+      </a:lnRef>
+      <a:fillRef idx="1">
+        <a:scrgbClr r="0" g="0" b="0"/>
+      </a:fillRef>
+      <a:effectRef idx="0">
+        <a:scrgbClr r="0" g="0" b="0"/>
+      </a:effectRef>
+      <a:fontRef idx="minor"/>
+    </dgm:style>
+  </dgm:styleLbl>
+  <dgm:styleLbl name="fgAccFollowNode1">
+    <dgm:scene3d>
+      <a:camera prst="orthographicFront"/>
+      <a:lightRig rig="threePt" dir="t"/>
+    </dgm:scene3d>
+    <dgm:sp3d/>
+    <dgm:txPr/>
+    <dgm:style>
+      <a:lnRef idx="2">
+        <a:scrgbClr r="0" g="0" b="0"/>
+      </a:lnRef>
+      <a:fillRef idx="1">
+        <a:scrgbClr r="0" g="0" b="0"/>
+      </a:fillRef>
+      <a:effectRef idx="0">
+        <a:scrgbClr r="0" g="0" b="0"/>
+      </a:effectRef>
+      <a:fontRef idx="minor"/>
+    </dgm:style>
+  </dgm:styleLbl>
+  <dgm:styleLbl name="alignAccFollowNode1">
+    <dgm:scene3d>
+      <a:camera prst="orthographicFront"/>
+      <a:lightRig rig="threePt" dir="t"/>
+    </dgm:scene3d>
+    <dgm:sp3d/>
+    <dgm:txPr/>
+    <dgm:style>
+      <a:lnRef idx="2">
+        <a:scrgbClr r="0" g="0" b="0"/>
+      </a:lnRef>
+      <a:fillRef idx="1">
+        <a:scrgbClr r="0" g="0" b="0"/>
+      </a:fillRef>
+      <a:effectRef idx="0">
+        <a:scrgbClr r="0" g="0" b="0"/>
+      </a:effectRef>
+      <a:fontRef idx="minor"/>
+    </dgm:style>
+  </dgm:styleLbl>
+  <dgm:styleLbl name="bgAccFollowNode1">
+    <dgm:scene3d>
+      <a:camera prst="orthographicFront"/>
+      <a:lightRig rig="threePt" dir="t"/>
+    </dgm:scene3d>
+    <dgm:sp3d/>
+    <dgm:txPr/>
+    <dgm:style>
+      <a:lnRef idx="2">
+        <a:scrgbClr r="0" g="0" b="0"/>
+      </a:lnRef>
+      <a:fillRef idx="1">
+        <a:scrgbClr r="0" g="0" b="0"/>
+      </a:fillRef>
+      <a:effectRef idx="0">
+        <a:scrgbClr r="0" g="0" b="0"/>
+      </a:effectRef>
+      <a:fontRef idx="minor"/>
+    </dgm:style>
+  </dgm:styleLbl>
+  <dgm:styleLbl name="fgAcc0">
+    <dgm:scene3d>
+      <a:camera prst="orthographicFront"/>
+      <a:lightRig rig="threePt" dir="t"/>
+    </dgm:scene3d>
+    <dgm:sp3d/>
+    <dgm:txPr/>
+    <dgm:style>
+      <a:lnRef idx="2">
+        <a:scrgbClr r="0" g="0" b="0"/>
+      </a:lnRef>
+      <a:fillRef idx="1">
+        <a:scrgbClr r="0" g="0" b="0"/>
+      </a:fillRef>
+      <a:effectRef idx="0">
+        <a:scrgbClr r="0" g="0" b="0"/>
+      </a:effectRef>
+      <a:fontRef idx="minor"/>
+    </dgm:style>
+  </dgm:styleLbl>
+  <dgm:styleLbl name="fgAcc2">
+    <dgm:scene3d>
+      <a:camera prst="orthographicFront"/>
+      <a:lightRig rig="threePt" dir="t"/>
+    </dgm:scene3d>
+    <dgm:sp3d/>
+    <dgm:txPr/>
+    <dgm:style>
+      <a:lnRef idx="2">
+        <a:scrgbClr r="0" g="0" b="0"/>
+      </a:lnRef>
+      <a:fillRef idx="1">
+        <a:scrgbClr r="0" g="0" b="0"/>
+      </a:fillRef>
+      <a:effectRef idx="0">
+        <a:scrgbClr r="0" g="0" b="0"/>
+      </a:effectRef>
+      <a:fontRef idx="minor"/>
+    </dgm:style>
+  </dgm:styleLbl>
+  <dgm:styleLbl name="fgAcc3">
+    <dgm:scene3d>
+      <a:camera prst="orthographicFront"/>
+      <a:lightRig rig="threePt" dir="t"/>
+    </dgm:scene3d>
+    <dgm:sp3d/>
+    <dgm:txPr/>
+    <dgm:style>
+      <a:lnRef idx="2">
+        <a:scrgbClr r="0" g="0" b="0"/>
+      </a:lnRef>
+      <a:fillRef idx="1">
+        <a:scrgbClr r="0" g="0" b="0"/>
+      </a:fillRef>
+      <a:effectRef idx="0">
+        <a:scrgbClr r="0" g="0" b="0"/>
+      </a:effectRef>
+      <a:fontRef idx="minor"/>
+    </dgm:style>
+  </dgm:styleLbl>
+  <dgm:styleLbl name="fgAcc4">
+    <dgm:scene3d>
+      <a:camera prst="orthographicFront"/>
+      <a:lightRig rig="threePt" dir="t"/>
+    </dgm:scene3d>
+    <dgm:sp3d/>
+    <dgm:txPr/>
+    <dgm:style>
+      <a:lnRef idx="2">
+        <a:scrgbClr r="0" g="0" b="0"/>
+      </a:lnRef>
+      <a:fillRef idx="1">
+        <a:scrgbClr r="0" g="0" b="0"/>
+      </a:fillRef>
+      <a:effectRef idx="0">
+        <a:scrgbClr r="0" g="0" b="0"/>
+      </a:effectRef>
+      <a:fontRef idx="minor"/>
+    </dgm:style>
+  </dgm:styleLbl>
+  <dgm:styleLbl name="bgShp">
+    <dgm:scene3d>
+      <a:camera prst="orthographicFront"/>
+      <a:lightRig rig="threePt" dir="t"/>
+    </dgm:scene3d>
+    <dgm:sp3d/>
+    <dgm:txPr/>
+    <dgm:style>
+      <a:lnRef idx="0">
+        <a:scrgbClr r="0" g="0" b="0"/>
+      </a:lnRef>
+      <a:fillRef idx="1">
+        <a:scrgbClr r="0" g="0" b="0"/>
+      </a:fillRef>
+      <a:effectRef idx="0">
+        <a:scrgbClr r="0" g="0" b="0"/>
+      </a:effectRef>
+      <a:fontRef idx="minor"/>
+    </dgm:style>
+  </dgm:styleLbl>
+  <dgm:styleLbl name="dkBgShp">
+    <dgm:scene3d>
+      <a:camera prst="orthographicFront"/>
+      <a:lightRig rig="threePt" dir="t"/>
+    </dgm:scene3d>
+    <dgm:sp3d/>
+    <dgm:txPr/>
+    <dgm:style>
+      <a:lnRef idx="0">
+        <a:scrgbClr r="0" g="0" b="0"/>
+      </a:lnRef>
+      <a:fillRef idx="1">
+        <a:scrgbClr r="0" g="0" b="0"/>
+      </a:fillRef>
+      <a:effectRef idx="0">
+        <a:scrgbClr r="0" g="0" b="0"/>
+      </a:effectRef>
+      <a:fontRef idx="minor"/>
+    </dgm:style>
+  </dgm:styleLbl>
+  <dgm:styleLbl name="trBgShp">
+    <dgm:scene3d>
+      <a:camera prst="orthographicFront"/>
+      <a:lightRig rig="threePt" dir="t"/>
+    </dgm:scene3d>
+    <dgm:sp3d/>
+    <dgm:txPr/>
+    <dgm:style>
+      <a:lnRef idx="0">
+        <a:scrgbClr r="0" g="0" b="0"/>
+      </a:lnRef>
+      <a:fillRef idx="1">
+        <a:scrgbClr r="0" g="0" b="0"/>
+      </a:fillRef>
+      <a:effectRef idx="0">
+        <a:scrgbClr r="0" g="0" b="0"/>
+      </a:effectRef>
+      <a:fontRef idx="minor"/>
+    </dgm:style>
+  </dgm:styleLbl>
+  <dgm:styleLbl name="fgShp">
+    <dgm:scene3d>
+      <a:camera prst="orthographicFront"/>
+      <a:lightRig rig="threePt" dir="t"/>
+    </dgm:scene3d>
+    <dgm:sp3d/>
+    <dgm:txPr/>
+    <dgm:style>
+      <a:lnRef idx="2">
+        <a:scrgbClr r="0" g="0" b="0"/>
+      </a:lnRef>
+      <a:fillRef idx="1">
+        <a:scrgbClr r="0" g="0" b="0"/>
+      </a:fillRef>
+      <a:effectRef idx="0">
+        <a:scrgbClr r="0" g="0" b="0"/>
+      </a:effectRef>
+      <a:fontRef idx="minor"/>
+    </dgm:style>
+  </dgm:styleLbl>
+  <dgm:styleLbl name="revTx">
+    <dgm:scene3d>
+      <a:camera prst="orthographicFront"/>
+      <a:lightRig rig="threePt" dir="t"/>
+    </dgm:scene3d>
+    <dgm:sp3d/>
+    <dgm:txPr/>
+    <dgm:style>
+      <a:lnRef idx="0">
+        <a:scrgbClr r="0" g="0" b="0"/>
+      </a:lnRef>
+      <a:fillRef idx="0">
+        <a:scrgbClr r="0" g="0" b="0"/>
+      </a:fillRef>
+      <a:effectRef idx="0">
+        <a:scrgbClr r="0" g="0" b="0"/>
+      </a:effectRef>
+      <a:fontRef idx="minor"/>
+    </dgm:style>
+  </dgm:styleLbl>
+</dgm:styleDef>
 </file>
 
 <file path=ppt/slideLayouts/slideLayout1.xml><?xml version="1.0" encoding="utf-8"?>
@@ -3524,6 +6146,431 @@
 </p:sld>
 </file>
 
+<file path=ppt/slides/slide10.xml><?xml version="1.0" encoding="utf-8"?>
+<p:sld xmlns:a="http://schemas.openxmlformats.org/drawingml/2006/main" xmlns:r="http://schemas.openxmlformats.org/officeDocument/2006/relationships" xmlns:p="http://schemas.openxmlformats.org/presentationml/2006/main">
+  <p:cSld>
+    <p:spTree>
+      <p:nvGrpSpPr>
+        <p:cNvPr id="1" name=""/>
+        <p:cNvGrpSpPr/>
+        <p:nvPr/>
+      </p:nvGrpSpPr>
+      <p:grpSpPr>
+        <a:xfrm>
+          <a:off x="0" y="0"/>
+          <a:ext cx="0" cy="0"/>
+          <a:chOff x="0" y="0"/>
+          <a:chExt cx="0" cy="0"/>
+        </a:xfrm>
+      </p:grpSpPr>
+      <p:sp>
+        <p:nvSpPr>
+          <p:cNvPr id="2" name="Title 1">
+            <a:extLst>
+              <a:ext uri="{FF2B5EF4-FFF2-40B4-BE49-F238E27FC236}">
+                <a16:creationId xmlns:a16="http://schemas.microsoft.com/office/drawing/2014/main" id="{315931CA-4BCB-4F42-B00C-06F0AA21EF6A}"/>
+              </a:ext>
+            </a:extLst>
+          </p:cNvPr>
+          <p:cNvSpPr>
+            <a:spLocks noGrp="1"/>
+          </p:cNvSpPr>
+          <p:nvPr>
+            <p:ph type="title"/>
+          </p:nvPr>
+        </p:nvSpPr>
+        <p:spPr/>
+        <p:txBody>
+          <a:bodyPr/>
+          <a:lstStyle/>
+          <a:p>
+            <a:r>
+              <a:rPr lang="en-IN" dirty="0"/>
+              <a:t>Conclusion</a:t>
+            </a:r>
+          </a:p>
+        </p:txBody>
+      </p:sp>
+      <p:sp>
+        <p:nvSpPr>
+          <p:cNvPr id="3" name="Content Placeholder 2">
+            <a:extLst>
+              <a:ext uri="{FF2B5EF4-FFF2-40B4-BE49-F238E27FC236}">
+                <a16:creationId xmlns:a16="http://schemas.microsoft.com/office/drawing/2014/main" id="{46BC6A81-1F49-4218-BFC5-CDA38660578C}"/>
+              </a:ext>
+            </a:extLst>
+          </p:cNvPr>
+          <p:cNvSpPr>
+            <a:spLocks noGrp="1"/>
+          </p:cNvSpPr>
+          <p:nvPr>
+            <p:ph idx="1"/>
+          </p:nvPr>
+        </p:nvSpPr>
+        <p:spPr/>
+        <p:txBody>
+          <a:bodyPr/>
+          <a:lstStyle/>
+          <a:p>
+            <a:endParaRPr lang="en-IN"/>
+          </a:p>
+        </p:txBody>
+      </p:sp>
+      <p:pic>
+        <p:nvPicPr>
+          <p:cNvPr id="4" name="Picture 3">
+            <a:extLst>
+              <a:ext uri="{FF2B5EF4-FFF2-40B4-BE49-F238E27FC236}">
+                <a16:creationId xmlns:a16="http://schemas.microsoft.com/office/drawing/2014/main" id="{D9B5BF79-BDC4-4EFD-AA0B-7399E3143891}"/>
+              </a:ext>
+            </a:extLst>
+          </p:cNvPr>
+          <p:cNvPicPr>
+            <a:picLocks noChangeAspect="1"/>
+          </p:cNvPicPr>
+          <p:nvPr/>
+        </p:nvPicPr>
+        <p:blipFill>
+          <a:blip r:embed="rId2"/>
+          <a:stretch>
+            <a:fillRect/>
+          </a:stretch>
+        </p:blipFill>
+        <p:spPr>
+          <a:xfrm>
+            <a:off x="9548260" y="0"/>
+            <a:ext cx="2637323" cy="1075216"/>
+          </a:xfrm>
+          <a:prstGeom prst="rect">
+            <a:avLst/>
+          </a:prstGeom>
+        </p:spPr>
+      </p:pic>
+    </p:spTree>
+    <p:extLst>
+      <p:ext uri="{BB962C8B-B14F-4D97-AF65-F5344CB8AC3E}">
+        <p14:creationId xmlns:p14="http://schemas.microsoft.com/office/powerpoint/2010/main" val="2685360507"/>
+      </p:ext>
+    </p:extLst>
+  </p:cSld>
+  <p:clrMapOvr>
+    <a:masterClrMapping/>
+  </p:clrMapOvr>
+</p:sld>
+</file>
+
+<file path=ppt/slides/slide11.xml><?xml version="1.0" encoding="utf-8"?>
+<p:sld xmlns:a="http://schemas.openxmlformats.org/drawingml/2006/main" xmlns:r="http://schemas.openxmlformats.org/officeDocument/2006/relationships" xmlns:p="http://schemas.openxmlformats.org/presentationml/2006/main">
+  <p:cSld>
+    <p:spTree>
+      <p:nvGrpSpPr>
+        <p:cNvPr id="1" name=""/>
+        <p:cNvGrpSpPr/>
+        <p:nvPr/>
+      </p:nvGrpSpPr>
+      <p:grpSpPr>
+        <a:xfrm>
+          <a:off x="0" y="0"/>
+          <a:ext cx="0" cy="0"/>
+          <a:chOff x="0" y="0"/>
+          <a:chExt cx="0" cy="0"/>
+        </a:xfrm>
+      </p:grpSpPr>
+      <p:sp>
+        <p:nvSpPr>
+          <p:cNvPr id="2" name="Title 1">
+            <a:extLst>
+              <a:ext uri="{FF2B5EF4-FFF2-40B4-BE49-F238E27FC236}">
+                <a16:creationId xmlns:a16="http://schemas.microsoft.com/office/drawing/2014/main" id="{0998E88B-C254-4911-AB97-E47BA6EF2D15}"/>
+              </a:ext>
+            </a:extLst>
+          </p:cNvPr>
+          <p:cNvSpPr>
+            <a:spLocks noGrp="1"/>
+          </p:cNvSpPr>
+          <p:nvPr>
+            <p:ph type="title"/>
+          </p:nvPr>
+        </p:nvSpPr>
+        <p:spPr/>
+        <p:txBody>
+          <a:bodyPr>
+            <a:normAutofit/>
+          </a:bodyPr>
+          <a:lstStyle/>
+          <a:p>
+            <a:r>
+              <a:rPr lang="en-IN" sz="2800" dirty="0"/>
+              <a:t>References</a:t>
+            </a:r>
+          </a:p>
+        </p:txBody>
+      </p:sp>
+      <p:sp>
+        <p:nvSpPr>
+          <p:cNvPr id="7" name="TextBox 6">
+            <a:extLst>
+              <a:ext uri="{FF2B5EF4-FFF2-40B4-BE49-F238E27FC236}">
+                <a16:creationId xmlns:a16="http://schemas.microsoft.com/office/drawing/2014/main" id="{28CAB73E-C123-4EA0-A75C-5BA72E221FE3}"/>
+              </a:ext>
+            </a:extLst>
+          </p:cNvPr>
+          <p:cNvSpPr txBox="1"/>
+          <p:nvPr/>
+        </p:nvSpPr>
+        <p:spPr>
+          <a:xfrm>
+            <a:off x="838201" y="1531196"/>
+            <a:ext cx="10515599" cy="3539430"/>
+          </a:xfrm>
+          <a:prstGeom prst="rect">
+            <a:avLst/>
+          </a:prstGeom>
+          <a:noFill/>
+        </p:spPr>
+        <p:txBody>
+          <a:bodyPr wrap="square" rtlCol="0">
+            <a:spAutoFit/>
+          </a:bodyPr>
+          <a:lstStyle/>
+          <a:p>
+            <a:pPr marL="285750" indent="-285750">
+              <a:buFont typeface="Arial" panose="020B0604020202020204" pitchFamily="34" charset="0"/>
+              <a:buChar char="•"/>
+            </a:pPr>
+            <a:r>
+              <a:rPr lang="en-US" sz="1600" dirty="0" err="1">
+                <a:effectLst/>
+                <a:latin typeface="Times New Roman" panose="02020603050405020304" pitchFamily="18" charset="0"/>
+                <a:ea typeface="SimSun" panose="02010600030101010101" pitchFamily="2" charset="-122"/>
+              </a:rPr>
+              <a:t>Keele</a:t>
+            </a:r>
+            <a:r>
+              <a:rPr lang="en-US" sz="1600" dirty="0">
+                <a:effectLst/>
+                <a:latin typeface="Times New Roman" panose="02020603050405020304" pitchFamily="18" charset="0"/>
+                <a:ea typeface="SimSun" panose="02010600030101010101" pitchFamily="2" charset="-122"/>
+              </a:rPr>
+              <a:t>, "“Sequence learning,” - B. A. C. G. J. D. S. W.," 1998. [Online]. Available: https://pubmed.ncbi.nlm.nih.gov/21227209</a:t>
+            </a:r>
+          </a:p>
+          <a:p>
+            <a:pPr marL="285750" indent="-285750">
+              <a:buFont typeface="Arial" panose="020B0604020202020204" pitchFamily="34" charset="0"/>
+              <a:buChar char="•"/>
+            </a:pPr>
+            <a:endParaRPr lang="en-IN" sz="1600" dirty="0">
+              <a:effectLst/>
+              <a:latin typeface="Times New Roman" panose="02020603050405020304" pitchFamily="18" charset="0"/>
+              <a:ea typeface="SimSun" panose="02010600030101010101" pitchFamily="2" charset="-122"/>
+            </a:endParaRPr>
+          </a:p>
+          <a:p>
+            <a:pPr marL="285750" indent="-285750">
+              <a:buFont typeface="Arial" panose="020B0604020202020204" pitchFamily="34" charset="0"/>
+              <a:buChar char="•"/>
+            </a:pPr>
+            <a:r>
+              <a:rPr lang="en-US" sz="1600" dirty="0">
+                <a:effectLst/>
+                <a:latin typeface="Times New Roman" panose="02020603050405020304" pitchFamily="18" charset="0"/>
+                <a:ea typeface="SimSun" panose="02010600030101010101" pitchFamily="2" charset="-122"/>
+              </a:rPr>
+              <a:t>"D. V. B. Michael D </a:t>
+            </a:r>
+            <a:r>
+              <a:rPr lang="en-US" sz="1600" dirty="0" err="1">
+                <a:effectLst/>
+                <a:latin typeface="Times New Roman" panose="02020603050405020304" pitchFamily="18" charset="0"/>
+                <a:ea typeface="SimSun" panose="02010600030101010101" pitchFamily="2" charset="-122"/>
+              </a:rPr>
+              <a:t>Mauk</a:t>
+            </a:r>
+            <a:r>
+              <a:rPr lang="en-US" sz="1600" dirty="0">
+                <a:effectLst/>
+                <a:latin typeface="Times New Roman" panose="02020603050405020304" pitchFamily="18" charset="0"/>
+                <a:ea typeface="SimSun" panose="02010600030101010101" pitchFamily="2" charset="-122"/>
+              </a:rPr>
+              <a:t>, “Sequence learning,”," 2004. [Online]. Available: </a:t>
+            </a:r>
+            <a:r>
+              <a:rPr lang="en-US" sz="1600" dirty="0">
+                <a:latin typeface="Times New Roman" panose="02020603050405020304" pitchFamily="18" charset="0"/>
+                <a:ea typeface="SimSun" panose="02010600030101010101" pitchFamily="2" charset="-122"/>
+              </a:rPr>
+              <a:t>https://pubmed.ncbi.nlm.nih.gov/15217335</a:t>
+            </a:r>
+          </a:p>
+          <a:p>
+            <a:pPr marL="285750" indent="-285750">
+              <a:buFont typeface="Arial" panose="020B0604020202020204" pitchFamily="34" charset="0"/>
+              <a:buChar char="•"/>
+            </a:pPr>
+            <a:endParaRPr lang="en-US" sz="1600" dirty="0">
+              <a:latin typeface="Times New Roman" panose="02020603050405020304" pitchFamily="18" charset="0"/>
+              <a:ea typeface="SimSun" panose="02010600030101010101" pitchFamily="2" charset="-122"/>
+            </a:endParaRPr>
+          </a:p>
+          <a:p>
+            <a:pPr marL="285750" indent="-285750">
+              <a:buFont typeface="Arial" panose="020B0604020202020204" pitchFamily="34" charset="0"/>
+              <a:buChar char="•"/>
+            </a:pPr>
+            <a:r>
+              <a:rPr lang="en-US" sz="1600" dirty="0">
+                <a:effectLst/>
+                <a:latin typeface="Times New Roman" panose="02020603050405020304" pitchFamily="18" charset="0"/>
+                <a:ea typeface="SimSun" panose="02010600030101010101" pitchFamily="2" charset="-122"/>
+              </a:rPr>
+              <a:t>"B. H. J. L. R. .</a:t>
+            </a:r>
+            <a:r>
+              <a:rPr lang="en-US" sz="1600" dirty="0" err="1">
+                <a:effectLst/>
+                <a:latin typeface="Times New Roman" panose="02020603050405020304" pitchFamily="18" charset="0"/>
+                <a:ea typeface="SimSun" panose="02010600030101010101" pitchFamily="2" charset="-122"/>
+              </a:rPr>
+              <a:t>Rabiner</a:t>
+            </a:r>
+            <a:r>
+              <a:rPr lang="en-US" sz="1600" dirty="0">
+                <a:effectLst/>
+                <a:latin typeface="Times New Roman" panose="02020603050405020304" pitchFamily="18" charset="0"/>
+                <a:ea typeface="SimSun" panose="02010600030101010101" pitchFamily="2" charset="-122"/>
+              </a:rPr>
+              <a:t>, “An introduction to hidden </a:t>
+            </a:r>
+            <a:r>
+              <a:rPr lang="en-US" sz="1600" dirty="0" err="1">
+                <a:effectLst/>
+                <a:latin typeface="Times New Roman" panose="02020603050405020304" pitchFamily="18" charset="0"/>
+                <a:ea typeface="SimSun" panose="02010600030101010101" pitchFamily="2" charset="-122"/>
+              </a:rPr>
+              <a:t>markov</a:t>
+            </a:r>
+            <a:r>
+              <a:rPr lang="en-US" sz="1600" dirty="0">
+                <a:effectLst/>
+                <a:latin typeface="Times New Roman" panose="02020603050405020304" pitchFamily="18" charset="0"/>
+                <a:ea typeface="SimSun" panose="02010600030101010101" pitchFamily="2" charset="-122"/>
+              </a:rPr>
+              <a:t> models,”," 1986. [Online]. Available: http://ai.stanford.edu/~pabbeel/depth_qual/Rabiner_Juang_hmms.pdf.</a:t>
+            </a:r>
+            <a:endParaRPr lang="en-IN" sz="1600" dirty="0">
+              <a:effectLst/>
+              <a:latin typeface="Times New Roman" panose="02020603050405020304" pitchFamily="18" charset="0"/>
+              <a:ea typeface="SimSun" panose="02010600030101010101" pitchFamily="2" charset="-122"/>
+            </a:endParaRPr>
+          </a:p>
+          <a:p>
+            <a:pPr marL="285750" indent="-285750">
+              <a:buFont typeface="Arial" panose="020B0604020202020204" pitchFamily="34" charset="0"/>
+              <a:buChar char="•"/>
+            </a:pPr>
+            <a:endParaRPr lang="en-IN" sz="1600" dirty="0">
+              <a:effectLst/>
+              <a:latin typeface="Times New Roman" panose="02020603050405020304" pitchFamily="18" charset="0"/>
+              <a:ea typeface="SimSun" panose="02010600030101010101" pitchFamily="2" charset="-122"/>
+            </a:endParaRPr>
+          </a:p>
+          <a:p>
+            <a:pPr marL="285750" indent="-285750">
+              <a:buFont typeface="Arial" panose="020B0604020202020204" pitchFamily="34" charset="0"/>
+              <a:buChar char="•"/>
+            </a:pPr>
+            <a:r>
+              <a:rPr lang="en-US" sz="1600" dirty="0">
+                <a:effectLst/>
+                <a:latin typeface="Times New Roman" panose="02020603050405020304" pitchFamily="18" charset="0"/>
+                <a:ea typeface="SimSun" panose="02010600030101010101" pitchFamily="2" charset="-122"/>
+              </a:rPr>
+              <a:t>Hawkins, "J. C. S. A. J. , “Continuous online sequence learning with an unsupervised neural network model,”," 2016. [Online]. Available: https://pubmed.ncbi.nlm.nih.gov/27626963</a:t>
+            </a:r>
+          </a:p>
+          <a:p>
+            <a:pPr marL="285750" indent="-285750">
+              <a:buFont typeface="Arial" panose="020B0604020202020204" pitchFamily="34" charset="0"/>
+              <a:buChar char="•"/>
+            </a:pPr>
+            <a:endParaRPr lang="en-IN" sz="1600" dirty="0">
+              <a:effectLst/>
+              <a:latin typeface="Times New Roman" panose="02020603050405020304" pitchFamily="18" charset="0"/>
+              <a:ea typeface="SimSun" panose="02010600030101010101" pitchFamily="2" charset="-122"/>
+            </a:endParaRPr>
+          </a:p>
+          <a:p>
+            <a:pPr marL="285750" indent="-285750">
+              <a:buFont typeface="Arial" panose="020B0604020202020204" pitchFamily="34" charset="0"/>
+              <a:buChar char="•"/>
+            </a:pPr>
+            <a:r>
+              <a:rPr lang="en-US" sz="1600" dirty="0">
+                <a:effectLst/>
+                <a:latin typeface="Times New Roman" panose="02020603050405020304" pitchFamily="18" charset="0"/>
+                <a:ea typeface="SimSun" panose="02010600030101010101" pitchFamily="2" charset="-122"/>
+              </a:rPr>
+              <a:t>S. A. J. Hawkins, "“Why neurons have thousands of synapses, a theory of sequence memory in neocortex,”," 2016. [Online]. Available: https://www.frontiersin.org/articles/10.3389/fncir.2016.00023/full.</a:t>
+            </a:r>
+            <a:endParaRPr lang="en-IN" sz="1600" dirty="0">
+              <a:effectLst/>
+              <a:latin typeface="Times New Roman" panose="02020603050405020304" pitchFamily="18" charset="0"/>
+              <a:ea typeface="SimSun" panose="02010600030101010101" pitchFamily="2" charset="-122"/>
+            </a:endParaRPr>
+          </a:p>
+          <a:p>
+            <a:pPr marL="285750" indent="-285750">
+              <a:buFont typeface="Arial" panose="020B0604020202020204" pitchFamily="34" charset="0"/>
+              <a:buChar char="•"/>
+            </a:pPr>
+            <a:endParaRPr lang="en-IN" sz="1600" dirty="0"/>
+          </a:p>
+        </p:txBody>
+      </p:sp>
+      <p:pic>
+        <p:nvPicPr>
+          <p:cNvPr id="10" name="Picture 9">
+            <a:extLst>
+              <a:ext uri="{FF2B5EF4-FFF2-40B4-BE49-F238E27FC236}">
+                <a16:creationId xmlns:a16="http://schemas.microsoft.com/office/drawing/2014/main" id="{B9B2E5B7-602D-4697-94F1-5E72BC28D81A}"/>
+              </a:ext>
+            </a:extLst>
+          </p:cNvPr>
+          <p:cNvPicPr>
+            <a:picLocks noChangeAspect="1"/>
+          </p:cNvPicPr>
+          <p:nvPr/>
+        </p:nvPicPr>
+        <p:blipFill>
+          <a:blip r:embed="rId2"/>
+          <a:stretch>
+            <a:fillRect/>
+          </a:stretch>
+        </p:blipFill>
+        <p:spPr>
+          <a:xfrm>
+            <a:off x="9548260" y="0"/>
+            <a:ext cx="2637323" cy="1075216"/>
+          </a:xfrm>
+          <a:prstGeom prst="rect">
+            <a:avLst/>
+          </a:prstGeom>
+        </p:spPr>
+      </p:pic>
+    </p:spTree>
+    <p:extLst>
+      <p:ext uri="{BB962C8B-B14F-4D97-AF65-F5344CB8AC3E}">
+        <p14:creationId xmlns:p14="http://schemas.microsoft.com/office/powerpoint/2010/main" val="3946033196"/>
+      </p:ext>
+    </p:extLst>
+  </p:cSld>
+  <p:clrMapOvr>
+    <a:masterClrMapping/>
+  </p:clrMapOvr>
+</p:sld>
+</file>
+
 <file path=ppt/slides/slide2.xml><?xml version="1.0" encoding="utf-8"?>
 <p:sld xmlns:a="http://schemas.openxmlformats.org/drawingml/2006/main" xmlns:r="http://schemas.openxmlformats.org/officeDocument/2006/relationships" xmlns:p="http://schemas.openxmlformats.org/presentationml/2006/main">
   <p:cSld>
@@ -3793,25 +6840,32 @@
             <p:ph idx="1"/>
           </p:nvPr>
         </p:nvSpPr>
-        <p:spPr/>
+        <p:spPr>
+          <a:xfrm>
+            <a:off x="838200" y="1825626"/>
+            <a:ext cx="5427846" cy="2621246"/>
+          </a:xfrm>
+        </p:spPr>
         <p:txBody>
-          <a:bodyPr/>
+          <a:bodyPr>
+            <a:normAutofit/>
+          </a:bodyPr>
           <a:lstStyle/>
           <a:p>
             <a:r>
-              <a:rPr lang="en-IN" dirty="0"/>
+              <a:rPr lang="en-IN" sz="2000" dirty="0"/>
               <a:t>Medical Science and ML engineers were working on the understanding of cortex for temporal pattern recognition.</a:t>
             </a:r>
           </a:p>
           <a:p>
             <a:r>
-              <a:rPr lang="en-IN" dirty="0"/>
+              <a:rPr lang="en-IN" sz="2000" dirty="0"/>
               <a:t>HTM (Hierarchical Temporal Memory) has been proposed for sequence learning.</a:t>
             </a:r>
           </a:p>
           <a:p>
             <a:r>
-              <a:rPr lang="en-IN" dirty="0"/>
+              <a:rPr lang="en-IN" sz="2000" dirty="0"/>
               <a:t>HTM is a biomimetics model based on the principle of memory predictions.</a:t>
             </a:r>
           </a:p>
@@ -3819,13 +6873,40 @@
             <a:pPr marL="0" indent="0">
               <a:buNone/>
             </a:pPr>
-            <a:endParaRPr lang="en-IN" dirty="0"/>
-          </a:p>
-          <a:p>
-            <a:endParaRPr lang="en-IN" dirty="0"/>
+            <a:endParaRPr lang="en-IN" sz="2000" dirty="0"/>
           </a:p>
         </p:txBody>
       </p:sp>
+      <p:pic>
+        <p:nvPicPr>
+          <p:cNvPr id="6" name="Picture 5">
+            <a:extLst>
+              <a:ext uri="{FF2B5EF4-FFF2-40B4-BE49-F238E27FC236}">
+                <a16:creationId xmlns:a16="http://schemas.microsoft.com/office/drawing/2014/main" id="{94B018C8-3940-48AE-91B5-C3FD37069258}"/>
+              </a:ext>
+            </a:extLst>
+          </p:cNvPr>
+          <p:cNvPicPr>
+            <a:picLocks noChangeAspect="1"/>
+          </p:cNvPicPr>
+          <p:nvPr/>
+        </p:nvPicPr>
+        <p:blipFill>
+          <a:blip r:embed="rId2"/>
+          <a:stretch>
+            <a:fillRect/>
+          </a:stretch>
+        </p:blipFill>
+        <p:spPr>
+          <a:xfrm>
+            <a:off x="9548260" y="0"/>
+            <a:ext cx="2637323" cy="1075216"/>
+          </a:xfrm>
+          <a:prstGeom prst="rect">
+            <a:avLst/>
+          </a:prstGeom>
+        </p:spPr>
+      </p:pic>
     </p:spTree>
     <p:extLst>
       <p:ext uri="{BB962C8B-B14F-4D97-AF65-F5344CB8AC3E}">
@@ -3861,7 +6942,7 @@
           <p:cNvPr id="2" name="Title 1">
             <a:extLst>
               <a:ext uri="{FF2B5EF4-FFF2-40B4-BE49-F238E27FC236}">
-                <a16:creationId xmlns:a16="http://schemas.microsoft.com/office/drawing/2014/main" id="{969B4699-197F-4B53-ABFD-1A85C4D102F8}"/>
+                <a16:creationId xmlns:a16="http://schemas.microsoft.com/office/drawing/2014/main" id="{28115E2C-ABEE-43B7-A9F0-05A72773DF7E}"/>
               </a:ext>
             </a:extLst>
           </p:cNvPr>
@@ -3872,7 +6953,12 @@
             <p:ph type="title"/>
           </p:nvPr>
         </p:nvSpPr>
-        <p:spPr/>
+        <p:spPr>
+          <a:xfrm>
+            <a:off x="838200" y="365125"/>
+            <a:ext cx="10515600" cy="592589"/>
+          </a:xfrm>
+        </p:spPr>
         <p:txBody>
           <a:bodyPr>
             <a:normAutofit/>
@@ -3880,8 +6966,8 @@
           <a:lstStyle/>
           <a:p>
             <a:r>
-              <a:rPr lang="en-IN" sz="3200" dirty="0"/>
-              <a:t>Introduction – SDRs (Sparse Distributed Representations)</a:t>
+              <a:rPr lang="en-IN" sz="2800" dirty="0"/>
+              <a:t>Methodology</a:t>
             </a:r>
           </a:p>
         </p:txBody>
@@ -3891,7 +6977,7 @@
           <p:cNvPr id="3" name="Content Placeholder 2">
             <a:extLst>
               <a:ext uri="{FF2B5EF4-FFF2-40B4-BE49-F238E27FC236}">
-                <a16:creationId xmlns:a16="http://schemas.microsoft.com/office/drawing/2014/main" id="{EB8B512C-BD80-4664-A3C9-423799B77C31}"/>
+                <a16:creationId xmlns:a16="http://schemas.microsoft.com/office/drawing/2014/main" id="{93215F3F-A21F-449B-A943-3448EAEE4A8D}"/>
               </a:ext>
             </a:extLst>
           </p:cNvPr>
@@ -3904,48 +6990,889 @@
         </p:nvSpPr>
         <p:spPr>
           <a:xfrm>
-            <a:off x="838200" y="1825625"/>
-            <a:ext cx="6130491" cy="4777306"/>
+            <a:off x="481264" y="1690688"/>
+            <a:ext cx="2725418" cy="4209598"/>
           </a:xfrm>
         </p:spPr>
         <p:txBody>
-          <a:bodyPr/>
+          <a:bodyPr>
+            <a:normAutofit/>
+          </a:bodyPr>
           <a:lstStyle/>
+          <a:p>
+            <a:r>
+              <a:rPr lang="en-IN" sz="2000" dirty="0"/>
+              <a:t>Multi Sequence Learning – Numbers</a:t>
+            </a:r>
+          </a:p>
+          <a:p>
+            <a:endParaRPr lang="en-IN" sz="2000" dirty="0"/>
+          </a:p>
           <a:p>
             <a:pPr marL="0" indent="0">
               <a:buNone/>
             </a:pPr>
-            <a:r>
-              <a:rPr lang="en-IN" dirty="0"/>
-              <a:t>HTM’s language is (Sparse Distributed Representations) SDRs of input patterns</a:t>
-            </a:r>
+            <a:endParaRPr lang="en-IN" sz="2000" dirty="0"/>
           </a:p>
           <a:p>
             <a:pPr marL="0" indent="0">
               <a:buNone/>
             </a:pPr>
-            <a:r>
-              <a:rPr lang="en-IN" dirty="0"/>
-              <a:t>Generates SDRs internally to give fixed number of bits</a:t>
-            </a:r>
+            <a:endParaRPr lang="en-IN" sz="2000" dirty="0"/>
+          </a:p>
+          <a:p>
+            <a:endParaRPr lang="en-IN" sz="2000" dirty="0"/>
           </a:p>
           <a:p>
             <a:pPr marL="0" indent="0">
               <a:buNone/>
             </a:pPr>
-            <a:r>
-              <a:rPr lang="en-IN" dirty="0"/>
-              <a:t>The bits are given semantic meaning</a:t>
+            <a:endParaRPr lang="en-IN" sz="2000" dirty="0"/>
+          </a:p>
+          <a:p>
+            <a:r>
+              <a:rPr lang="en-IN" sz="2000" dirty="0"/>
+              <a:t>Multi Sequence Learning – Image Datasets</a:t>
+            </a:r>
+          </a:p>
+        </p:txBody>
+      </p:sp>
+      <p:graphicFrame>
+        <p:nvGraphicFramePr>
+          <p:cNvPr id="4" name="Table 3">
+            <a:extLst>
+              <a:ext uri="{FF2B5EF4-FFF2-40B4-BE49-F238E27FC236}">
+                <a16:creationId xmlns:a16="http://schemas.microsoft.com/office/drawing/2014/main" id="{5362884A-B85B-4F70-83DF-7901793CAFAB}"/>
+              </a:ext>
+            </a:extLst>
+          </p:cNvPr>
+          <p:cNvGraphicFramePr>
+            <a:graphicFrameLocks noGrp="1"/>
+          </p:cNvGraphicFramePr>
+          <p:nvPr>
+            <p:extLst>
+              <p:ext uri="{D42A27DB-BD31-4B8C-83A1-F6EECF244321}">
+                <p14:modId xmlns:p14="http://schemas.microsoft.com/office/powerpoint/2010/main" val="3879400420"/>
+              </p:ext>
+            </p:extLst>
+          </p:nvPr>
+        </p:nvGraphicFramePr>
+        <p:xfrm>
+          <a:off x="3649445" y="1262675"/>
+          <a:ext cx="3808396" cy="1517070"/>
+        </p:xfrm>
+        <a:graphic>
+          <a:graphicData uri="http://schemas.openxmlformats.org/drawingml/2006/table">
+            <a:tbl>
+              <a:tblPr firstRow="1" firstCol="1" bandRow="1">
+                <a:tableStyleId>{5C22544A-7EE6-4342-B048-85BDC9FD1C3A}</a:tableStyleId>
+              </a:tblPr>
+              <a:tblGrid>
+                <a:gridCol w="1219534">
+                  <a:extLst>
+                    <a:ext uri="{9D8B030D-6E8A-4147-A177-3AD203B41FA5}">
+                      <a16:colId xmlns:a16="http://schemas.microsoft.com/office/drawing/2014/main" val="2962372716"/>
+                    </a:ext>
+                  </a:extLst>
+                </a:gridCol>
+                <a:gridCol w="2588862">
+                  <a:extLst>
+                    <a:ext uri="{9D8B030D-6E8A-4147-A177-3AD203B41FA5}">
+                      <a16:colId xmlns:a16="http://schemas.microsoft.com/office/drawing/2014/main" val="97879672"/>
+                    </a:ext>
+                  </a:extLst>
+                </a:gridCol>
+              </a:tblGrid>
+              <a:tr h="252845">
+                <a:tc>
+                  <a:txBody>
+                    <a:bodyPr/>
+                    <a:lstStyle/>
+                    <a:p>
+                      <a:pPr algn="ctr"/>
+                      <a:r>
+                        <a:rPr lang="en-US" sz="900">
+                          <a:effectLst/>
+                        </a:rPr>
+                        <a:t>Labels</a:t>
+                      </a:r>
+                      <a:endParaRPr lang="en-IN" sz="1000">
+                        <a:effectLst/>
+                        <a:latin typeface="Times New Roman" panose="02020603050405020304" pitchFamily="18" charset="0"/>
+                        <a:ea typeface="SimSun" panose="02010600030101010101" pitchFamily="2" charset="-122"/>
+                      </a:endParaRPr>
+                    </a:p>
+                  </a:txBody>
+                  <a:tcPr marL="68580" marR="68580" marT="0" marB="0"/>
+                </a:tc>
+                <a:tc>
+                  <a:txBody>
+                    <a:bodyPr/>
+                    <a:lstStyle/>
+                    <a:p>
+                      <a:pPr algn="ctr"/>
+                      <a:r>
+                        <a:rPr lang="en-US" sz="900">
+                          <a:effectLst/>
+                        </a:rPr>
+                        <a:t>Sequence</a:t>
+                      </a:r>
+                      <a:endParaRPr lang="en-IN" sz="1000">
+                        <a:effectLst/>
+                        <a:latin typeface="Times New Roman" panose="02020603050405020304" pitchFamily="18" charset="0"/>
+                        <a:ea typeface="SimSun" panose="02010600030101010101" pitchFamily="2" charset="-122"/>
+                      </a:endParaRPr>
+                    </a:p>
+                  </a:txBody>
+                  <a:tcPr marL="68580" marR="68580" marT="0" marB="0"/>
+                </a:tc>
+                <a:extLst>
+                  <a:ext uri="{0D108BD9-81ED-4DB2-BD59-A6C34878D82A}">
+                    <a16:rowId xmlns:a16="http://schemas.microsoft.com/office/drawing/2014/main" val="2282208403"/>
+                  </a:ext>
+                </a:extLst>
+              </a:tr>
+              <a:tr h="252845">
+                <a:tc>
+                  <a:txBody>
+                    <a:bodyPr/>
+                    <a:lstStyle/>
+                    <a:p>
+                      <a:pPr algn="ctr"/>
+                      <a:r>
+                        <a:rPr lang="en-US" sz="900" dirty="0">
+                          <a:effectLst/>
+                        </a:rPr>
+                        <a:t>Multiples of 2</a:t>
+                      </a:r>
+                      <a:endParaRPr lang="en-IN" sz="1000" dirty="0">
+                        <a:effectLst/>
+                        <a:latin typeface="Times New Roman" panose="02020603050405020304" pitchFamily="18" charset="0"/>
+                        <a:ea typeface="SimSun" panose="02010600030101010101" pitchFamily="2" charset="-122"/>
+                      </a:endParaRPr>
+                    </a:p>
+                  </a:txBody>
+                  <a:tcPr marL="68580" marR="68580" marT="0" marB="0"/>
+                </a:tc>
+                <a:tc>
+                  <a:txBody>
+                    <a:bodyPr/>
+                    <a:lstStyle/>
+                    <a:p>
+                      <a:pPr algn="ctr"/>
+                      <a:r>
+                        <a:rPr lang="en-US" sz="900" dirty="0">
+                          <a:effectLst/>
+                        </a:rPr>
+                        <a:t>{</a:t>
+                      </a:r>
+                      <a:r>
+                        <a:rPr lang="en-IN" sz="900" dirty="0">
+                          <a:effectLst/>
+                        </a:rPr>
+                        <a:t>2,4,6,8,10,12,14,16</a:t>
+                      </a:r>
+                      <a:r>
+                        <a:rPr lang="en-US" sz="900" dirty="0">
+                          <a:effectLst/>
+                        </a:rPr>
+                        <a:t>}</a:t>
+                      </a:r>
+                      <a:endParaRPr lang="en-IN" sz="1000" dirty="0">
+                        <a:effectLst/>
+                        <a:latin typeface="Times New Roman" panose="02020603050405020304" pitchFamily="18" charset="0"/>
+                        <a:ea typeface="SimSun" panose="02010600030101010101" pitchFamily="2" charset="-122"/>
+                      </a:endParaRPr>
+                    </a:p>
+                  </a:txBody>
+                  <a:tcPr marL="68580" marR="68580" marT="0" marB="0"/>
+                </a:tc>
+                <a:extLst>
+                  <a:ext uri="{0D108BD9-81ED-4DB2-BD59-A6C34878D82A}">
+                    <a16:rowId xmlns:a16="http://schemas.microsoft.com/office/drawing/2014/main" val="2699294272"/>
+                  </a:ext>
+                </a:extLst>
+              </a:tr>
+              <a:tr h="252845">
+                <a:tc>
+                  <a:txBody>
+                    <a:bodyPr/>
+                    <a:lstStyle/>
+                    <a:p>
+                      <a:pPr algn="ctr"/>
+                      <a:r>
+                        <a:rPr lang="en-US" sz="900">
+                          <a:effectLst/>
+                        </a:rPr>
+                        <a:t>Multiples of 3</a:t>
+                      </a:r>
+                      <a:endParaRPr lang="en-IN" sz="1000">
+                        <a:effectLst/>
+                        <a:latin typeface="Times New Roman" panose="02020603050405020304" pitchFamily="18" charset="0"/>
+                        <a:ea typeface="SimSun" panose="02010600030101010101" pitchFamily="2" charset="-122"/>
+                      </a:endParaRPr>
+                    </a:p>
+                  </a:txBody>
+                  <a:tcPr marL="68580" marR="68580" marT="0" marB="0"/>
+                </a:tc>
+                <a:tc>
+                  <a:txBody>
+                    <a:bodyPr/>
+                    <a:lstStyle/>
+                    <a:p>
+                      <a:pPr algn="ctr"/>
+                      <a:r>
+                        <a:rPr lang="en-US" sz="900">
+                          <a:effectLst/>
+                        </a:rPr>
+                        <a:t>{</a:t>
+                      </a:r>
+                      <a:r>
+                        <a:rPr lang="en-IN" sz="900">
+                          <a:effectLst/>
+                        </a:rPr>
+                        <a:t>3,6,9,12,15,18,21,24</a:t>
+                      </a:r>
+                      <a:r>
+                        <a:rPr lang="en-US" sz="900">
+                          <a:effectLst/>
+                        </a:rPr>
+                        <a:t>}</a:t>
+                      </a:r>
+                      <a:endParaRPr lang="en-IN" sz="1000">
+                        <a:effectLst/>
+                        <a:latin typeface="Times New Roman" panose="02020603050405020304" pitchFamily="18" charset="0"/>
+                        <a:ea typeface="SimSun" panose="02010600030101010101" pitchFamily="2" charset="-122"/>
+                      </a:endParaRPr>
+                    </a:p>
+                  </a:txBody>
+                  <a:tcPr marL="68580" marR="68580" marT="0" marB="0"/>
+                </a:tc>
+                <a:extLst>
+                  <a:ext uri="{0D108BD9-81ED-4DB2-BD59-A6C34878D82A}">
+                    <a16:rowId xmlns:a16="http://schemas.microsoft.com/office/drawing/2014/main" val="3508016318"/>
+                  </a:ext>
+                </a:extLst>
+              </a:tr>
+              <a:tr h="252845">
+                <a:tc>
+                  <a:txBody>
+                    <a:bodyPr/>
+                    <a:lstStyle/>
+                    <a:p>
+                      <a:pPr algn="ctr"/>
+                      <a:r>
+                        <a:rPr lang="en-US" sz="900" dirty="0">
+                          <a:effectLst/>
+                        </a:rPr>
+                        <a:t>Multiples of 5</a:t>
+                      </a:r>
+                      <a:endParaRPr lang="en-IN" sz="1000" dirty="0">
+                        <a:effectLst/>
+                        <a:latin typeface="Times New Roman" panose="02020603050405020304" pitchFamily="18" charset="0"/>
+                        <a:ea typeface="SimSun" panose="02010600030101010101" pitchFamily="2" charset="-122"/>
+                      </a:endParaRPr>
+                    </a:p>
+                  </a:txBody>
+                  <a:tcPr marL="68580" marR="68580" marT="0" marB="0"/>
+                </a:tc>
+                <a:tc>
+                  <a:txBody>
+                    <a:bodyPr/>
+                    <a:lstStyle/>
+                    <a:p>
+                      <a:pPr algn="ctr"/>
+                      <a:r>
+                        <a:rPr lang="en-US" sz="900" dirty="0">
+                          <a:effectLst/>
+                        </a:rPr>
+                        <a:t>{</a:t>
+                      </a:r>
+                      <a:r>
+                        <a:rPr lang="en-IN" sz="900" dirty="0">
+                          <a:effectLst/>
+                        </a:rPr>
+                        <a:t>5,10,15,20,25,30,35,40</a:t>
+                      </a:r>
+                      <a:r>
+                        <a:rPr lang="en-US" sz="900" dirty="0">
+                          <a:effectLst/>
+                        </a:rPr>
+                        <a:t>}</a:t>
+                      </a:r>
+                      <a:endParaRPr lang="en-IN" sz="1000" dirty="0">
+                        <a:effectLst/>
+                        <a:latin typeface="Times New Roman" panose="02020603050405020304" pitchFamily="18" charset="0"/>
+                        <a:ea typeface="SimSun" panose="02010600030101010101" pitchFamily="2" charset="-122"/>
+                      </a:endParaRPr>
+                    </a:p>
+                  </a:txBody>
+                  <a:tcPr marL="68580" marR="68580" marT="0" marB="0"/>
+                </a:tc>
+                <a:extLst>
+                  <a:ext uri="{0D108BD9-81ED-4DB2-BD59-A6C34878D82A}">
+                    <a16:rowId xmlns:a16="http://schemas.microsoft.com/office/drawing/2014/main" val="2110838583"/>
+                  </a:ext>
+                </a:extLst>
+              </a:tr>
+              <a:tr h="252845">
+                <a:tc>
+                  <a:txBody>
+                    <a:bodyPr/>
+                    <a:lstStyle/>
+                    <a:p>
+                      <a:pPr algn="ctr"/>
+                      <a:r>
+                        <a:rPr lang="en-US" sz="900">
+                          <a:effectLst/>
+                        </a:rPr>
+                        <a:t>Multiples of 7</a:t>
+                      </a:r>
+                      <a:endParaRPr lang="en-IN" sz="1000">
+                        <a:effectLst/>
+                        <a:latin typeface="Times New Roman" panose="02020603050405020304" pitchFamily="18" charset="0"/>
+                        <a:ea typeface="SimSun" panose="02010600030101010101" pitchFamily="2" charset="-122"/>
+                      </a:endParaRPr>
+                    </a:p>
+                  </a:txBody>
+                  <a:tcPr marL="68580" marR="68580" marT="0" marB="0"/>
+                </a:tc>
+                <a:tc>
+                  <a:txBody>
+                    <a:bodyPr/>
+                    <a:lstStyle/>
+                    <a:p>
+                      <a:pPr algn="ctr"/>
+                      <a:r>
+                        <a:rPr lang="en-US" sz="900">
+                          <a:effectLst/>
+                        </a:rPr>
+                        <a:t>{</a:t>
+                      </a:r>
+                      <a:r>
+                        <a:rPr lang="en-IN" sz="900">
+                          <a:effectLst/>
+                        </a:rPr>
+                        <a:t>7,14,21,28,35,42,49</a:t>
+                      </a:r>
+                      <a:r>
+                        <a:rPr lang="en-US" sz="900">
+                          <a:effectLst/>
+                        </a:rPr>
+                        <a:t>}</a:t>
+                      </a:r>
+                      <a:endParaRPr lang="en-IN" sz="1000">
+                        <a:effectLst/>
+                        <a:latin typeface="Times New Roman" panose="02020603050405020304" pitchFamily="18" charset="0"/>
+                        <a:ea typeface="SimSun" panose="02010600030101010101" pitchFamily="2" charset="-122"/>
+                      </a:endParaRPr>
+                    </a:p>
+                  </a:txBody>
+                  <a:tcPr marL="68580" marR="68580" marT="0" marB="0"/>
+                </a:tc>
+                <a:extLst>
+                  <a:ext uri="{0D108BD9-81ED-4DB2-BD59-A6C34878D82A}">
+                    <a16:rowId xmlns:a16="http://schemas.microsoft.com/office/drawing/2014/main" val="237797509"/>
+                  </a:ext>
+                </a:extLst>
+              </a:tr>
+              <a:tr h="252845">
+                <a:tc>
+                  <a:txBody>
+                    <a:bodyPr/>
+                    <a:lstStyle/>
+                    <a:p>
+                      <a:pPr algn="ctr"/>
+                      <a:r>
+                        <a:rPr lang="en-US" sz="900">
+                          <a:effectLst/>
+                        </a:rPr>
+                        <a:t>Multiples of 11</a:t>
+                      </a:r>
+                      <a:endParaRPr lang="en-IN" sz="1000">
+                        <a:effectLst/>
+                        <a:latin typeface="Times New Roman" panose="02020603050405020304" pitchFamily="18" charset="0"/>
+                        <a:ea typeface="SimSun" panose="02010600030101010101" pitchFamily="2" charset="-122"/>
+                      </a:endParaRPr>
+                    </a:p>
+                  </a:txBody>
+                  <a:tcPr marL="68580" marR="68580" marT="0" marB="0"/>
+                </a:tc>
+                <a:tc>
+                  <a:txBody>
+                    <a:bodyPr/>
+                    <a:lstStyle/>
+                    <a:p>
+                      <a:pPr algn="ctr"/>
+                      <a:r>
+                        <a:rPr lang="en-US" sz="900" dirty="0">
+                          <a:effectLst/>
+                        </a:rPr>
+                        <a:t>{</a:t>
+                      </a:r>
+                      <a:r>
+                        <a:rPr lang="en-IN" sz="900" dirty="0">
+                          <a:effectLst/>
+                        </a:rPr>
+                        <a:t>11,22,33,44</a:t>
+                      </a:r>
+                      <a:r>
+                        <a:rPr lang="en-US" sz="900" dirty="0">
+                          <a:effectLst/>
+                        </a:rPr>
+                        <a:t>}</a:t>
+                      </a:r>
+                      <a:endParaRPr lang="en-IN" sz="1000" dirty="0">
+                        <a:effectLst/>
+                        <a:latin typeface="Times New Roman" panose="02020603050405020304" pitchFamily="18" charset="0"/>
+                        <a:ea typeface="SimSun" panose="02010600030101010101" pitchFamily="2" charset="-122"/>
+                      </a:endParaRPr>
+                    </a:p>
+                  </a:txBody>
+                  <a:tcPr marL="68580" marR="68580" marT="0" marB="0"/>
+                </a:tc>
+                <a:extLst>
+                  <a:ext uri="{0D108BD9-81ED-4DB2-BD59-A6C34878D82A}">
+                    <a16:rowId xmlns:a16="http://schemas.microsoft.com/office/drawing/2014/main" val="1554693865"/>
+                  </a:ext>
+                </a:extLst>
+              </a:tr>
+            </a:tbl>
+          </a:graphicData>
+        </a:graphic>
+      </p:graphicFrame>
+      <p:graphicFrame>
+        <p:nvGraphicFramePr>
+          <p:cNvPr id="5" name="Table 4">
+            <a:extLst>
+              <a:ext uri="{FF2B5EF4-FFF2-40B4-BE49-F238E27FC236}">
+                <a16:creationId xmlns:a16="http://schemas.microsoft.com/office/drawing/2014/main" id="{8EE84D7C-D3DE-44AC-9277-04687F4BE59F}"/>
+              </a:ext>
+            </a:extLst>
+          </p:cNvPr>
+          <p:cNvGraphicFramePr>
+            <a:graphicFrameLocks noGrp="1"/>
+          </p:cNvGraphicFramePr>
+          <p:nvPr>
+            <p:extLst>
+              <p:ext uri="{D42A27DB-BD31-4B8C-83A1-F6EECF244321}">
+                <p14:modId xmlns:p14="http://schemas.microsoft.com/office/powerpoint/2010/main" val="4006758476"/>
+              </p:ext>
+            </p:extLst>
+          </p:nvPr>
+        </p:nvGraphicFramePr>
+        <p:xfrm>
+          <a:off x="8192568" y="2872072"/>
+          <a:ext cx="3771633" cy="1342002"/>
+        </p:xfrm>
+        <a:graphic>
+          <a:graphicData uri="http://schemas.openxmlformats.org/drawingml/2006/table">
+            <a:tbl>
+              <a:tblPr firstRow="1" firstCol="1" bandRow="1">
+                <a:tableStyleId>{5C22544A-7EE6-4342-B048-85BDC9FD1C3A}</a:tableStyleId>
+              </a:tblPr>
+              <a:tblGrid>
+                <a:gridCol w="2638435">
+                  <a:extLst>
+                    <a:ext uri="{9D8B030D-6E8A-4147-A177-3AD203B41FA5}">
+                      <a16:colId xmlns:a16="http://schemas.microsoft.com/office/drawing/2014/main" val="3721499442"/>
+                    </a:ext>
+                  </a:extLst>
+                </a:gridCol>
+                <a:gridCol w="1133198">
+                  <a:extLst>
+                    <a:ext uri="{9D8B030D-6E8A-4147-A177-3AD203B41FA5}">
+                      <a16:colId xmlns:a16="http://schemas.microsoft.com/office/drawing/2014/main" val="1500906782"/>
+                    </a:ext>
+                  </a:extLst>
+                </a:gridCol>
+              </a:tblGrid>
+              <a:tr h="223667">
+                <a:tc>
+                  <a:txBody>
+                    <a:bodyPr/>
+                    <a:lstStyle/>
+                    <a:p>
+                      <a:pPr algn="ctr"/>
+                      <a:r>
+                        <a:rPr lang="en-IN" sz="900">
+                          <a:effectLst/>
+                        </a:rPr>
+                        <a:t>Sequence</a:t>
+                      </a:r>
+                      <a:endParaRPr lang="en-IN" sz="1000">
+                        <a:effectLst/>
+                        <a:latin typeface="Times New Roman" panose="02020603050405020304" pitchFamily="18" charset="0"/>
+                        <a:ea typeface="SimSun" panose="02010600030101010101" pitchFamily="2" charset="-122"/>
+                      </a:endParaRPr>
+                    </a:p>
+                  </a:txBody>
+                  <a:tcPr marL="68580" marR="68580" marT="0" marB="0"/>
+                </a:tc>
+                <a:tc>
+                  <a:txBody>
+                    <a:bodyPr/>
+                    <a:lstStyle/>
+                    <a:p>
+                      <a:pPr algn="ctr"/>
+                      <a:r>
+                        <a:rPr lang="en-IN" sz="900">
+                          <a:effectLst/>
+                        </a:rPr>
+                        <a:t>Labels</a:t>
+                      </a:r>
+                      <a:endParaRPr lang="en-IN" sz="1000">
+                        <a:effectLst/>
+                        <a:latin typeface="Times New Roman" panose="02020603050405020304" pitchFamily="18" charset="0"/>
+                        <a:ea typeface="SimSun" panose="02010600030101010101" pitchFamily="2" charset="-122"/>
+                      </a:endParaRPr>
+                    </a:p>
+                  </a:txBody>
+                  <a:tcPr marL="68580" marR="68580" marT="0" marB="0"/>
+                </a:tc>
+                <a:extLst>
+                  <a:ext uri="{0D108BD9-81ED-4DB2-BD59-A6C34878D82A}">
+                    <a16:rowId xmlns:a16="http://schemas.microsoft.com/office/drawing/2014/main" val="717080663"/>
+                  </a:ext>
+                </a:extLst>
+              </a:tr>
+              <a:tr h="223667">
+                <a:tc>
+                  <a:txBody>
+                    <a:bodyPr/>
+                    <a:lstStyle/>
+                    <a:p>
+                      <a:pPr algn="just"/>
+                      <a:r>
+                        <a:rPr lang="en-IN" sz="900" dirty="0">
+                          <a:effectLst/>
+                        </a:rPr>
+                        <a:t>AIGKFLHSAKKFGKAFVGEIMNS</a:t>
+                      </a:r>
+                      <a:endParaRPr lang="en-IN" sz="1000" dirty="0">
+                        <a:effectLst/>
+                        <a:latin typeface="Times New Roman" panose="02020603050405020304" pitchFamily="18" charset="0"/>
+                        <a:ea typeface="SimSun" panose="02010600030101010101" pitchFamily="2" charset="-122"/>
+                      </a:endParaRPr>
+                    </a:p>
+                  </a:txBody>
+                  <a:tcPr marL="68580" marR="68580" marT="0" marB="0"/>
+                </a:tc>
+                <a:tc>
+                  <a:txBody>
+                    <a:bodyPr/>
+                    <a:lstStyle/>
+                    <a:p>
+                      <a:pPr algn="just"/>
+                      <a:r>
+                        <a:rPr lang="en-IN" sz="900">
+                          <a:effectLst/>
+                        </a:rPr>
+                        <a:t>mod. active</a:t>
+                      </a:r>
+                      <a:endParaRPr lang="en-IN" sz="1000">
+                        <a:effectLst/>
+                        <a:latin typeface="Times New Roman" panose="02020603050405020304" pitchFamily="18" charset="0"/>
+                        <a:ea typeface="SimSun" panose="02010600030101010101" pitchFamily="2" charset="-122"/>
+                      </a:endParaRPr>
+                    </a:p>
+                  </a:txBody>
+                  <a:tcPr marL="68580" marR="68580" marT="0" marB="0"/>
+                </a:tc>
+                <a:extLst>
+                  <a:ext uri="{0D108BD9-81ED-4DB2-BD59-A6C34878D82A}">
+                    <a16:rowId xmlns:a16="http://schemas.microsoft.com/office/drawing/2014/main" val="3984648834"/>
+                  </a:ext>
+                </a:extLst>
+              </a:tr>
+              <a:tr h="223667">
+                <a:tc>
+                  <a:txBody>
+                    <a:bodyPr/>
+                    <a:lstStyle/>
+                    <a:p>
+                      <a:pPr algn="just"/>
+                      <a:r>
+                        <a:rPr lang="en-IN" sz="900">
+                          <a:effectLst/>
+                        </a:rPr>
+                        <a:t>FAKIIAKIAKIAKKIL</a:t>
+                      </a:r>
+                      <a:endParaRPr lang="en-IN" sz="1000">
+                        <a:effectLst/>
+                        <a:latin typeface="Times New Roman" panose="02020603050405020304" pitchFamily="18" charset="0"/>
+                        <a:ea typeface="SimSun" panose="02010600030101010101" pitchFamily="2" charset="-122"/>
+                      </a:endParaRPr>
+                    </a:p>
+                  </a:txBody>
+                  <a:tcPr marL="68580" marR="68580" marT="0" marB="0"/>
+                </a:tc>
+                <a:tc>
+                  <a:txBody>
+                    <a:bodyPr/>
+                    <a:lstStyle/>
+                    <a:p>
+                      <a:pPr algn="just"/>
+                      <a:r>
+                        <a:rPr lang="en-IN" sz="900" dirty="0">
+                          <a:effectLst/>
+                        </a:rPr>
+                        <a:t>inactive - exp</a:t>
+                      </a:r>
+                      <a:endParaRPr lang="en-IN" sz="1000" dirty="0">
+                        <a:effectLst/>
+                        <a:latin typeface="Times New Roman" panose="02020603050405020304" pitchFamily="18" charset="0"/>
+                        <a:ea typeface="SimSun" panose="02010600030101010101" pitchFamily="2" charset="-122"/>
+                      </a:endParaRPr>
+                    </a:p>
+                  </a:txBody>
+                  <a:tcPr marL="68580" marR="68580" marT="0" marB="0"/>
+                </a:tc>
+                <a:extLst>
+                  <a:ext uri="{0D108BD9-81ED-4DB2-BD59-A6C34878D82A}">
+                    <a16:rowId xmlns:a16="http://schemas.microsoft.com/office/drawing/2014/main" val="3865243365"/>
+                  </a:ext>
+                </a:extLst>
+              </a:tr>
+              <a:tr h="223667">
+                <a:tc>
+                  <a:txBody>
+                    <a:bodyPr/>
+                    <a:lstStyle/>
+                    <a:p>
+                      <a:pPr algn="just"/>
+                      <a:r>
+                        <a:rPr lang="en-IN" sz="900">
+                          <a:effectLst/>
+                        </a:rPr>
+                        <a:t>FAKKLAKKLKKLAKKLAKKWKL</a:t>
+                      </a:r>
+                      <a:endParaRPr lang="en-IN" sz="1000">
+                        <a:effectLst/>
+                        <a:latin typeface="Times New Roman" panose="02020603050405020304" pitchFamily="18" charset="0"/>
+                        <a:ea typeface="SimSun" panose="02010600030101010101" pitchFamily="2" charset="-122"/>
+                      </a:endParaRPr>
+                    </a:p>
+                  </a:txBody>
+                  <a:tcPr marL="68580" marR="68580" marT="0" marB="0"/>
+                </a:tc>
+                <a:tc>
+                  <a:txBody>
+                    <a:bodyPr/>
+                    <a:lstStyle/>
+                    <a:p>
+                      <a:pPr algn="just"/>
+                      <a:r>
+                        <a:rPr lang="en-IN" sz="900">
+                          <a:effectLst/>
+                        </a:rPr>
+                        <a:t>mod. active</a:t>
+                      </a:r>
+                      <a:endParaRPr lang="en-IN" sz="1000">
+                        <a:effectLst/>
+                        <a:latin typeface="Times New Roman" panose="02020603050405020304" pitchFamily="18" charset="0"/>
+                        <a:ea typeface="SimSun" panose="02010600030101010101" pitchFamily="2" charset="-122"/>
+                      </a:endParaRPr>
+                    </a:p>
+                  </a:txBody>
+                  <a:tcPr marL="68580" marR="68580" marT="0" marB="0"/>
+                </a:tc>
+                <a:extLst>
+                  <a:ext uri="{0D108BD9-81ED-4DB2-BD59-A6C34878D82A}">
+                    <a16:rowId xmlns:a16="http://schemas.microsoft.com/office/drawing/2014/main" val="2181987989"/>
+                  </a:ext>
+                </a:extLst>
+              </a:tr>
+              <a:tr h="223667">
+                <a:tc>
+                  <a:txBody>
+                    <a:bodyPr/>
+                    <a:lstStyle/>
+                    <a:p>
+                      <a:pPr algn="just"/>
+                      <a:r>
+                        <a:rPr lang="en-IN" sz="900">
+                          <a:effectLst/>
+                        </a:rPr>
+                        <a:t>FAKLLAKALKKLL</a:t>
+                      </a:r>
+                      <a:endParaRPr lang="en-IN" sz="1000">
+                        <a:effectLst/>
+                        <a:latin typeface="Times New Roman" panose="02020603050405020304" pitchFamily="18" charset="0"/>
+                        <a:ea typeface="SimSun" panose="02010600030101010101" pitchFamily="2" charset="-122"/>
+                      </a:endParaRPr>
+                    </a:p>
+                  </a:txBody>
+                  <a:tcPr marL="68580" marR="68580" marT="0" marB="0"/>
+                </a:tc>
+                <a:tc>
+                  <a:txBody>
+                    <a:bodyPr/>
+                    <a:lstStyle/>
+                    <a:p>
+                      <a:pPr algn="just"/>
+                      <a:r>
+                        <a:rPr lang="en-IN" sz="900">
+                          <a:effectLst/>
+                        </a:rPr>
+                        <a:t>very active</a:t>
+                      </a:r>
+                      <a:endParaRPr lang="en-IN" sz="1000">
+                        <a:effectLst/>
+                        <a:latin typeface="Times New Roman" panose="02020603050405020304" pitchFamily="18" charset="0"/>
+                        <a:ea typeface="SimSun" panose="02010600030101010101" pitchFamily="2" charset="-122"/>
+                      </a:endParaRPr>
+                    </a:p>
+                  </a:txBody>
+                  <a:tcPr marL="68580" marR="68580" marT="0" marB="0"/>
+                </a:tc>
+                <a:extLst>
+                  <a:ext uri="{0D108BD9-81ED-4DB2-BD59-A6C34878D82A}">
+                    <a16:rowId xmlns:a16="http://schemas.microsoft.com/office/drawing/2014/main" val="2725767811"/>
+                  </a:ext>
+                </a:extLst>
+              </a:tr>
+              <a:tr h="223667">
+                <a:tc>
+                  <a:txBody>
+                    <a:bodyPr/>
+                    <a:lstStyle/>
+                    <a:p>
+                      <a:pPr algn="just"/>
+                      <a:r>
+                        <a:rPr lang="en-IN" sz="900">
+                          <a:effectLst/>
+                        </a:rPr>
+                        <a:t>….</a:t>
+                      </a:r>
+                      <a:endParaRPr lang="en-IN" sz="1000">
+                        <a:effectLst/>
+                        <a:latin typeface="Times New Roman" panose="02020603050405020304" pitchFamily="18" charset="0"/>
+                        <a:ea typeface="SimSun" panose="02010600030101010101" pitchFamily="2" charset="-122"/>
+                      </a:endParaRPr>
+                    </a:p>
+                  </a:txBody>
+                  <a:tcPr marL="68580" marR="68580" marT="0" marB="0"/>
+                </a:tc>
+                <a:tc>
+                  <a:txBody>
+                    <a:bodyPr/>
+                    <a:lstStyle/>
+                    <a:p>
+                      <a:pPr algn="just"/>
+                      <a:r>
+                        <a:rPr lang="en-IN" sz="900" dirty="0">
+                          <a:effectLst/>
+                        </a:rPr>
+                        <a:t>….</a:t>
+                      </a:r>
+                      <a:endParaRPr lang="en-IN" sz="1000" dirty="0">
+                        <a:effectLst/>
+                        <a:latin typeface="Times New Roman" panose="02020603050405020304" pitchFamily="18" charset="0"/>
+                        <a:ea typeface="SimSun" panose="02010600030101010101" pitchFamily="2" charset="-122"/>
+                      </a:endParaRPr>
+                    </a:p>
+                  </a:txBody>
+                  <a:tcPr marL="68580" marR="68580" marT="0" marB="0"/>
+                </a:tc>
+                <a:extLst>
+                  <a:ext uri="{0D108BD9-81ED-4DB2-BD59-A6C34878D82A}">
+                    <a16:rowId xmlns:a16="http://schemas.microsoft.com/office/drawing/2014/main" val="2935355197"/>
+                  </a:ext>
+                </a:extLst>
+              </a:tr>
+            </a:tbl>
+          </a:graphicData>
+        </a:graphic>
+      </p:graphicFrame>
+      <p:pic>
+        <p:nvPicPr>
+          <p:cNvPr id="6" name="Picture 2">
+            <a:extLst>
+              <a:ext uri="{FF2B5EF4-FFF2-40B4-BE49-F238E27FC236}">
+                <a16:creationId xmlns:a16="http://schemas.microsoft.com/office/drawing/2014/main" id="{4EDB9040-B4E8-43E0-AB36-9DCC75AB89A4}"/>
+              </a:ext>
+            </a:extLst>
+          </p:cNvPr>
+          <p:cNvPicPr>
+            <a:picLocks noChangeAspect="1" noChangeArrowheads="1"/>
+          </p:cNvPicPr>
+          <p:nvPr/>
+        </p:nvPicPr>
+        <p:blipFill>
+          <a:blip r:embed="rId2">
+            <a:extLst>
+              <a:ext uri="{28A0092B-C50C-407E-A947-70E740481C1C}">
+                <a14:useLocalDpi xmlns:a14="http://schemas.microsoft.com/office/drawing/2010/main" val="0"/>
+              </a:ext>
+            </a:extLst>
+          </a:blip>
+          <a:srcRect/>
+          <a:stretch>
+            <a:fillRect/>
+          </a:stretch>
+        </p:blipFill>
+        <p:spPr bwMode="auto">
+          <a:xfrm>
+            <a:off x="3495439" y="4214074"/>
+            <a:ext cx="3771633" cy="2032722"/>
+          </a:xfrm>
+          <a:prstGeom prst="rect">
+            <a:avLst/>
+          </a:prstGeom>
+          <a:noFill/>
+          <a:extLst>
+            <a:ext uri="{909E8E84-426E-40DD-AFC4-6F175D3DCCD1}">
+              <a14:hiddenFill xmlns:a14="http://schemas.microsoft.com/office/drawing/2010/main">
+                <a:solidFill>
+                  <a:srgbClr val="FFFFFF"/>
+                </a:solidFill>
+              </a14:hiddenFill>
+            </a:ext>
+          </a:extLst>
+        </p:spPr>
+      </p:pic>
+      <p:sp>
+        <p:nvSpPr>
+          <p:cNvPr id="7" name="TextBox 6">
+            <a:extLst>
+              <a:ext uri="{FF2B5EF4-FFF2-40B4-BE49-F238E27FC236}">
+                <a16:creationId xmlns:a16="http://schemas.microsoft.com/office/drawing/2014/main" id="{47004B5A-180B-4A0E-8949-E631A748495A}"/>
+              </a:ext>
+            </a:extLst>
+          </p:cNvPr>
+          <p:cNvSpPr txBox="1"/>
+          <p:nvPr/>
+        </p:nvSpPr>
+        <p:spPr>
+          <a:xfrm>
+            <a:off x="3649445" y="3041583"/>
+            <a:ext cx="3808396" cy="707886"/>
+          </a:xfrm>
+          <a:prstGeom prst="rect">
+            <a:avLst/>
+          </a:prstGeom>
+          <a:noFill/>
+        </p:spPr>
+        <p:txBody>
+          <a:bodyPr wrap="square" rtlCol="0">
+            <a:spAutoFit/>
+          </a:bodyPr>
+          <a:lstStyle/>
+          <a:p>
+            <a:r>
+              <a:rPr lang="en-IN" sz="2000" dirty="0"/>
+              <a:t>Multi Sequence Learning - Alphabets</a:t>
             </a:r>
           </a:p>
         </p:txBody>
       </p:sp>
       <p:pic>
         <p:nvPicPr>
-          <p:cNvPr id="4" name="Picture 3">
-            <a:extLst>
-              <a:ext uri="{FF2B5EF4-FFF2-40B4-BE49-F238E27FC236}">
-                <a16:creationId xmlns:a16="http://schemas.microsoft.com/office/drawing/2014/main" id="{3102FCCF-24F5-447E-89F7-937153C8678F}"/>
+          <p:cNvPr id="8" name="Picture 7">
+            <a:extLst>
+              <a:ext uri="{FF2B5EF4-FFF2-40B4-BE49-F238E27FC236}">
+                <a16:creationId xmlns:a16="http://schemas.microsoft.com/office/drawing/2014/main" id="{1FA19D16-9BDE-4713-B9AC-FA52AD11683F}"/>
               </a:ext>
             </a:extLst>
           </p:cNvPr>
@@ -3955,15 +7882,15 @@
           <p:nvPr/>
         </p:nvPicPr>
         <p:blipFill>
-          <a:blip r:embed="rId2"/>
+          <a:blip r:embed="rId3"/>
           <a:stretch>
             <a:fillRect/>
           </a:stretch>
         </p:blipFill>
         <p:spPr>
           <a:xfrm>
-            <a:off x="7652263" y="2097336"/>
-            <a:ext cx="3464915" cy="3360187"/>
+            <a:off x="9548260" y="0"/>
+            <a:ext cx="2637323" cy="1075216"/>
           </a:xfrm>
           <a:prstGeom prst="rect">
             <a:avLst/>
@@ -3973,7 +7900,7 @@
     </p:spTree>
     <p:extLst>
       <p:ext uri="{BB962C8B-B14F-4D97-AF65-F5344CB8AC3E}">
-        <p14:creationId xmlns:p14="http://schemas.microsoft.com/office/powerpoint/2010/main" val="3745688357"/>
+        <p14:creationId xmlns:p14="http://schemas.microsoft.com/office/powerpoint/2010/main" val="1108112553"/>
       </p:ext>
     </p:extLst>
   </p:cSld>
@@ -4005,7 +7932,7 @@
           <p:cNvPr id="2" name="Title 1">
             <a:extLst>
               <a:ext uri="{FF2B5EF4-FFF2-40B4-BE49-F238E27FC236}">
-                <a16:creationId xmlns:a16="http://schemas.microsoft.com/office/drawing/2014/main" id="{E946CDE2-F97B-4F41-A8A7-9C0DFCE95CE4}"/>
+                <a16:creationId xmlns:a16="http://schemas.microsoft.com/office/drawing/2014/main" id="{1A5497CA-A0CE-41E4-A111-DD3C0AF326DC}"/>
               </a:ext>
             </a:extLst>
           </p:cNvPr>
@@ -4016,16 +7943,21 @@
             <p:ph type="title"/>
           </p:nvPr>
         </p:nvSpPr>
-        <p:spPr/>
+        <p:spPr>
+          <a:xfrm>
+            <a:off x="838200" y="365125"/>
+            <a:ext cx="10515600" cy="443397"/>
+          </a:xfrm>
+        </p:spPr>
         <p:txBody>
           <a:bodyPr>
-            <a:normAutofit/>
+            <a:normAutofit fontScale="90000"/>
           </a:bodyPr>
           <a:lstStyle/>
           <a:p>
             <a:r>
               <a:rPr lang="en-IN" sz="2800" dirty="0"/>
-              <a:t>Introduction – PDS (Proximal Dendrite Segments) &amp; </a:t>
+              <a:t>Encode</a:t>
             </a:r>
           </a:p>
         </p:txBody>
@@ -4035,7 +7967,7 @@
           <p:cNvPr id="3" name="Content Placeholder 2">
             <a:extLst>
               <a:ext uri="{FF2B5EF4-FFF2-40B4-BE49-F238E27FC236}">
-                <a16:creationId xmlns:a16="http://schemas.microsoft.com/office/drawing/2014/main" id="{BDA644A2-A119-4E56-A716-148B7D15EE81}"/>
+                <a16:creationId xmlns:a16="http://schemas.microsoft.com/office/drawing/2014/main" id="{7AD444DE-6982-450D-BB59-64BFAB33024D}"/>
               </a:ext>
             </a:extLst>
           </p:cNvPr>
@@ -4048,44 +7980,130 @@
         </p:nvSpPr>
         <p:spPr>
           <a:xfrm>
-            <a:off x="838200" y="1825625"/>
-            <a:ext cx="6149741" cy="4228666"/>
+            <a:off x="725905" y="1171107"/>
+            <a:ext cx="5370095" cy="2813752"/>
           </a:xfrm>
         </p:spPr>
         <p:txBody>
-          <a:bodyPr/>
+          <a:bodyPr>
+            <a:normAutofit/>
+          </a:bodyPr>
           <a:lstStyle/>
           <a:p>
             <a:r>
-              <a:rPr lang="en-IN" dirty="0"/>
-              <a:t>PDS with synapses are </a:t>
-            </a:r>
-            <a:r>
-              <a:rPr lang="en-IN" dirty="0" err="1"/>
-              <a:t>representated</a:t>
-            </a:r>
-            <a:r>
-              <a:rPr lang="en-IN" dirty="0"/>
-              <a:t> by small black circles</a:t>
-            </a:r>
-          </a:p>
-          <a:p>
-            <a:r>
-              <a:rPr lang="en-IN" dirty="0"/>
-              <a:t>Based on active input bits, feedforward input activates a column </a:t>
-            </a:r>
-          </a:p>
-          <a:p>
-            <a:endParaRPr lang="en-IN" dirty="0"/>
+              <a:rPr lang="en-IN" sz="2000" dirty="0"/>
+              <a:t>Numbers and Alphabets use Scalar encoder </a:t>
+            </a:r>
+          </a:p>
+          <a:p>
+            <a:endParaRPr lang="en-IN" sz="2000" dirty="0"/>
+          </a:p>
+          <a:p>
+            <a:endParaRPr lang="en-IN" sz="2000" dirty="0"/>
+          </a:p>
+          <a:p>
+            <a:pPr marL="0" indent="0">
+              <a:buNone/>
+            </a:pPr>
+            <a:endParaRPr lang="en-IN" sz="2000" dirty="0"/>
+          </a:p>
+          <a:p>
+            <a:r>
+              <a:rPr lang="en-IN" sz="2000" dirty="0"/>
+              <a:t>Image use HTM Image encoder</a:t>
+            </a:r>
           </a:p>
         </p:txBody>
       </p:sp>
       <p:pic>
         <p:nvPicPr>
-          <p:cNvPr id="4" name="Picture 3">
-            <a:extLst>
-              <a:ext uri="{FF2B5EF4-FFF2-40B4-BE49-F238E27FC236}">
-                <a16:creationId xmlns:a16="http://schemas.microsoft.com/office/drawing/2014/main" id="{359D7FDE-0621-48E8-B30B-B21831DCFFC3}"/>
+          <p:cNvPr id="3074" name="Picture 2">
+            <a:extLst>
+              <a:ext uri="{FF2B5EF4-FFF2-40B4-BE49-F238E27FC236}">
+                <a16:creationId xmlns:a16="http://schemas.microsoft.com/office/drawing/2014/main" id="{A3538909-4542-433D-8DD6-ABCA85F6655F}"/>
+              </a:ext>
+            </a:extLst>
+          </p:cNvPr>
+          <p:cNvPicPr>
+            <a:picLocks noChangeAspect="1" noChangeArrowheads="1"/>
+          </p:cNvPicPr>
+          <p:nvPr/>
+        </p:nvPicPr>
+        <p:blipFill>
+          <a:blip r:embed="rId2">
+            <a:extLst>
+              <a:ext uri="{28A0092B-C50C-407E-A947-70E740481C1C}">
+                <a14:useLocalDpi xmlns:a14="http://schemas.microsoft.com/office/drawing/2010/main" val="0"/>
+              </a:ext>
+            </a:extLst>
+          </a:blip>
+          <a:srcRect/>
+          <a:stretch>
+            <a:fillRect/>
+          </a:stretch>
+        </p:blipFill>
+        <p:spPr bwMode="auto">
+          <a:xfrm>
+            <a:off x="5914675" y="2093853"/>
+            <a:ext cx="4557611" cy="3447425"/>
+          </a:xfrm>
+          <a:prstGeom prst="rect">
+            <a:avLst/>
+          </a:prstGeom>
+          <a:noFill/>
+          <a:extLst>
+            <a:ext uri="{909E8E84-426E-40DD-AFC4-6F175D3DCCD1}">
+              <a14:hiddenFill xmlns:a14="http://schemas.microsoft.com/office/drawing/2010/main">
+                <a:solidFill>
+                  <a:srgbClr val="FFFFFF"/>
+                </a:solidFill>
+              </a14:hiddenFill>
+            </a:ext>
+          </a:extLst>
+        </p:spPr>
+      </p:pic>
+      <p:sp>
+        <p:nvSpPr>
+          <p:cNvPr id="4" name="TextBox 3">
+            <a:extLst>
+              <a:ext uri="{FF2B5EF4-FFF2-40B4-BE49-F238E27FC236}">
+                <a16:creationId xmlns:a16="http://schemas.microsoft.com/office/drawing/2014/main" id="{01A26EAC-083D-40C2-AC52-FEE5F9F29E8D}"/>
+              </a:ext>
+            </a:extLst>
+          </p:cNvPr>
+          <p:cNvSpPr txBox="1"/>
+          <p:nvPr/>
+        </p:nvSpPr>
+        <p:spPr>
+          <a:xfrm>
+            <a:off x="6612556" y="5794408"/>
+            <a:ext cx="3686476" cy="365760"/>
+          </a:xfrm>
+          <a:prstGeom prst="rect">
+            <a:avLst/>
+          </a:prstGeom>
+          <a:noFill/>
+        </p:spPr>
+        <p:txBody>
+          <a:bodyPr wrap="square" rtlCol="0">
+            <a:spAutoFit/>
+          </a:bodyPr>
+          <a:lstStyle/>
+          <a:p>
+            <a:pPr algn="ctr"/>
+            <a:r>
+              <a:rPr lang="en-IN" dirty="0"/>
+              <a:t>Image Binarization</a:t>
+            </a:r>
+          </a:p>
+        </p:txBody>
+      </p:sp>
+      <p:pic>
+        <p:nvPicPr>
+          <p:cNvPr id="6" name="Picture 5">
+            <a:extLst>
+              <a:ext uri="{FF2B5EF4-FFF2-40B4-BE49-F238E27FC236}">
+                <a16:creationId xmlns:a16="http://schemas.microsoft.com/office/drawing/2014/main" id="{D00CD6B0-C3DF-463B-8B49-952C4435CF94}"/>
               </a:ext>
             </a:extLst>
           </p:cNvPr>
@@ -4095,15 +8113,15 @@
           <p:nvPr/>
         </p:nvPicPr>
         <p:blipFill>
-          <a:blip r:embed="rId2"/>
+          <a:blip r:embed="rId3"/>
           <a:stretch>
             <a:fillRect/>
           </a:stretch>
         </p:blipFill>
         <p:spPr>
           <a:xfrm>
-            <a:off x="8259010" y="1413242"/>
-            <a:ext cx="2636788" cy="4107923"/>
+            <a:off x="9548260" y="0"/>
+            <a:ext cx="2637323" cy="1075216"/>
           </a:xfrm>
           <a:prstGeom prst="rect">
             <a:avLst/>
@@ -4113,7 +8131,7 @@
     </p:spTree>
     <p:extLst>
       <p:ext uri="{BB962C8B-B14F-4D97-AF65-F5344CB8AC3E}">
-        <p14:creationId xmlns:p14="http://schemas.microsoft.com/office/powerpoint/2010/main" val="3380021941"/>
+        <p14:creationId xmlns:p14="http://schemas.microsoft.com/office/powerpoint/2010/main" val="1649300386"/>
       </p:ext>
     </p:extLst>
   </p:cSld>
@@ -4145,7 +8163,7 @@
           <p:cNvPr id="2" name="Title 1">
             <a:extLst>
               <a:ext uri="{FF2B5EF4-FFF2-40B4-BE49-F238E27FC236}">
-                <a16:creationId xmlns:a16="http://schemas.microsoft.com/office/drawing/2014/main" id="{BFEF91B7-A083-4B03-B7DD-CF11A8331DDB}"/>
+                <a16:creationId xmlns:a16="http://schemas.microsoft.com/office/drawing/2014/main" id="{1F508C3B-A1BB-4D01-AF27-A9F6729DD8A3}"/>
               </a:ext>
             </a:extLst>
           </p:cNvPr>
@@ -4156,14 +8174,21 @@
             <p:ph type="title"/>
           </p:nvPr>
         </p:nvSpPr>
-        <p:spPr/>
+        <p:spPr>
+          <a:xfrm>
+            <a:off x="838200" y="365126"/>
+            <a:ext cx="10515600" cy="616652"/>
+          </a:xfrm>
+        </p:spPr>
         <p:txBody>
-          <a:bodyPr/>
+          <a:bodyPr>
+            <a:normAutofit/>
+          </a:bodyPr>
           <a:lstStyle/>
           <a:p>
             <a:r>
-              <a:rPr lang="en-IN" dirty="0"/>
-              <a:t>DDS (Distal Dendrite Segments)</a:t>
+              <a:rPr lang="en-IN" sz="2800" dirty="0"/>
+              <a:t>Spatial Pooler</a:t>
             </a:r>
           </a:p>
         </p:txBody>
@@ -4173,7 +8198,7 @@
           <p:cNvPr id="3" name="Content Placeholder 2">
             <a:extLst>
               <a:ext uri="{FF2B5EF4-FFF2-40B4-BE49-F238E27FC236}">
-                <a16:creationId xmlns:a16="http://schemas.microsoft.com/office/drawing/2014/main" id="{26F64039-9495-45AD-8578-872D4A496396}"/>
+                <a16:creationId xmlns:a16="http://schemas.microsoft.com/office/drawing/2014/main" id="{4E62DFA4-0326-4465-BADA-21D678897AB4}"/>
               </a:ext>
             </a:extLst>
           </p:cNvPr>
@@ -4186,52 +8211,69 @@
         </p:nvSpPr>
         <p:spPr>
           <a:xfrm>
-            <a:off x="838200" y="1825625"/>
-            <a:ext cx="5629977" cy="4351338"/>
+            <a:off x="939366" y="2527349"/>
+            <a:ext cx="5541645" cy="2383974"/>
           </a:xfrm>
         </p:spPr>
         <p:txBody>
-          <a:bodyPr/>
+          <a:bodyPr>
+            <a:normAutofit/>
+          </a:bodyPr>
           <a:lstStyle/>
           <a:p>
             <a:r>
-              <a:rPr lang="en-IN" sz="1800" dirty="0">
-                <a:effectLst/>
-                <a:latin typeface="Times New Roman" panose="02020603050405020304" pitchFamily="18" charset="0"/>
-                <a:ea typeface="SimSun" panose="02010600030101010101" pitchFamily="2" charset="-122"/>
-              </a:rPr>
-              <a:t>A dendritic segment creates connections with cells that were active together at a previous period, allowing it to remember the activation state of nearby cells</a:t>
-            </a:r>
-          </a:p>
-          <a:p>
-            <a:r>
-              <a:rPr lang="en-IN" sz="1800" dirty="0">
-                <a:effectLst/>
-                <a:latin typeface="Times New Roman" panose="02020603050405020304" pitchFamily="18" charset="0"/>
-                <a:ea typeface="SimSun" panose="02010600030101010101" pitchFamily="2" charset="-122"/>
-              </a:rPr>
-              <a:t>If one of its segments encounters the same cellular activation pattern again, that is, if the number of active synapses on any segment exceeds a threshold, the cell will enter a predictive state, signalling that feed-forward input will likely result in column activation shortly</a:t>
-            </a:r>
-          </a:p>
-          <a:p>
-            <a:r>
-              <a:rPr lang="en-IN" sz="1800" dirty="0">
-                <a:effectLst/>
-                <a:latin typeface="Times New Roman" panose="02020603050405020304" pitchFamily="18" charset="0"/>
-                <a:ea typeface="SimSun" panose="02010600030101010101" pitchFamily="2" charset="-122"/>
-              </a:rPr>
-              <a:t>Feedforward input through the proximal dendrite or lateral connections through the distal dendrite segments keeps a cell active</a:t>
-            </a:r>
-            <a:endParaRPr lang="en-IN" dirty="0"/>
+              <a:rPr lang="en-IN" sz="2000" dirty="0"/>
+              <a:t>Creates SDR Input</a:t>
+            </a:r>
+          </a:p>
+          <a:p>
+            <a:r>
+              <a:rPr lang="en-IN" sz="2000" dirty="0"/>
+              <a:t>Columns that are not active is not learnt</a:t>
+            </a:r>
+          </a:p>
+          <a:p>
+            <a:r>
+              <a:rPr lang="en-IN" sz="2000" dirty="0"/>
+              <a:t>Each pattern that is appeared as input is compared with the database</a:t>
+            </a:r>
           </a:p>
         </p:txBody>
       </p:sp>
+      <p:graphicFrame>
+        <p:nvGraphicFramePr>
+          <p:cNvPr id="4" name="Diagram 3">
+            <a:extLst>
+              <a:ext uri="{FF2B5EF4-FFF2-40B4-BE49-F238E27FC236}">
+                <a16:creationId xmlns:a16="http://schemas.microsoft.com/office/drawing/2014/main" id="{745E15F3-201E-4F08-B3C6-ADE15E41A82F}"/>
+              </a:ext>
+            </a:extLst>
+          </p:cNvPr>
+          <p:cNvGraphicFramePr/>
+          <p:nvPr>
+            <p:extLst>
+              <p:ext uri="{D42A27DB-BD31-4B8C-83A1-F6EECF244321}">
+                <p14:modId xmlns:p14="http://schemas.microsoft.com/office/powerpoint/2010/main" val="147212567"/>
+              </p:ext>
+            </p:extLst>
+          </p:nvPr>
+        </p:nvGraphicFramePr>
+        <p:xfrm>
+          <a:off x="6574055" y="1422884"/>
+          <a:ext cx="5303520" cy="3418623"/>
+        </p:xfrm>
+        <a:graphic>
+          <a:graphicData uri="http://schemas.openxmlformats.org/drawingml/2006/diagram">
+            <dgm:relIds xmlns:dgm="http://schemas.openxmlformats.org/drawingml/2006/diagram" xmlns:r="http://schemas.openxmlformats.org/officeDocument/2006/relationships" r:dm="rId2" r:lo="rId3" r:qs="rId4" r:cs="rId5"/>
+          </a:graphicData>
+        </a:graphic>
+      </p:graphicFrame>
       <p:pic>
         <p:nvPicPr>
           <p:cNvPr id="5" name="Picture 4">
             <a:extLst>
               <a:ext uri="{FF2B5EF4-FFF2-40B4-BE49-F238E27FC236}">
-                <a16:creationId xmlns:a16="http://schemas.microsoft.com/office/drawing/2014/main" id="{19E99001-F958-4A87-A486-4365A4CE9BD2}"/>
+                <a16:creationId xmlns:a16="http://schemas.microsoft.com/office/drawing/2014/main" id="{07BF640C-DC1D-4BEC-BBA2-5117BA528942}"/>
               </a:ext>
             </a:extLst>
           </p:cNvPr>
@@ -4241,15 +8283,15 @@
           <p:nvPr/>
         </p:nvPicPr>
         <p:blipFill>
-          <a:blip r:embed="rId2"/>
+          <a:blip r:embed="rId7"/>
           <a:stretch>
             <a:fillRect/>
           </a:stretch>
         </p:blipFill>
         <p:spPr>
           <a:xfrm>
-            <a:off x="6968691" y="1690688"/>
-            <a:ext cx="4236217" cy="3737960"/>
+            <a:off x="9548260" y="0"/>
+            <a:ext cx="2637323" cy="1075216"/>
           </a:xfrm>
           <a:prstGeom prst="rect">
             <a:avLst/>
@@ -4259,7 +8301,7 @@
     </p:spTree>
     <p:extLst>
       <p:ext uri="{BB962C8B-B14F-4D97-AF65-F5344CB8AC3E}">
-        <p14:creationId xmlns:p14="http://schemas.microsoft.com/office/powerpoint/2010/main" val="2885404713"/>
+        <p14:creationId xmlns:p14="http://schemas.microsoft.com/office/powerpoint/2010/main" val="1021448415"/>
       </p:ext>
     </p:extLst>
   </p:cSld>
@@ -4291,7 +8333,7 @@
           <p:cNvPr id="2" name="Title 1">
             <a:extLst>
               <a:ext uri="{FF2B5EF4-FFF2-40B4-BE49-F238E27FC236}">
-                <a16:creationId xmlns:a16="http://schemas.microsoft.com/office/drawing/2014/main" id="{28115E2C-ABEE-43B7-A9F0-05A72773DF7E}"/>
+                <a16:creationId xmlns:a16="http://schemas.microsoft.com/office/drawing/2014/main" id="{BDE2138F-9CF3-4E15-9632-0D1019F888C5}"/>
               </a:ext>
             </a:extLst>
           </p:cNvPr>
@@ -4302,16 +8344,23 @@
             <p:ph type="title"/>
           </p:nvPr>
         </p:nvSpPr>
-        <p:spPr/>
+        <p:spPr>
+          <a:xfrm>
+            <a:off x="838200" y="365126"/>
+            <a:ext cx="10515600" cy="558900"/>
+          </a:xfrm>
+        </p:spPr>
         <p:txBody>
-          <a:bodyPr/>
+          <a:bodyPr>
+            <a:noAutofit/>
+          </a:bodyPr>
           <a:lstStyle/>
           <a:p>
             <a:r>
-              <a:rPr lang="en-IN"/>
-              <a:t>Methodology</a:t>
-            </a:r>
-            <a:endParaRPr lang="en-IN" dirty="0"/>
+              <a:rPr lang="en-IN" sz="2000" dirty="0"/>
+              <a:t>Learning Phase</a:t>
+            </a:r>
+            <a:endParaRPr lang="en-IN" sz="3600" dirty="0"/>
           </a:p>
         </p:txBody>
       </p:sp>
@@ -4320,7 +8369,7 @@
           <p:cNvPr id="3" name="Content Placeholder 2">
             <a:extLst>
               <a:ext uri="{FF2B5EF4-FFF2-40B4-BE49-F238E27FC236}">
-                <a16:creationId xmlns:a16="http://schemas.microsoft.com/office/drawing/2014/main" id="{93215F3F-A21F-449B-A943-3448EAEE4A8D}"/>
+                <a16:creationId xmlns:a16="http://schemas.microsoft.com/office/drawing/2014/main" id="{F134476B-A91D-4629-80A7-22C0EF1E9535}"/>
               </a:ext>
             </a:extLst>
           </p:cNvPr>
@@ -4333,32 +8382,106 @@
         </p:nvSpPr>
         <p:spPr/>
         <p:txBody>
-          <a:bodyPr/>
+          <a:bodyPr>
+            <a:normAutofit/>
+          </a:bodyPr>
           <a:lstStyle/>
           <a:p>
-            <a:r>
-              <a:rPr lang="en-IN" dirty="0"/>
-              <a:t>Multi Sequence Learning – Numbers</a:t>
-            </a:r>
-          </a:p>
-          <a:p>
-            <a:r>
-              <a:rPr lang="en-IN" dirty="0"/>
-              <a:t>Multi Sequence Learning – Alphabets</a:t>
-            </a:r>
-          </a:p>
-          <a:p>
-            <a:r>
-              <a:rPr lang="en-IN" dirty="0"/>
-              <a:t>Multi Sequence Learning – Image Data Sets</a:t>
+            <a:pPr marL="0" indent="0">
+              <a:buNone/>
+            </a:pPr>
+            <a:r>
+              <a:rPr lang="en-IN" sz="2000" dirty="0"/>
+              <a:t>For Numbers and Alphabets</a:t>
+            </a:r>
+          </a:p>
+          <a:p>
+            <a:r>
+              <a:rPr lang="en-IN" sz="2000" dirty="0"/>
+              <a:t>Fetches datasets and train using Spatial Pooler</a:t>
+            </a:r>
+          </a:p>
+          <a:p>
+            <a:r>
+              <a:rPr lang="en-IN" sz="2000" dirty="0"/>
+              <a:t>Homeostatic Plasticity Controller is used for Stability</a:t>
+            </a:r>
+          </a:p>
+          <a:p>
+            <a:r>
+              <a:rPr lang="en-IN" sz="2000" dirty="0"/>
+              <a:t>Spatial Pooler trains each sequence for several iterations to attain stability</a:t>
+            </a:r>
+          </a:p>
+          <a:p>
+            <a:pPr marL="0" indent="0">
+              <a:buNone/>
+            </a:pPr>
+            <a:endParaRPr lang="en-IN" sz="2000" dirty="0"/>
+          </a:p>
+          <a:p>
+            <a:pPr marL="0" indent="0">
+              <a:buNone/>
+            </a:pPr>
+            <a:r>
+              <a:rPr lang="en-IN" sz="2000" dirty="0"/>
+              <a:t>For Image</a:t>
+            </a:r>
+          </a:p>
+          <a:p>
+            <a:pPr marL="0" indent="0">
+              <a:buNone/>
+            </a:pPr>
+            <a:r>
+              <a:rPr lang="en-IN" sz="2000" dirty="0"/>
+              <a:t>The datasets are fetched as .jpg file and is binarized using Encoder</a:t>
+            </a:r>
+          </a:p>
+          <a:p>
+            <a:pPr marL="0" indent="0">
+              <a:buNone/>
+            </a:pPr>
+            <a:r>
+              <a:rPr lang="en-IN" sz="2000" dirty="0"/>
+              <a:t>Spatial Pooler is used to train the binarized datasets for several iterations</a:t>
             </a:r>
           </a:p>
         </p:txBody>
       </p:sp>
+      <p:pic>
+        <p:nvPicPr>
+          <p:cNvPr id="4" name="Picture 3">
+            <a:extLst>
+              <a:ext uri="{FF2B5EF4-FFF2-40B4-BE49-F238E27FC236}">
+                <a16:creationId xmlns:a16="http://schemas.microsoft.com/office/drawing/2014/main" id="{3730B6D0-F1C4-4D59-BE24-8C53602F21E5}"/>
+              </a:ext>
+            </a:extLst>
+          </p:cNvPr>
+          <p:cNvPicPr>
+            <a:picLocks noChangeAspect="1"/>
+          </p:cNvPicPr>
+          <p:nvPr/>
+        </p:nvPicPr>
+        <p:blipFill>
+          <a:blip r:embed="rId2"/>
+          <a:stretch>
+            <a:fillRect/>
+          </a:stretch>
+        </p:blipFill>
+        <p:spPr>
+          <a:xfrm>
+            <a:off x="9548260" y="0"/>
+            <a:ext cx="2637323" cy="1075216"/>
+          </a:xfrm>
+          <a:prstGeom prst="rect">
+            <a:avLst/>
+          </a:prstGeom>
+        </p:spPr>
+      </p:pic>
     </p:spTree>
     <p:extLst>
       <p:ext uri="{BB962C8B-B14F-4D97-AF65-F5344CB8AC3E}">
-        <p14:creationId xmlns:p14="http://schemas.microsoft.com/office/powerpoint/2010/main" val="1108112553"/>
+        <p14:creationId xmlns:p14="http://schemas.microsoft.com/office/powerpoint/2010/main" val="3607427778"/>
       </p:ext>
     </p:extLst>
   </p:cSld>
@@ -4390,7 +8513,1032 @@
           <p:cNvPr id="2" name="Title 1">
             <a:extLst>
               <a:ext uri="{FF2B5EF4-FFF2-40B4-BE49-F238E27FC236}">
-                <a16:creationId xmlns:a16="http://schemas.microsoft.com/office/drawing/2014/main" id="{97766E27-D9E3-48E3-94D4-3AC514498885}"/>
+                <a16:creationId xmlns:a16="http://schemas.microsoft.com/office/drawing/2014/main" id="{2991C45C-2D5E-4CD5-994A-B158AFBE3E19}"/>
+              </a:ext>
+            </a:extLst>
+          </p:cNvPr>
+          <p:cNvSpPr>
+            <a:spLocks noGrp="1"/>
+          </p:cNvSpPr>
+          <p:nvPr>
+            <p:ph type="title"/>
+          </p:nvPr>
+        </p:nvSpPr>
+        <p:spPr>
+          <a:xfrm>
+            <a:off x="838200" y="365125"/>
+            <a:ext cx="8767813" cy="340243"/>
+          </a:xfrm>
+        </p:spPr>
+        <p:txBody>
+          <a:bodyPr>
+            <a:normAutofit fontScale="90000"/>
+          </a:bodyPr>
+          <a:lstStyle/>
+          <a:p>
+            <a:pPr algn="ctr"/>
+            <a:r>
+              <a:rPr lang="en-IN" sz="2800" dirty="0"/>
+              <a:t>Project Flow</a:t>
+            </a:r>
+          </a:p>
+        </p:txBody>
+      </p:sp>
+      <p:sp>
+        <p:nvSpPr>
+          <p:cNvPr id="4" name="Rectangle 3">
+            <a:extLst>
+              <a:ext uri="{FF2B5EF4-FFF2-40B4-BE49-F238E27FC236}">
+                <a16:creationId xmlns:a16="http://schemas.microsoft.com/office/drawing/2014/main" id="{B34D9641-F2BA-4C13-8519-B833DDD90F19}"/>
+              </a:ext>
+            </a:extLst>
+          </p:cNvPr>
+          <p:cNvSpPr/>
+          <p:nvPr/>
+        </p:nvSpPr>
+        <p:spPr>
+          <a:xfrm>
+            <a:off x="558262" y="2090043"/>
+            <a:ext cx="2396693" cy="805799"/>
+          </a:xfrm>
+          <a:prstGeom prst="rect">
+            <a:avLst/>
+          </a:prstGeom>
+        </p:spPr>
+        <p:style>
+          <a:lnRef idx="2">
+            <a:schemeClr val="dk1"/>
+          </a:lnRef>
+          <a:fillRef idx="1">
+            <a:schemeClr val="lt1"/>
+          </a:fillRef>
+          <a:effectRef idx="0">
+            <a:schemeClr val="dk1"/>
+          </a:effectRef>
+          <a:fontRef idx="minor">
+            <a:schemeClr val="dk1"/>
+          </a:fontRef>
+        </p:style>
+        <p:txBody>
+          <a:bodyPr rtlCol="0" anchor="ctr"/>
+          <a:lstStyle/>
+          <a:p>
+            <a:pPr algn="ctr"/>
+            <a:r>
+              <a:rPr lang="en-IN" sz="1400" dirty="0"/>
+              <a:t>Enter an option to run a multisequence experiment</a:t>
+            </a:r>
+          </a:p>
+        </p:txBody>
+      </p:sp>
+      <p:sp>
+        <p:nvSpPr>
+          <p:cNvPr id="5" name="Oval 4">
+            <a:extLst>
+              <a:ext uri="{FF2B5EF4-FFF2-40B4-BE49-F238E27FC236}">
+                <a16:creationId xmlns:a16="http://schemas.microsoft.com/office/drawing/2014/main" id="{6D9723E6-58EE-4597-9C44-DE9CE8E88424}"/>
+              </a:ext>
+            </a:extLst>
+          </p:cNvPr>
+          <p:cNvSpPr/>
+          <p:nvPr/>
+        </p:nvSpPr>
+        <p:spPr>
+          <a:xfrm>
+            <a:off x="1135779" y="991400"/>
+            <a:ext cx="1241660" cy="596767"/>
+          </a:xfrm>
+          <a:prstGeom prst="ellipse">
+            <a:avLst/>
+          </a:prstGeom>
+        </p:spPr>
+        <p:style>
+          <a:lnRef idx="2">
+            <a:schemeClr val="dk1"/>
+          </a:lnRef>
+          <a:fillRef idx="1">
+            <a:schemeClr val="lt1"/>
+          </a:fillRef>
+          <a:effectRef idx="0">
+            <a:schemeClr val="dk1"/>
+          </a:effectRef>
+          <a:fontRef idx="minor">
+            <a:schemeClr val="dk1"/>
+          </a:fontRef>
+        </p:style>
+        <p:txBody>
+          <a:bodyPr rtlCol="0" anchor="ctr"/>
+          <a:lstStyle/>
+          <a:p>
+            <a:pPr algn="ctr"/>
+            <a:r>
+              <a:rPr lang="en-IN" sz="1400" dirty="0"/>
+              <a:t>Start</a:t>
+            </a:r>
+          </a:p>
+        </p:txBody>
+      </p:sp>
+      <p:sp>
+        <p:nvSpPr>
+          <p:cNvPr id="6" name="Diamond 5">
+            <a:extLst>
+              <a:ext uri="{FF2B5EF4-FFF2-40B4-BE49-F238E27FC236}">
+                <a16:creationId xmlns:a16="http://schemas.microsoft.com/office/drawing/2014/main" id="{2EC46976-A1AA-436C-BCF7-B4A45CC9A33D}"/>
+              </a:ext>
+            </a:extLst>
+          </p:cNvPr>
+          <p:cNvSpPr/>
+          <p:nvPr/>
+        </p:nvSpPr>
+        <p:spPr>
+          <a:xfrm>
+            <a:off x="755386" y="3484987"/>
+            <a:ext cx="2002446" cy="937820"/>
+          </a:xfrm>
+          <a:prstGeom prst="diamond">
+            <a:avLst/>
+          </a:prstGeom>
+        </p:spPr>
+        <p:style>
+          <a:lnRef idx="2">
+            <a:schemeClr val="dk1"/>
+          </a:lnRef>
+          <a:fillRef idx="1">
+            <a:schemeClr val="lt1"/>
+          </a:fillRef>
+          <a:effectRef idx="0">
+            <a:schemeClr val="dk1"/>
+          </a:effectRef>
+          <a:fontRef idx="minor">
+            <a:schemeClr val="dk1"/>
+          </a:fontRef>
+        </p:style>
+        <p:txBody>
+          <a:bodyPr rtlCol="0" anchor="ctr"/>
+          <a:lstStyle/>
+          <a:p>
+            <a:pPr algn="ctr"/>
+            <a:r>
+              <a:rPr lang="en-IN" sz="1400" dirty="0"/>
+              <a:t>Check User Input</a:t>
+            </a:r>
+          </a:p>
+        </p:txBody>
+      </p:sp>
+      <p:sp>
+        <p:nvSpPr>
+          <p:cNvPr id="7" name="Rectangle: Rounded Corners 6">
+            <a:extLst>
+              <a:ext uri="{FF2B5EF4-FFF2-40B4-BE49-F238E27FC236}">
+                <a16:creationId xmlns:a16="http://schemas.microsoft.com/office/drawing/2014/main" id="{160A6978-929F-4F01-A1BA-3ECBE648004B}"/>
+              </a:ext>
+            </a:extLst>
+          </p:cNvPr>
+          <p:cNvSpPr/>
+          <p:nvPr/>
+        </p:nvSpPr>
+        <p:spPr>
+          <a:xfrm>
+            <a:off x="4081112" y="2216216"/>
+            <a:ext cx="1872959" cy="770021"/>
+          </a:xfrm>
+          <a:prstGeom prst="roundRect">
+            <a:avLst/>
+          </a:prstGeom>
+        </p:spPr>
+        <p:style>
+          <a:lnRef idx="2">
+            <a:schemeClr val="dk1"/>
+          </a:lnRef>
+          <a:fillRef idx="1">
+            <a:schemeClr val="lt1"/>
+          </a:fillRef>
+          <a:effectRef idx="0">
+            <a:schemeClr val="dk1"/>
+          </a:effectRef>
+          <a:fontRef idx="minor">
+            <a:schemeClr val="dk1"/>
+          </a:fontRef>
+        </p:style>
+        <p:txBody>
+          <a:bodyPr rtlCol="0" anchor="ctr"/>
+          <a:lstStyle/>
+          <a:p>
+            <a:pPr algn="ctr"/>
+            <a:r>
+              <a:rPr lang="en-IN" sz="1400" dirty="0"/>
+              <a:t>Multisequence Learning - Numbers</a:t>
+            </a:r>
+          </a:p>
+        </p:txBody>
+      </p:sp>
+      <p:sp>
+        <p:nvSpPr>
+          <p:cNvPr id="8" name="Rectangle: Rounded Corners 7">
+            <a:extLst>
+              <a:ext uri="{FF2B5EF4-FFF2-40B4-BE49-F238E27FC236}">
+                <a16:creationId xmlns:a16="http://schemas.microsoft.com/office/drawing/2014/main" id="{FF074F6C-0BCE-4E8E-9195-A6398E15AFA5}"/>
+              </a:ext>
+            </a:extLst>
+          </p:cNvPr>
+          <p:cNvSpPr/>
+          <p:nvPr/>
+        </p:nvSpPr>
+        <p:spPr>
+          <a:xfrm>
+            <a:off x="4099712" y="3534074"/>
+            <a:ext cx="1872959" cy="770021"/>
+          </a:xfrm>
+          <a:prstGeom prst="roundRect">
+            <a:avLst/>
+          </a:prstGeom>
+        </p:spPr>
+        <p:style>
+          <a:lnRef idx="2">
+            <a:schemeClr val="dk1"/>
+          </a:lnRef>
+          <a:fillRef idx="1">
+            <a:schemeClr val="lt1"/>
+          </a:fillRef>
+          <a:effectRef idx="0">
+            <a:schemeClr val="dk1"/>
+          </a:effectRef>
+          <a:fontRef idx="minor">
+            <a:schemeClr val="dk1"/>
+          </a:fontRef>
+        </p:style>
+        <p:txBody>
+          <a:bodyPr rtlCol="0" anchor="ctr"/>
+          <a:lstStyle/>
+          <a:p>
+            <a:pPr algn="ctr"/>
+            <a:r>
+              <a:rPr lang="en-IN" sz="1400" dirty="0"/>
+              <a:t>Multisequence Learning - Alphabets</a:t>
+            </a:r>
+          </a:p>
+        </p:txBody>
+      </p:sp>
+      <p:sp>
+        <p:nvSpPr>
+          <p:cNvPr id="9" name="Rectangle: Rounded Corners 8">
+            <a:extLst>
+              <a:ext uri="{FF2B5EF4-FFF2-40B4-BE49-F238E27FC236}">
+                <a16:creationId xmlns:a16="http://schemas.microsoft.com/office/drawing/2014/main" id="{5D8969E2-455F-4063-B87F-BEDD5717FC83}"/>
+              </a:ext>
+            </a:extLst>
+          </p:cNvPr>
+          <p:cNvSpPr/>
+          <p:nvPr/>
+        </p:nvSpPr>
+        <p:spPr>
+          <a:xfrm>
+            <a:off x="4081110" y="4722793"/>
+            <a:ext cx="1872959" cy="770021"/>
+          </a:xfrm>
+          <a:prstGeom prst="roundRect">
+            <a:avLst/>
+          </a:prstGeom>
+        </p:spPr>
+        <p:style>
+          <a:lnRef idx="2">
+            <a:schemeClr val="dk1"/>
+          </a:lnRef>
+          <a:fillRef idx="1">
+            <a:schemeClr val="lt1"/>
+          </a:fillRef>
+          <a:effectRef idx="0">
+            <a:schemeClr val="dk1"/>
+          </a:effectRef>
+          <a:fontRef idx="minor">
+            <a:schemeClr val="dk1"/>
+          </a:fontRef>
+        </p:style>
+        <p:txBody>
+          <a:bodyPr rtlCol="0" anchor="ctr"/>
+          <a:lstStyle/>
+          <a:p>
+            <a:pPr algn="ctr"/>
+            <a:r>
+              <a:rPr lang="en-IN" sz="1400" dirty="0"/>
+              <a:t>Multisequence Learning - Image</a:t>
+            </a:r>
+          </a:p>
+        </p:txBody>
+      </p:sp>
+      <p:cxnSp>
+        <p:nvCxnSpPr>
+          <p:cNvPr id="15" name="Straight Arrow Connector 14">
+            <a:extLst>
+              <a:ext uri="{FF2B5EF4-FFF2-40B4-BE49-F238E27FC236}">
+                <a16:creationId xmlns:a16="http://schemas.microsoft.com/office/drawing/2014/main" id="{2A8CBABD-E43D-4135-8FA3-F27FE3312A29}"/>
+              </a:ext>
+            </a:extLst>
+          </p:cNvPr>
+          <p:cNvCxnSpPr>
+            <a:endCxn id="7" idx="1"/>
+          </p:cNvCxnSpPr>
+          <p:nvPr/>
+        </p:nvCxnSpPr>
+        <p:spPr>
+          <a:xfrm flipV="1">
+            <a:off x="2646947" y="2601227"/>
+            <a:ext cx="1434165" cy="1171875"/>
+          </a:xfrm>
+          <a:prstGeom prst="straightConnector1">
+            <a:avLst/>
+          </a:prstGeom>
+          <a:ln>
+            <a:tailEnd type="triangle"/>
+          </a:ln>
+        </p:spPr>
+        <p:style>
+          <a:lnRef idx="1">
+            <a:schemeClr val="dk1"/>
+          </a:lnRef>
+          <a:fillRef idx="0">
+            <a:schemeClr val="dk1"/>
+          </a:fillRef>
+          <a:effectRef idx="0">
+            <a:schemeClr val="dk1"/>
+          </a:effectRef>
+          <a:fontRef idx="minor">
+            <a:schemeClr val="tx1"/>
+          </a:fontRef>
+        </p:style>
+      </p:cxnSp>
+      <p:cxnSp>
+        <p:nvCxnSpPr>
+          <p:cNvPr id="17" name="Straight Arrow Connector 16">
+            <a:extLst>
+              <a:ext uri="{FF2B5EF4-FFF2-40B4-BE49-F238E27FC236}">
+                <a16:creationId xmlns:a16="http://schemas.microsoft.com/office/drawing/2014/main" id="{BCD14C75-908C-4BB4-8C59-F08F8554C1BA}"/>
+              </a:ext>
+            </a:extLst>
+          </p:cNvPr>
+          <p:cNvCxnSpPr>
+            <a:stCxn id="6" idx="3"/>
+          </p:cNvCxnSpPr>
+          <p:nvPr/>
+        </p:nvCxnSpPr>
+        <p:spPr>
+          <a:xfrm>
+            <a:off x="2757832" y="3953897"/>
+            <a:ext cx="1323278" cy="0"/>
+          </a:xfrm>
+          <a:prstGeom prst="straightConnector1">
+            <a:avLst/>
+          </a:prstGeom>
+          <a:ln>
+            <a:tailEnd type="triangle"/>
+          </a:ln>
+        </p:spPr>
+        <p:style>
+          <a:lnRef idx="1">
+            <a:schemeClr val="dk1"/>
+          </a:lnRef>
+          <a:fillRef idx="0">
+            <a:schemeClr val="dk1"/>
+          </a:fillRef>
+          <a:effectRef idx="0">
+            <a:schemeClr val="dk1"/>
+          </a:effectRef>
+          <a:fontRef idx="minor">
+            <a:schemeClr val="tx1"/>
+          </a:fontRef>
+        </p:style>
+      </p:cxnSp>
+      <p:cxnSp>
+        <p:nvCxnSpPr>
+          <p:cNvPr id="19" name="Straight Arrow Connector 18">
+            <a:extLst>
+              <a:ext uri="{FF2B5EF4-FFF2-40B4-BE49-F238E27FC236}">
+                <a16:creationId xmlns:a16="http://schemas.microsoft.com/office/drawing/2014/main" id="{8D58CA26-3D49-43D7-888D-1114EC928C4B}"/>
+              </a:ext>
+            </a:extLst>
+          </p:cNvPr>
+          <p:cNvCxnSpPr>
+            <a:endCxn id="9" idx="1"/>
+          </p:cNvCxnSpPr>
+          <p:nvPr/>
+        </p:nvCxnSpPr>
+        <p:spPr>
+          <a:xfrm>
+            <a:off x="2646947" y="4090736"/>
+            <a:ext cx="1434163" cy="1017068"/>
+          </a:xfrm>
+          <a:prstGeom prst="straightConnector1">
+            <a:avLst/>
+          </a:prstGeom>
+          <a:ln>
+            <a:tailEnd type="triangle"/>
+          </a:ln>
+        </p:spPr>
+        <p:style>
+          <a:lnRef idx="1">
+            <a:schemeClr val="dk1"/>
+          </a:lnRef>
+          <a:fillRef idx="0">
+            <a:schemeClr val="dk1"/>
+          </a:fillRef>
+          <a:effectRef idx="0">
+            <a:schemeClr val="dk1"/>
+          </a:effectRef>
+          <a:fontRef idx="minor">
+            <a:schemeClr val="tx1"/>
+          </a:fontRef>
+        </p:style>
+      </p:cxnSp>
+      <p:cxnSp>
+        <p:nvCxnSpPr>
+          <p:cNvPr id="21" name="Straight Arrow Connector 20">
+            <a:extLst>
+              <a:ext uri="{FF2B5EF4-FFF2-40B4-BE49-F238E27FC236}">
+                <a16:creationId xmlns:a16="http://schemas.microsoft.com/office/drawing/2014/main" id="{E07D8E1D-CAD2-4EA5-8AD0-FED91BB130ED}"/>
+              </a:ext>
+            </a:extLst>
+          </p:cNvPr>
+          <p:cNvCxnSpPr>
+            <a:stCxn id="5" idx="4"/>
+          </p:cNvCxnSpPr>
+          <p:nvPr/>
+        </p:nvCxnSpPr>
+        <p:spPr>
+          <a:xfrm>
+            <a:off x="1756609" y="1588167"/>
+            <a:ext cx="0" cy="519765"/>
+          </a:xfrm>
+          <a:prstGeom prst="straightConnector1">
+            <a:avLst/>
+          </a:prstGeom>
+          <a:ln>
+            <a:tailEnd type="triangle"/>
+          </a:ln>
+        </p:spPr>
+        <p:style>
+          <a:lnRef idx="1">
+            <a:schemeClr val="dk1"/>
+          </a:lnRef>
+          <a:fillRef idx="0">
+            <a:schemeClr val="dk1"/>
+          </a:fillRef>
+          <a:effectRef idx="0">
+            <a:schemeClr val="dk1"/>
+          </a:effectRef>
+          <a:fontRef idx="minor">
+            <a:schemeClr val="tx1"/>
+          </a:fontRef>
+        </p:style>
+      </p:cxnSp>
+      <p:cxnSp>
+        <p:nvCxnSpPr>
+          <p:cNvPr id="23" name="Straight Arrow Connector 22">
+            <a:extLst>
+              <a:ext uri="{FF2B5EF4-FFF2-40B4-BE49-F238E27FC236}">
+                <a16:creationId xmlns:a16="http://schemas.microsoft.com/office/drawing/2014/main" id="{620D050F-E0EF-427C-9CE7-8EE923A8F271}"/>
+              </a:ext>
+            </a:extLst>
+          </p:cNvPr>
+          <p:cNvCxnSpPr>
+            <a:stCxn id="4" idx="2"/>
+            <a:endCxn id="6" idx="0"/>
+          </p:cNvCxnSpPr>
+          <p:nvPr/>
+        </p:nvCxnSpPr>
+        <p:spPr>
+          <a:xfrm>
+            <a:off x="1756609" y="2895842"/>
+            <a:ext cx="0" cy="589145"/>
+          </a:xfrm>
+          <a:prstGeom prst="straightConnector1">
+            <a:avLst/>
+          </a:prstGeom>
+          <a:ln>
+            <a:tailEnd type="triangle"/>
+          </a:ln>
+        </p:spPr>
+        <p:style>
+          <a:lnRef idx="1">
+            <a:schemeClr val="dk1"/>
+          </a:lnRef>
+          <a:fillRef idx="0">
+            <a:schemeClr val="dk1"/>
+          </a:fillRef>
+          <a:effectRef idx="0">
+            <a:schemeClr val="dk1"/>
+          </a:effectRef>
+          <a:fontRef idx="minor">
+            <a:schemeClr val="tx1"/>
+          </a:fontRef>
+        </p:style>
+      </p:cxnSp>
+      <p:sp>
+        <p:nvSpPr>
+          <p:cNvPr id="24" name="Rectangle: Rounded Corners 23">
+            <a:extLst>
+              <a:ext uri="{FF2B5EF4-FFF2-40B4-BE49-F238E27FC236}">
+                <a16:creationId xmlns:a16="http://schemas.microsoft.com/office/drawing/2014/main" id="{DF773536-5C4A-4DF3-B286-3DCD6E4F77F5}"/>
+              </a:ext>
+            </a:extLst>
+          </p:cNvPr>
+          <p:cNvSpPr/>
+          <p:nvPr/>
+        </p:nvSpPr>
+        <p:spPr>
+          <a:xfrm>
+            <a:off x="7190071" y="3534074"/>
+            <a:ext cx="1617044" cy="770021"/>
+          </a:xfrm>
+          <a:prstGeom prst="roundRect">
+            <a:avLst/>
+          </a:prstGeom>
+        </p:spPr>
+        <p:style>
+          <a:lnRef idx="2">
+            <a:schemeClr val="dk1"/>
+          </a:lnRef>
+          <a:fillRef idx="1">
+            <a:schemeClr val="lt1"/>
+          </a:fillRef>
+          <a:effectRef idx="0">
+            <a:schemeClr val="dk1"/>
+          </a:effectRef>
+          <a:fontRef idx="minor">
+            <a:schemeClr val="dk1"/>
+          </a:fontRef>
+        </p:style>
+        <p:txBody>
+          <a:bodyPr rtlCol="0" anchor="ctr"/>
+          <a:lstStyle/>
+          <a:p>
+            <a:pPr algn="ctr"/>
+            <a:r>
+              <a:rPr lang="en-IN" sz="1400" dirty="0"/>
+              <a:t>Train Datasets</a:t>
+            </a:r>
+          </a:p>
+        </p:txBody>
+      </p:sp>
+      <p:sp>
+        <p:nvSpPr>
+          <p:cNvPr id="25" name="Rectangle: Rounded Corners 24">
+            <a:extLst>
+              <a:ext uri="{FF2B5EF4-FFF2-40B4-BE49-F238E27FC236}">
+                <a16:creationId xmlns:a16="http://schemas.microsoft.com/office/drawing/2014/main" id="{9CC91474-98C8-4CAE-AFDD-AAC2F4971A14}"/>
+              </a:ext>
+            </a:extLst>
+          </p:cNvPr>
+          <p:cNvSpPr/>
+          <p:nvPr/>
+        </p:nvSpPr>
+        <p:spPr>
+          <a:xfrm>
+            <a:off x="9545053" y="3534073"/>
+            <a:ext cx="1617043" cy="770021"/>
+          </a:xfrm>
+          <a:prstGeom prst="roundRect">
+            <a:avLst/>
+          </a:prstGeom>
+        </p:spPr>
+        <p:style>
+          <a:lnRef idx="2">
+            <a:schemeClr val="dk1"/>
+          </a:lnRef>
+          <a:fillRef idx="1">
+            <a:schemeClr val="lt1"/>
+          </a:fillRef>
+          <a:effectRef idx="0">
+            <a:schemeClr val="dk1"/>
+          </a:effectRef>
+          <a:fontRef idx="minor">
+            <a:schemeClr val="dk1"/>
+          </a:fontRef>
+        </p:style>
+        <p:txBody>
+          <a:bodyPr rtlCol="0" anchor="ctr"/>
+          <a:lstStyle/>
+          <a:p>
+            <a:pPr algn="ctr"/>
+            <a:r>
+              <a:rPr lang="en-IN" sz="1400" dirty="0"/>
+              <a:t>Testing</a:t>
+            </a:r>
+            <a:endParaRPr lang="en-IN" dirty="0"/>
+          </a:p>
+        </p:txBody>
+      </p:sp>
+      <p:cxnSp>
+        <p:nvCxnSpPr>
+          <p:cNvPr id="27" name="Straight Arrow Connector 26">
+            <a:extLst>
+              <a:ext uri="{FF2B5EF4-FFF2-40B4-BE49-F238E27FC236}">
+                <a16:creationId xmlns:a16="http://schemas.microsoft.com/office/drawing/2014/main" id="{0D446B1E-59C1-46E0-9983-91B22AA00F46}"/>
+              </a:ext>
+            </a:extLst>
+          </p:cNvPr>
+          <p:cNvCxnSpPr>
+            <a:stCxn id="7" idx="3"/>
+            <a:endCxn id="24" idx="1"/>
+          </p:cNvCxnSpPr>
+          <p:nvPr/>
+        </p:nvCxnSpPr>
+        <p:spPr>
+          <a:xfrm>
+            <a:off x="5954071" y="2601227"/>
+            <a:ext cx="1236000" cy="1317858"/>
+          </a:xfrm>
+          <a:prstGeom prst="straightConnector1">
+            <a:avLst/>
+          </a:prstGeom>
+          <a:ln>
+            <a:tailEnd type="triangle"/>
+          </a:ln>
+        </p:spPr>
+        <p:style>
+          <a:lnRef idx="1">
+            <a:schemeClr val="dk1"/>
+          </a:lnRef>
+          <a:fillRef idx="0">
+            <a:schemeClr val="dk1"/>
+          </a:fillRef>
+          <a:effectRef idx="0">
+            <a:schemeClr val="dk1"/>
+          </a:effectRef>
+          <a:fontRef idx="minor">
+            <a:schemeClr val="tx1"/>
+          </a:fontRef>
+        </p:style>
+      </p:cxnSp>
+      <p:cxnSp>
+        <p:nvCxnSpPr>
+          <p:cNvPr id="29" name="Straight Arrow Connector 28">
+            <a:extLst>
+              <a:ext uri="{FF2B5EF4-FFF2-40B4-BE49-F238E27FC236}">
+                <a16:creationId xmlns:a16="http://schemas.microsoft.com/office/drawing/2014/main" id="{6022A7E9-ECFD-4BDF-BFFC-C66A08BED1CB}"/>
+              </a:ext>
+            </a:extLst>
+          </p:cNvPr>
+          <p:cNvCxnSpPr>
+            <a:stCxn id="8" idx="3"/>
+            <a:endCxn id="24" idx="1"/>
+          </p:cNvCxnSpPr>
+          <p:nvPr/>
+        </p:nvCxnSpPr>
+        <p:spPr>
+          <a:xfrm>
+            <a:off x="5972671" y="3919085"/>
+            <a:ext cx="1217400" cy="0"/>
+          </a:xfrm>
+          <a:prstGeom prst="straightConnector1">
+            <a:avLst/>
+          </a:prstGeom>
+          <a:ln>
+            <a:tailEnd type="triangle"/>
+          </a:ln>
+        </p:spPr>
+        <p:style>
+          <a:lnRef idx="1">
+            <a:schemeClr val="dk1"/>
+          </a:lnRef>
+          <a:fillRef idx="0">
+            <a:schemeClr val="dk1"/>
+          </a:fillRef>
+          <a:effectRef idx="0">
+            <a:schemeClr val="dk1"/>
+          </a:effectRef>
+          <a:fontRef idx="minor">
+            <a:schemeClr val="tx1"/>
+          </a:fontRef>
+        </p:style>
+      </p:cxnSp>
+      <p:cxnSp>
+        <p:nvCxnSpPr>
+          <p:cNvPr id="31" name="Straight Arrow Connector 30">
+            <a:extLst>
+              <a:ext uri="{FF2B5EF4-FFF2-40B4-BE49-F238E27FC236}">
+                <a16:creationId xmlns:a16="http://schemas.microsoft.com/office/drawing/2014/main" id="{22F5BBFC-2DAE-4931-A128-70A53D562003}"/>
+              </a:ext>
+            </a:extLst>
+          </p:cNvPr>
+          <p:cNvCxnSpPr>
+            <a:stCxn id="9" idx="3"/>
+            <a:endCxn id="24" idx="1"/>
+          </p:cNvCxnSpPr>
+          <p:nvPr/>
+        </p:nvCxnSpPr>
+        <p:spPr>
+          <a:xfrm flipV="1">
+            <a:off x="5954069" y="3919085"/>
+            <a:ext cx="1236002" cy="1188719"/>
+          </a:xfrm>
+          <a:prstGeom prst="straightConnector1">
+            <a:avLst/>
+          </a:prstGeom>
+          <a:ln>
+            <a:tailEnd type="triangle"/>
+          </a:ln>
+        </p:spPr>
+        <p:style>
+          <a:lnRef idx="1">
+            <a:schemeClr val="dk1"/>
+          </a:lnRef>
+          <a:fillRef idx="0">
+            <a:schemeClr val="dk1"/>
+          </a:fillRef>
+          <a:effectRef idx="0">
+            <a:schemeClr val="dk1"/>
+          </a:effectRef>
+          <a:fontRef idx="minor">
+            <a:schemeClr val="tx1"/>
+          </a:fontRef>
+        </p:style>
+      </p:cxnSp>
+      <p:cxnSp>
+        <p:nvCxnSpPr>
+          <p:cNvPr id="38" name="Straight Arrow Connector 37">
+            <a:extLst>
+              <a:ext uri="{FF2B5EF4-FFF2-40B4-BE49-F238E27FC236}">
+                <a16:creationId xmlns:a16="http://schemas.microsoft.com/office/drawing/2014/main" id="{322B7C2C-A0AE-4CBB-9995-70EEC1C079FF}"/>
+              </a:ext>
+            </a:extLst>
+          </p:cNvPr>
+          <p:cNvCxnSpPr>
+            <a:stCxn id="24" idx="3"/>
+            <a:endCxn id="25" idx="1"/>
+          </p:cNvCxnSpPr>
+          <p:nvPr/>
+        </p:nvCxnSpPr>
+        <p:spPr>
+          <a:xfrm flipV="1">
+            <a:off x="8807115" y="3919084"/>
+            <a:ext cx="737938" cy="1"/>
+          </a:xfrm>
+          <a:prstGeom prst="straightConnector1">
+            <a:avLst/>
+          </a:prstGeom>
+          <a:ln>
+            <a:tailEnd type="triangle"/>
+          </a:ln>
+        </p:spPr>
+        <p:style>
+          <a:lnRef idx="1">
+            <a:schemeClr val="dk1"/>
+          </a:lnRef>
+          <a:fillRef idx="0">
+            <a:schemeClr val="dk1"/>
+          </a:fillRef>
+          <a:effectRef idx="0">
+            <a:schemeClr val="dk1"/>
+          </a:effectRef>
+          <a:fontRef idx="minor">
+            <a:schemeClr val="tx1"/>
+          </a:fontRef>
+        </p:style>
+      </p:cxnSp>
+      <p:sp>
+        <p:nvSpPr>
+          <p:cNvPr id="39" name="Rectangle: Rounded Corners 38">
+            <a:extLst>
+              <a:ext uri="{FF2B5EF4-FFF2-40B4-BE49-F238E27FC236}">
+                <a16:creationId xmlns:a16="http://schemas.microsoft.com/office/drawing/2014/main" id="{2BFEAE9F-A5BD-48CC-A713-CD411A6C2499}"/>
+              </a:ext>
+            </a:extLst>
+          </p:cNvPr>
+          <p:cNvSpPr/>
+          <p:nvPr/>
+        </p:nvSpPr>
+        <p:spPr>
+          <a:xfrm>
+            <a:off x="888156" y="4908884"/>
+            <a:ext cx="1742172" cy="668958"/>
+          </a:xfrm>
+          <a:prstGeom prst="roundRect">
+            <a:avLst/>
+          </a:prstGeom>
+        </p:spPr>
+        <p:style>
+          <a:lnRef idx="2">
+            <a:schemeClr val="dk1"/>
+          </a:lnRef>
+          <a:fillRef idx="1">
+            <a:schemeClr val="lt1"/>
+          </a:fillRef>
+          <a:effectRef idx="0">
+            <a:schemeClr val="dk1"/>
+          </a:effectRef>
+          <a:fontRef idx="minor">
+            <a:schemeClr val="dk1"/>
+          </a:fontRef>
+        </p:style>
+        <p:txBody>
+          <a:bodyPr rtlCol="0" anchor="ctr"/>
+          <a:lstStyle/>
+          <a:p>
+            <a:pPr algn="ctr"/>
+            <a:r>
+              <a:rPr lang="en-IN" sz="1400" dirty="0"/>
+              <a:t>User Entered Invalid Number</a:t>
+            </a:r>
+          </a:p>
+        </p:txBody>
+      </p:sp>
+      <p:sp>
+        <p:nvSpPr>
+          <p:cNvPr id="41" name="Oval 40">
+            <a:extLst>
+              <a:ext uri="{FF2B5EF4-FFF2-40B4-BE49-F238E27FC236}">
+                <a16:creationId xmlns:a16="http://schemas.microsoft.com/office/drawing/2014/main" id="{9D1BACC5-5108-4028-BA21-B93C89F088DA}"/>
+              </a:ext>
+            </a:extLst>
+          </p:cNvPr>
+          <p:cNvSpPr/>
+          <p:nvPr/>
+        </p:nvSpPr>
+        <p:spPr>
+          <a:xfrm>
+            <a:off x="1135779" y="6194491"/>
+            <a:ext cx="1241660" cy="596767"/>
+          </a:xfrm>
+          <a:prstGeom prst="ellipse">
+            <a:avLst/>
+          </a:prstGeom>
+        </p:spPr>
+        <p:style>
+          <a:lnRef idx="2">
+            <a:schemeClr val="dk1"/>
+          </a:lnRef>
+          <a:fillRef idx="1">
+            <a:schemeClr val="lt1"/>
+          </a:fillRef>
+          <a:effectRef idx="0">
+            <a:schemeClr val="dk1"/>
+          </a:effectRef>
+          <a:fontRef idx="minor">
+            <a:schemeClr val="dk1"/>
+          </a:fontRef>
+        </p:style>
+        <p:txBody>
+          <a:bodyPr rtlCol="0" anchor="ctr"/>
+          <a:lstStyle/>
+          <a:p>
+            <a:pPr algn="ctr"/>
+            <a:r>
+              <a:rPr lang="en-IN" sz="1400" dirty="0"/>
+              <a:t>End Program</a:t>
+            </a:r>
+          </a:p>
+        </p:txBody>
+      </p:sp>
+      <p:cxnSp>
+        <p:nvCxnSpPr>
+          <p:cNvPr id="43" name="Straight Arrow Connector 42">
+            <a:extLst>
+              <a:ext uri="{FF2B5EF4-FFF2-40B4-BE49-F238E27FC236}">
+                <a16:creationId xmlns:a16="http://schemas.microsoft.com/office/drawing/2014/main" id="{07CA9073-8B2A-43F0-BFFA-8BF0B325AE6F}"/>
+              </a:ext>
+            </a:extLst>
+          </p:cNvPr>
+          <p:cNvCxnSpPr>
+            <a:stCxn id="6" idx="2"/>
+            <a:endCxn id="39" idx="0"/>
+          </p:cNvCxnSpPr>
+          <p:nvPr/>
+        </p:nvCxnSpPr>
+        <p:spPr>
+          <a:xfrm>
+            <a:off x="1756609" y="4422807"/>
+            <a:ext cx="2633" cy="486077"/>
+          </a:xfrm>
+          <a:prstGeom prst="straightConnector1">
+            <a:avLst/>
+          </a:prstGeom>
+          <a:ln>
+            <a:tailEnd type="triangle"/>
+          </a:ln>
+        </p:spPr>
+        <p:style>
+          <a:lnRef idx="1">
+            <a:schemeClr val="dk1"/>
+          </a:lnRef>
+          <a:fillRef idx="0">
+            <a:schemeClr val="dk1"/>
+          </a:fillRef>
+          <a:effectRef idx="0">
+            <a:schemeClr val="dk1"/>
+          </a:effectRef>
+          <a:fontRef idx="minor">
+            <a:schemeClr val="tx1"/>
+          </a:fontRef>
+        </p:style>
+      </p:cxnSp>
+      <p:cxnSp>
+        <p:nvCxnSpPr>
+          <p:cNvPr id="46" name="Straight Arrow Connector 45">
+            <a:extLst>
+              <a:ext uri="{FF2B5EF4-FFF2-40B4-BE49-F238E27FC236}">
+                <a16:creationId xmlns:a16="http://schemas.microsoft.com/office/drawing/2014/main" id="{5496ECDD-3287-497A-A7B8-60840E822520}"/>
+              </a:ext>
+            </a:extLst>
+          </p:cNvPr>
+          <p:cNvCxnSpPr>
+            <a:stCxn id="39" idx="2"/>
+            <a:endCxn id="41" idx="0"/>
+          </p:cNvCxnSpPr>
+          <p:nvPr/>
+        </p:nvCxnSpPr>
+        <p:spPr>
+          <a:xfrm flipH="1">
+            <a:off x="1756609" y="5577842"/>
+            <a:ext cx="2633" cy="616649"/>
+          </a:xfrm>
+          <a:prstGeom prst="straightConnector1">
+            <a:avLst/>
+          </a:prstGeom>
+          <a:ln>
+            <a:tailEnd type="triangle"/>
+          </a:ln>
+        </p:spPr>
+        <p:style>
+          <a:lnRef idx="1">
+            <a:schemeClr val="dk1"/>
+          </a:lnRef>
+          <a:fillRef idx="0">
+            <a:schemeClr val="dk1"/>
+          </a:fillRef>
+          <a:effectRef idx="0">
+            <a:schemeClr val="dk1"/>
+          </a:effectRef>
+          <a:fontRef idx="minor">
+            <a:schemeClr val="tx1"/>
+          </a:fontRef>
+        </p:style>
+      </p:cxnSp>
+      <p:pic>
+        <p:nvPicPr>
+          <p:cNvPr id="47" name="Picture 46">
+            <a:extLst>
+              <a:ext uri="{FF2B5EF4-FFF2-40B4-BE49-F238E27FC236}">
+                <a16:creationId xmlns:a16="http://schemas.microsoft.com/office/drawing/2014/main" id="{26F64EC9-B46D-4F40-9480-876EB36356D5}"/>
+              </a:ext>
+            </a:extLst>
+          </p:cNvPr>
+          <p:cNvPicPr>
+            <a:picLocks noChangeAspect="1"/>
+          </p:cNvPicPr>
+          <p:nvPr/>
+        </p:nvPicPr>
+        <p:blipFill>
+          <a:blip r:embed="rId2"/>
+          <a:stretch>
+            <a:fillRect/>
+          </a:stretch>
+        </p:blipFill>
+        <p:spPr>
+          <a:xfrm>
+            <a:off x="9548260" y="0"/>
+            <a:ext cx="2637323" cy="1075216"/>
+          </a:xfrm>
+          <a:prstGeom prst="rect">
+            <a:avLst/>
+          </a:prstGeom>
+        </p:spPr>
+      </p:pic>
+    </p:spTree>
+    <p:extLst>
+      <p:ext uri="{BB962C8B-B14F-4D97-AF65-F5344CB8AC3E}">
+        <p14:creationId xmlns:p14="http://schemas.microsoft.com/office/powerpoint/2010/main" val="3135219604"/>
+      </p:ext>
+    </p:extLst>
+  </p:cSld>
+  <p:clrMapOvr>
+    <a:masterClrMapping/>
+  </p:clrMapOvr>
+</p:sld>
+</file>
+
+<file path=ppt/slides/slide9.xml><?xml version="1.0" encoding="utf-8"?>
+<p:sld xmlns:a="http://schemas.openxmlformats.org/drawingml/2006/main" xmlns:r="http://schemas.openxmlformats.org/officeDocument/2006/relationships" xmlns:p="http://schemas.openxmlformats.org/presentationml/2006/main">
+  <p:cSld>
+    <p:spTree>
+      <p:nvGrpSpPr>
+        <p:cNvPr id="1" name=""/>
+        <p:cNvGrpSpPr/>
+        <p:nvPr/>
+      </p:nvGrpSpPr>
+      <p:grpSpPr>
+        <a:xfrm>
+          <a:off x="0" y="0"/>
+          <a:ext cx="0" cy="0"/>
+          <a:chOff x="0" y="0"/>
+          <a:chExt cx="0" cy="0"/>
+        </a:xfrm>
+      </p:grpSpPr>
+      <p:sp>
+        <p:nvSpPr>
+          <p:cNvPr id="2" name="Title 1">
+            <a:extLst>
+              <a:ext uri="{FF2B5EF4-FFF2-40B4-BE49-F238E27FC236}">
+                <a16:creationId xmlns:a16="http://schemas.microsoft.com/office/drawing/2014/main" id="{3ACAC7B7-421C-46AA-8131-91B36CD6848B}"/>
               </a:ext>
             </a:extLst>
           </p:cNvPr>
@@ -4403,10 +9551,15 @@
         </p:nvSpPr>
         <p:spPr/>
         <p:txBody>
-          <a:bodyPr/>
+          <a:bodyPr>
+            <a:normAutofit/>
+          </a:bodyPr>
           <a:lstStyle/>
           <a:p>
-            <a:endParaRPr lang="en-IN" dirty="0"/>
+            <a:r>
+              <a:rPr lang="en-IN" sz="2800" dirty="0"/>
+              <a:t>Results</a:t>
+            </a:r>
           </a:p>
         </p:txBody>
       </p:sp>
@@ -4415,7 +9568,7 @@
           <p:cNvPr id="3" name="Content Placeholder 2">
             <a:extLst>
               <a:ext uri="{FF2B5EF4-FFF2-40B4-BE49-F238E27FC236}">
-                <a16:creationId xmlns:a16="http://schemas.microsoft.com/office/drawing/2014/main" id="{E00067C4-4982-4775-8035-334F5180B39B}"/>
+                <a16:creationId xmlns:a16="http://schemas.microsoft.com/office/drawing/2014/main" id="{76EE08B0-BF4E-4C9A-8B95-26C5510C0EEF}"/>
               </a:ext>
             </a:extLst>
           </p:cNvPr>
@@ -4431,14 +9584,50 @@
           <a:bodyPr/>
           <a:lstStyle/>
           <a:p>
-            <a:endParaRPr lang="en-IN"/>
+            <a:pPr marL="0" indent="0">
+              <a:buNone/>
+            </a:pPr>
+            <a:r>
+              <a:rPr lang="en-IN" dirty="0"/>
+              <a:t>Cycles and accuracy we can add</a:t>
+            </a:r>
           </a:p>
         </p:txBody>
       </p:sp>
+      <p:pic>
+        <p:nvPicPr>
+          <p:cNvPr id="4" name="Picture 3">
+            <a:extLst>
+              <a:ext uri="{FF2B5EF4-FFF2-40B4-BE49-F238E27FC236}">
+                <a16:creationId xmlns:a16="http://schemas.microsoft.com/office/drawing/2014/main" id="{706FC846-A675-4F5B-8834-35FA32EABCEA}"/>
+              </a:ext>
+            </a:extLst>
+          </p:cNvPr>
+          <p:cNvPicPr>
+            <a:picLocks noChangeAspect="1"/>
+          </p:cNvPicPr>
+          <p:nvPr/>
+        </p:nvPicPr>
+        <p:blipFill>
+          <a:blip r:embed="rId2"/>
+          <a:stretch>
+            <a:fillRect/>
+          </a:stretch>
+        </p:blipFill>
+        <p:spPr>
+          <a:xfrm>
+            <a:off x="9548260" y="0"/>
+            <a:ext cx="2637323" cy="1075216"/>
+          </a:xfrm>
+          <a:prstGeom prst="rect">
+            <a:avLst/>
+          </a:prstGeom>
+        </p:spPr>
+      </p:pic>
     </p:spTree>
     <p:extLst>
       <p:ext uri="{BB962C8B-B14F-4D97-AF65-F5344CB8AC3E}">
-        <p14:creationId xmlns:p14="http://schemas.microsoft.com/office/powerpoint/2010/main" val="407960777"/>
+        <p14:creationId xmlns:p14="http://schemas.microsoft.com/office/powerpoint/2010/main" val="1777858178"/>
       </p:ext>
     </p:extLst>
   </p:cSld>
